--- a/trunk/docs/Reuniones/Sprint 4/Informe de Avance/2013-10-28-InformedeAvance.pptx
+++ b/trunk/docs/Reuniones/Sprint 4/Informe de Avance/2013-10-28-InformedeAvance.pptx
@@ -116,7 +116,7 @@
   </p:defaultTextStyle>
   <p:extLst>
     <p:ext uri="{EFAFB233-063F-42B5-8137-9DF3F51BA10A}">
-      <p15:sldGuideLst xmlns:p15="http://schemas.microsoft.com/office/powerpoint/2012/main" xmlns=""/>
+      <p15:sldGuideLst xmlns="" xmlns:p15="http://schemas.microsoft.com/office/powerpoint/2012/main"/>
     </p:ext>
   </p:extLst>
 </p:presentation>
@@ -395,7 +395,7 @@
     </p:spTree>
     <p:extLst>
       <p:ext uri="{BB962C8B-B14F-4D97-AF65-F5344CB8AC3E}">
-        <p14:creationId xmlns:p14="http://schemas.microsoft.com/office/powerpoint/2010/main" xmlns="" val="2978784971"/>
+        <p14:creationId xmlns="" xmlns:p14="http://schemas.microsoft.com/office/powerpoint/2010/main" val="2978784971"/>
       </p:ext>
     </p:extLst>
   </p:cSld>
@@ -567,7 +567,7 @@
     </p:spTree>
     <p:extLst>
       <p:ext uri="{BB962C8B-B14F-4D97-AF65-F5344CB8AC3E}">
-        <p14:creationId xmlns:p14="http://schemas.microsoft.com/office/powerpoint/2010/main" xmlns="" val="3414630072"/>
+        <p14:creationId xmlns="" xmlns:p14="http://schemas.microsoft.com/office/powerpoint/2010/main" val="3414630072"/>
       </p:ext>
     </p:extLst>
   </p:cSld>
@@ -749,7 +749,7 @@
     </p:spTree>
     <p:extLst>
       <p:ext uri="{BB962C8B-B14F-4D97-AF65-F5344CB8AC3E}">
-        <p14:creationId xmlns:p14="http://schemas.microsoft.com/office/powerpoint/2010/main" xmlns="" val="1732606121"/>
+        <p14:creationId xmlns="" xmlns:p14="http://schemas.microsoft.com/office/powerpoint/2010/main" val="1732606121"/>
       </p:ext>
     </p:extLst>
   </p:cSld>
@@ -921,7 +921,7 @@
     </p:spTree>
     <p:extLst>
       <p:ext uri="{BB962C8B-B14F-4D97-AF65-F5344CB8AC3E}">
-        <p14:creationId xmlns:p14="http://schemas.microsoft.com/office/powerpoint/2010/main" xmlns="" val="2877234401"/>
+        <p14:creationId xmlns="" xmlns:p14="http://schemas.microsoft.com/office/powerpoint/2010/main" val="2877234401"/>
       </p:ext>
     </p:extLst>
   </p:cSld>
@@ -1179,7 +1179,7 @@
     </p:spTree>
     <p:extLst>
       <p:ext uri="{BB962C8B-B14F-4D97-AF65-F5344CB8AC3E}">
-        <p14:creationId xmlns:p14="http://schemas.microsoft.com/office/powerpoint/2010/main" xmlns="" val="2866971960"/>
+        <p14:creationId xmlns="" xmlns:p14="http://schemas.microsoft.com/office/powerpoint/2010/main" val="2866971960"/>
       </p:ext>
     </p:extLst>
   </p:cSld>
@@ -1469,7 +1469,7 @@
     </p:spTree>
     <p:extLst>
       <p:ext uri="{BB962C8B-B14F-4D97-AF65-F5344CB8AC3E}">
-        <p14:creationId xmlns:p14="http://schemas.microsoft.com/office/powerpoint/2010/main" xmlns="" val="2046317476"/>
+        <p14:creationId xmlns="" xmlns:p14="http://schemas.microsoft.com/office/powerpoint/2010/main" val="2046317476"/>
       </p:ext>
     </p:extLst>
   </p:cSld>
@@ -1909,7 +1909,7 @@
     </p:spTree>
     <p:extLst>
       <p:ext uri="{BB962C8B-B14F-4D97-AF65-F5344CB8AC3E}">
-        <p14:creationId xmlns:p14="http://schemas.microsoft.com/office/powerpoint/2010/main" xmlns="" val="4131858352"/>
+        <p14:creationId xmlns="" xmlns:p14="http://schemas.microsoft.com/office/powerpoint/2010/main" val="4131858352"/>
       </p:ext>
     </p:extLst>
   </p:cSld>
@@ -2029,7 +2029,7 @@
     </p:spTree>
     <p:extLst>
       <p:ext uri="{BB962C8B-B14F-4D97-AF65-F5344CB8AC3E}">
-        <p14:creationId xmlns:p14="http://schemas.microsoft.com/office/powerpoint/2010/main" xmlns="" val="677745671"/>
+        <p14:creationId xmlns="" xmlns:p14="http://schemas.microsoft.com/office/powerpoint/2010/main" val="677745671"/>
       </p:ext>
     </p:extLst>
   </p:cSld>
@@ -2126,7 +2126,7 @@
     </p:spTree>
     <p:extLst>
       <p:ext uri="{BB962C8B-B14F-4D97-AF65-F5344CB8AC3E}">
-        <p14:creationId xmlns:p14="http://schemas.microsoft.com/office/powerpoint/2010/main" xmlns="" val="422860722"/>
+        <p14:creationId xmlns="" xmlns:p14="http://schemas.microsoft.com/office/powerpoint/2010/main" val="422860722"/>
       </p:ext>
     </p:extLst>
   </p:cSld>
@@ -2494,7 +2494,7 @@
     </p:spTree>
     <p:extLst>
       <p:ext uri="{BB962C8B-B14F-4D97-AF65-F5344CB8AC3E}">
-        <p14:creationId xmlns:p14="http://schemas.microsoft.com/office/powerpoint/2010/main" xmlns="" val="4176082231"/>
+        <p14:creationId xmlns="" xmlns:p14="http://schemas.microsoft.com/office/powerpoint/2010/main" val="4176082231"/>
       </p:ext>
     </p:extLst>
   </p:cSld>
@@ -2822,7 +2822,7 @@
     </p:spTree>
     <p:extLst>
       <p:ext uri="{BB962C8B-B14F-4D97-AF65-F5344CB8AC3E}">
-        <p14:creationId xmlns:p14="http://schemas.microsoft.com/office/powerpoint/2010/main" xmlns="" val="3433054844"/>
+        <p14:creationId xmlns="" xmlns:p14="http://schemas.microsoft.com/office/powerpoint/2010/main" val="3433054844"/>
       </p:ext>
     </p:extLst>
   </p:cSld>
@@ -3077,7 +3077,7 @@
     </p:spTree>
     <p:extLst>
       <p:ext uri="{BB962C8B-B14F-4D97-AF65-F5344CB8AC3E}">
-        <p14:creationId xmlns:p14="http://schemas.microsoft.com/office/powerpoint/2010/main" xmlns="" val="4103197459"/>
+        <p14:creationId xmlns="" xmlns:p14="http://schemas.microsoft.com/office/powerpoint/2010/main" val="4103197459"/>
       </p:ext>
     </p:extLst>
   </p:cSld>
@@ -3462,11 +3462,7 @@
             </a:r>
             <a:r>
               <a:rPr lang="es-AR" sz="4000" dirty="0" smtClean="0"/>
-              <a:t>#4 </a:t>
-            </a:r>
-            <a:r>
-              <a:rPr lang="es-AR" sz="4000" dirty="0" smtClean="0"/>
-              <a:t>– Informe de Avance</a:t>
+              <a:t>#4 – Informe de Avance</a:t>
             </a:r>
             <a:endParaRPr lang="es-AR" sz="4000" dirty="0"/>
           </a:p>
@@ -3596,7 +3592,7 @@
     </p:spTree>
     <p:extLst>
       <p:ext uri="{BB962C8B-B14F-4D97-AF65-F5344CB8AC3E}">
-        <p14:creationId xmlns:p14="http://schemas.microsoft.com/office/powerpoint/2010/main" xmlns="" val="3686140897"/>
+        <p14:creationId xmlns="" xmlns:p14="http://schemas.microsoft.com/office/powerpoint/2010/main" val="3686140897"/>
       </p:ext>
     </p:extLst>
   </p:cSld>
@@ -3663,11 +3659,7 @@
             </a:r>
             <a:r>
               <a:rPr lang="es-AR" dirty="0" smtClean="0"/>
-              <a:t>] Mi reserva</a:t>
-            </a:r>
-            <a:r>
-              <a:rPr lang="es-AR" dirty="0" smtClean="0"/>
-              <a:t>	</a:t>
+              <a:t>] Mi reserva	</a:t>
             </a:r>
             <a:endParaRPr lang="es-AR" dirty="0"/>
           </a:p>
@@ -3743,7 +3735,6 @@
               <a:rPr lang="es-AR" sz="2400" dirty="0" smtClean="0"/>
               <a:t>En caos de cancelar volvemos a ver la pantalla como la imagen de la derecha.</a:t>
             </a:r>
-            <a:endParaRPr lang="es-AR" sz="2400" dirty="0" smtClean="0"/>
           </a:p>
         </p:txBody>
       </p:sp>
@@ -3814,7 +3805,7 @@
     </p:spTree>
     <p:extLst>
       <p:ext uri="{BB962C8B-B14F-4D97-AF65-F5344CB8AC3E}">
-        <p14:creationId xmlns:p14="http://schemas.microsoft.com/office/powerpoint/2010/main" xmlns="" val="3795601384"/>
+        <p14:creationId xmlns="" xmlns:p14="http://schemas.microsoft.com/office/powerpoint/2010/main" val="3795601384"/>
       </p:ext>
     </p:extLst>
   </p:cSld>
@@ -3881,11 +3872,7 @@
             </a:r>
             <a:r>
               <a:rPr lang="es-AR" dirty="0" smtClean="0"/>
-              <a:t>] Cancelar Reserva</a:t>
-            </a:r>
-            <a:r>
-              <a:rPr lang="es-AR" dirty="0" smtClean="0"/>
-              <a:t>	</a:t>
+              <a:t>] Cancelar Reserva	</a:t>
             </a:r>
             <a:endParaRPr lang="es-AR" dirty="0"/>
           </a:p>
@@ -3964,7 +3951,6 @@
               <a:rPr lang="es-AR" sz="2400" dirty="0" smtClean="0"/>
               <a:t>En caso de éxito, se le mostrar al usuario la ventana de mis compras y reservas.</a:t>
             </a:r>
-            <a:endParaRPr lang="es-AR" sz="2400" dirty="0" smtClean="0"/>
           </a:p>
         </p:txBody>
       </p:sp>
@@ -4035,7 +4021,7 @@
     </p:spTree>
     <p:extLst>
       <p:ext uri="{BB962C8B-B14F-4D97-AF65-F5344CB8AC3E}">
-        <p14:creationId xmlns:p14="http://schemas.microsoft.com/office/powerpoint/2010/main" xmlns="" val="3795601384"/>
+        <p14:creationId xmlns="" xmlns:p14="http://schemas.microsoft.com/office/powerpoint/2010/main" val="3795601384"/>
       </p:ext>
     </p:extLst>
   </p:cSld>
@@ -4150,14 +4136,13 @@
               <a:rPr lang="es-AR" sz="3200" dirty="0" smtClean="0"/>
               <a:t>.</a:t>
             </a:r>
-            <a:endParaRPr lang="es-AR" sz="3200" dirty="0" smtClean="0"/>
           </a:p>
         </p:txBody>
       </p:sp>
     </p:spTree>
     <p:extLst>
       <p:ext uri="{BB962C8B-B14F-4D97-AF65-F5344CB8AC3E}">
-        <p14:creationId xmlns:p14="http://schemas.microsoft.com/office/powerpoint/2010/main" xmlns="" val="253913631"/>
+        <p14:creationId xmlns="" xmlns:p14="http://schemas.microsoft.com/office/powerpoint/2010/main" val="253913631"/>
       </p:ext>
     </p:extLst>
   </p:cSld>
@@ -4266,7 +4251,7 @@
     </p:spTree>
     <p:extLst>
       <p:ext uri="{BB962C8B-B14F-4D97-AF65-F5344CB8AC3E}">
-        <p14:creationId xmlns:p14="http://schemas.microsoft.com/office/powerpoint/2010/main" xmlns="" val="1027980817"/>
+        <p14:creationId xmlns="" xmlns:p14="http://schemas.microsoft.com/office/powerpoint/2010/main" val="1027980817"/>
       </p:ext>
     </p:extLst>
   </p:cSld>
@@ -4366,7 +4351,7 @@
     </p:spTree>
     <p:extLst>
       <p:ext uri="{BB962C8B-B14F-4D97-AF65-F5344CB8AC3E}">
-        <p14:creationId xmlns:p14="http://schemas.microsoft.com/office/powerpoint/2010/main" xmlns="" val="3795601384"/>
+        <p14:creationId xmlns="" xmlns:p14="http://schemas.microsoft.com/office/powerpoint/2010/main" val="3795601384"/>
       </p:ext>
     </p:extLst>
   </p:cSld>
@@ -4423,11 +4408,7 @@
             <a:pPr algn="ctr"/>
             <a:r>
               <a:rPr lang="es-AR" dirty="0" smtClean="0"/>
-              <a:t>Métricas</a:t>
-            </a:r>
-            <a:r>
-              <a:rPr lang="es-AR" dirty="0" smtClean="0"/>
-              <a:t>	</a:t>
+              <a:t>Métricas	</a:t>
             </a:r>
             <a:endParaRPr lang="es-AR" dirty="0"/>
           </a:p>
@@ -4463,10 +4444,7431 @@
           </a:p>
         </p:txBody>
       </p:sp>
+      <p:graphicFrame>
+        <p:nvGraphicFramePr>
+          <p:cNvPr id="5" name="4 Tabla"/>
+          <p:cNvGraphicFramePr>
+            <a:graphicFrameLocks noGrp="1"/>
+          </p:cNvGraphicFramePr>
+          <p:nvPr/>
+        </p:nvGraphicFramePr>
+        <p:xfrm>
+          <a:off x="163286" y="1290109"/>
+          <a:ext cx="6056994" cy="5050483"/>
+        </p:xfrm>
+        <a:graphic>
+          <a:graphicData uri="http://schemas.openxmlformats.org/drawingml/2006/table">
+            <a:tbl>
+              <a:tblPr/>
+              <a:tblGrid>
+                <a:gridCol w="859971"/>
+                <a:gridCol w="2176677"/>
+                <a:gridCol w="868197"/>
+                <a:gridCol w="1027161"/>
+                <a:gridCol w="1124988"/>
+              </a:tblGrid>
+              <a:tr h="235192">
+                <a:tc>
+                  <a:txBody>
+                    <a:bodyPr/>
+                    <a:lstStyle/>
+                    <a:p>
+                      <a:pPr algn="ctr" rtl="0" fontAlgn="ctr"/>
+                      <a:r>
+                        <a:rPr lang="es-AR" sz="1400" b="1" i="0" u="none" strike="noStrike" dirty="0">
+                          <a:solidFill>
+                            <a:srgbClr val="000000"/>
+                          </a:solidFill>
+                          <a:latin typeface="Arial"/>
+                        </a:rPr>
+                        <a:t>Tipo</a:t>
+                      </a:r>
+                    </a:p>
+                  </a:txBody>
+                  <a:tcPr marL="9525" marR="9525" marT="9525" marB="0" anchor="ctr">
+                    <a:lnL w="6350" cap="flat" cmpd="sng" algn="ctr">
+                      <a:solidFill>
+                        <a:srgbClr val="000000"/>
+                      </a:solidFill>
+                      <a:prstDash val="solid"/>
+                      <a:round/>
+                      <a:headEnd type="none" w="med" len="med"/>
+                      <a:tailEnd type="none" w="med" len="med"/>
+                    </a:lnL>
+                    <a:lnR w="6350" cap="flat" cmpd="sng" algn="ctr">
+                      <a:solidFill>
+                        <a:srgbClr val="000000"/>
+                      </a:solidFill>
+                      <a:prstDash val="solid"/>
+                      <a:round/>
+                      <a:headEnd type="none" w="med" len="med"/>
+                      <a:tailEnd type="none" w="med" len="med"/>
+                    </a:lnR>
+                    <a:lnT w="6350" cap="flat" cmpd="sng" algn="ctr">
+                      <a:solidFill>
+                        <a:srgbClr val="000000"/>
+                      </a:solidFill>
+                      <a:prstDash val="solid"/>
+                      <a:round/>
+                      <a:headEnd type="none" w="med" len="med"/>
+                      <a:tailEnd type="none" w="med" len="med"/>
+                    </a:lnT>
+                    <a:lnB w="6350" cap="flat" cmpd="sng" algn="ctr">
+                      <a:solidFill>
+                        <a:srgbClr val="000000"/>
+                      </a:solidFill>
+                      <a:prstDash val="solid"/>
+                      <a:round/>
+                      <a:headEnd type="none" w="med" len="med"/>
+                      <a:tailEnd type="none" w="med" len="med"/>
+                    </a:lnB>
+                    <a:solidFill>
+                      <a:srgbClr val="9BBB59"/>
+                    </a:solidFill>
+                  </a:tcPr>
+                </a:tc>
+                <a:tc>
+                  <a:txBody>
+                    <a:bodyPr/>
+                    <a:lstStyle/>
+                    <a:p>
+                      <a:pPr algn="ctr" rtl="0" fontAlgn="ctr"/>
+                      <a:r>
+                        <a:rPr lang="es-AR" sz="1400" b="1" i="0" u="none" strike="noStrike" dirty="0" err="1">
+                          <a:solidFill>
+                            <a:srgbClr val="000000"/>
+                          </a:solidFill>
+                          <a:latin typeface="Arial"/>
+                        </a:rPr>
+                        <a:t>User</a:t>
+                      </a:r>
+                      <a:r>
+                        <a:rPr lang="es-AR" sz="1400" b="1" i="0" u="none" strike="noStrike" dirty="0">
+                          <a:solidFill>
+                            <a:srgbClr val="000000"/>
+                          </a:solidFill>
+                          <a:latin typeface="Arial"/>
+                        </a:rPr>
+                        <a:t> </a:t>
+                      </a:r>
+                      <a:r>
+                        <a:rPr lang="es-AR" sz="1400" b="1" i="0" u="none" strike="noStrike" dirty="0" err="1">
+                          <a:solidFill>
+                            <a:srgbClr val="000000"/>
+                          </a:solidFill>
+                          <a:latin typeface="Arial"/>
+                        </a:rPr>
+                        <a:t>Story</a:t>
+                      </a:r>
+                      <a:endParaRPr lang="es-AR" sz="1400" b="1" i="0" u="none" strike="noStrike" dirty="0">
+                        <a:solidFill>
+                          <a:srgbClr val="000000"/>
+                        </a:solidFill>
+                        <a:latin typeface="Arial"/>
+                      </a:endParaRPr>
+                    </a:p>
+                  </a:txBody>
+                  <a:tcPr marL="9525" marR="9525" marT="9525" marB="0" anchor="ctr">
+                    <a:lnL w="6350" cap="flat" cmpd="sng" algn="ctr">
+                      <a:solidFill>
+                        <a:srgbClr val="000000"/>
+                      </a:solidFill>
+                      <a:prstDash val="solid"/>
+                      <a:round/>
+                      <a:headEnd type="none" w="med" len="med"/>
+                      <a:tailEnd type="none" w="med" len="med"/>
+                    </a:lnL>
+                    <a:lnR w="6350" cap="flat" cmpd="sng" algn="ctr">
+                      <a:solidFill>
+                        <a:srgbClr val="000000"/>
+                      </a:solidFill>
+                      <a:prstDash val="solid"/>
+                      <a:round/>
+                      <a:headEnd type="none" w="med" len="med"/>
+                      <a:tailEnd type="none" w="med" len="med"/>
+                    </a:lnR>
+                    <a:lnT w="6350" cap="flat" cmpd="sng" algn="ctr">
+                      <a:solidFill>
+                        <a:srgbClr val="000000"/>
+                      </a:solidFill>
+                      <a:prstDash val="solid"/>
+                      <a:round/>
+                      <a:headEnd type="none" w="med" len="med"/>
+                      <a:tailEnd type="none" w="med" len="med"/>
+                    </a:lnT>
+                    <a:lnB w="6350" cap="flat" cmpd="sng" algn="ctr">
+                      <a:solidFill>
+                        <a:srgbClr val="000000"/>
+                      </a:solidFill>
+                      <a:prstDash val="solid"/>
+                      <a:round/>
+                      <a:headEnd type="none" w="med" len="med"/>
+                      <a:tailEnd type="none" w="med" len="med"/>
+                    </a:lnB>
+                    <a:solidFill>
+                      <a:srgbClr val="9BBB59"/>
+                    </a:solidFill>
+                  </a:tcPr>
+                </a:tc>
+                <a:tc>
+                  <a:txBody>
+                    <a:bodyPr/>
+                    <a:lstStyle/>
+                    <a:p>
+                      <a:pPr algn="ctr" rtl="0" fontAlgn="ctr"/>
+                      <a:r>
+                        <a:rPr lang="es-AR" sz="1400" b="1" i="0" u="none" strike="noStrike">
+                          <a:solidFill>
+                            <a:srgbClr val="000000"/>
+                          </a:solidFill>
+                          <a:latin typeface="Arial"/>
+                        </a:rPr>
+                        <a:t>Estimadas</a:t>
+                      </a:r>
+                    </a:p>
+                  </a:txBody>
+                  <a:tcPr marL="9525" marR="9525" marT="9525" marB="0" anchor="ctr">
+                    <a:lnL w="6350" cap="flat" cmpd="sng" algn="ctr">
+                      <a:solidFill>
+                        <a:srgbClr val="000000"/>
+                      </a:solidFill>
+                      <a:prstDash val="solid"/>
+                      <a:round/>
+                      <a:headEnd type="none" w="med" len="med"/>
+                      <a:tailEnd type="none" w="med" len="med"/>
+                    </a:lnL>
+                    <a:lnR w="6350" cap="flat" cmpd="sng" algn="ctr">
+                      <a:solidFill>
+                        <a:srgbClr val="000000"/>
+                      </a:solidFill>
+                      <a:prstDash val="solid"/>
+                      <a:round/>
+                      <a:headEnd type="none" w="med" len="med"/>
+                      <a:tailEnd type="none" w="med" len="med"/>
+                    </a:lnR>
+                    <a:lnT w="6350" cap="flat" cmpd="sng" algn="ctr">
+                      <a:solidFill>
+                        <a:srgbClr val="000000"/>
+                      </a:solidFill>
+                      <a:prstDash val="solid"/>
+                      <a:round/>
+                      <a:headEnd type="none" w="med" len="med"/>
+                      <a:tailEnd type="none" w="med" len="med"/>
+                    </a:lnT>
+                    <a:lnB w="6350" cap="flat" cmpd="sng" algn="ctr">
+                      <a:solidFill>
+                        <a:srgbClr val="000000"/>
+                      </a:solidFill>
+                      <a:prstDash val="solid"/>
+                      <a:round/>
+                      <a:headEnd type="none" w="med" len="med"/>
+                      <a:tailEnd type="none" w="med" len="med"/>
+                    </a:lnB>
+                    <a:solidFill>
+                      <a:srgbClr val="9BBB59"/>
+                    </a:solidFill>
+                  </a:tcPr>
+                </a:tc>
+                <a:tc>
+                  <a:txBody>
+                    <a:bodyPr/>
+                    <a:lstStyle/>
+                    <a:p>
+                      <a:pPr algn="ctr" rtl="0" fontAlgn="ctr"/>
+                      <a:r>
+                        <a:rPr lang="es-AR" sz="1400" b="1" i="0" u="none" strike="noStrike">
+                          <a:solidFill>
+                            <a:srgbClr val="000000"/>
+                          </a:solidFill>
+                          <a:latin typeface="Arial"/>
+                        </a:rPr>
+                        <a:t>Consumidas</a:t>
+                      </a:r>
+                    </a:p>
+                  </a:txBody>
+                  <a:tcPr marL="9525" marR="9525" marT="9525" marB="0" anchor="ctr">
+                    <a:lnL w="6350" cap="flat" cmpd="sng" algn="ctr">
+                      <a:solidFill>
+                        <a:srgbClr val="000000"/>
+                      </a:solidFill>
+                      <a:prstDash val="solid"/>
+                      <a:round/>
+                      <a:headEnd type="none" w="med" len="med"/>
+                      <a:tailEnd type="none" w="med" len="med"/>
+                    </a:lnL>
+                    <a:lnR w="6350" cap="flat" cmpd="sng" algn="ctr">
+                      <a:solidFill>
+                        <a:srgbClr val="000000"/>
+                      </a:solidFill>
+                      <a:prstDash val="solid"/>
+                      <a:round/>
+                      <a:headEnd type="none" w="med" len="med"/>
+                      <a:tailEnd type="none" w="med" len="med"/>
+                    </a:lnR>
+                    <a:lnT w="6350" cap="flat" cmpd="sng" algn="ctr">
+                      <a:solidFill>
+                        <a:srgbClr val="000000"/>
+                      </a:solidFill>
+                      <a:prstDash val="solid"/>
+                      <a:round/>
+                      <a:headEnd type="none" w="med" len="med"/>
+                      <a:tailEnd type="none" w="med" len="med"/>
+                    </a:lnT>
+                    <a:lnB w="6350" cap="flat" cmpd="sng" algn="ctr">
+                      <a:solidFill>
+                        <a:srgbClr val="000000"/>
+                      </a:solidFill>
+                      <a:prstDash val="solid"/>
+                      <a:round/>
+                      <a:headEnd type="none" w="med" len="med"/>
+                      <a:tailEnd type="none" w="med" len="med"/>
+                    </a:lnB>
+                    <a:solidFill>
+                      <a:srgbClr val="9BBB59"/>
+                    </a:solidFill>
+                  </a:tcPr>
+                </a:tc>
+                <a:tc>
+                  <a:txBody>
+                    <a:bodyPr/>
+                    <a:lstStyle/>
+                    <a:p>
+                      <a:pPr algn="ctr" rtl="0" fontAlgn="ctr"/>
+                      <a:r>
+                        <a:rPr lang="es-AR" sz="1400" b="1" i="0" u="none" strike="noStrike">
+                          <a:solidFill>
+                            <a:srgbClr val="000000"/>
+                          </a:solidFill>
+                          <a:latin typeface="Arial"/>
+                        </a:rPr>
+                        <a:t>% Consumido</a:t>
+                      </a:r>
+                    </a:p>
+                  </a:txBody>
+                  <a:tcPr marL="9525" marR="9525" marT="9525" marB="0" anchor="ctr">
+                    <a:lnL w="6350" cap="flat" cmpd="sng" algn="ctr">
+                      <a:solidFill>
+                        <a:srgbClr val="000000"/>
+                      </a:solidFill>
+                      <a:prstDash val="solid"/>
+                      <a:round/>
+                      <a:headEnd type="none" w="med" len="med"/>
+                      <a:tailEnd type="none" w="med" len="med"/>
+                    </a:lnL>
+                    <a:lnR w="6350" cap="flat" cmpd="sng" algn="ctr">
+                      <a:solidFill>
+                        <a:srgbClr val="000000"/>
+                      </a:solidFill>
+                      <a:prstDash val="solid"/>
+                      <a:round/>
+                      <a:headEnd type="none" w="med" len="med"/>
+                      <a:tailEnd type="none" w="med" len="med"/>
+                    </a:lnR>
+                    <a:lnT w="6350" cap="flat" cmpd="sng" algn="ctr">
+                      <a:solidFill>
+                        <a:srgbClr val="000000"/>
+                      </a:solidFill>
+                      <a:prstDash val="solid"/>
+                      <a:round/>
+                      <a:headEnd type="none" w="med" len="med"/>
+                      <a:tailEnd type="none" w="med" len="med"/>
+                    </a:lnT>
+                    <a:lnB w="6350" cap="flat" cmpd="sng" algn="ctr">
+                      <a:solidFill>
+                        <a:srgbClr val="000000"/>
+                      </a:solidFill>
+                      <a:prstDash val="solid"/>
+                      <a:round/>
+                      <a:headEnd type="none" w="med" len="med"/>
+                      <a:tailEnd type="none" w="med" len="med"/>
+                    </a:lnB>
+                    <a:solidFill>
+                      <a:srgbClr val="9BBB59"/>
+                    </a:solidFill>
+                  </a:tcPr>
+                </a:tc>
+              </a:tr>
+              <a:tr h="369587">
+                <a:tc>
+                  <a:txBody>
+                    <a:bodyPr/>
+                    <a:lstStyle/>
+                    <a:p>
+                      <a:pPr algn="ctr" rtl="0" fontAlgn="b"/>
+                      <a:r>
+                        <a:rPr lang="es-AR" sz="1400" b="0" i="0" u="none" strike="noStrike" dirty="0" err="1">
+                          <a:solidFill>
+                            <a:srgbClr val="000000"/>
+                          </a:solidFill>
+                          <a:latin typeface="Arial"/>
+                        </a:rPr>
+                        <a:t>Backend</a:t>
+                      </a:r>
+                      <a:endParaRPr lang="es-AR" sz="1400" b="0" i="0" u="none" strike="noStrike" dirty="0">
+                        <a:solidFill>
+                          <a:srgbClr val="000000"/>
+                        </a:solidFill>
+                        <a:latin typeface="Arial"/>
+                      </a:endParaRPr>
+                    </a:p>
+                  </a:txBody>
+                  <a:tcPr marL="9525" marR="9525" marT="9525" marB="0" anchor="b">
+                    <a:lnL w="6350" cap="flat" cmpd="sng" algn="ctr">
+                      <a:solidFill>
+                        <a:srgbClr val="000000"/>
+                      </a:solidFill>
+                      <a:prstDash val="solid"/>
+                      <a:round/>
+                      <a:headEnd type="none" w="med" len="med"/>
+                      <a:tailEnd type="none" w="med" len="med"/>
+                    </a:lnL>
+                    <a:lnR w="6350" cap="flat" cmpd="sng" algn="ctr">
+                      <a:solidFill>
+                        <a:srgbClr val="000000"/>
+                      </a:solidFill>
+                      <a:prstDash val="solid"/>
+                      <a:round/>
+                      <a:headEnd type="none" w="med" len="med"/>
+                      <a:tailEnd type="none" w="med" len="med"/>
+                    </a:lnR>
+                    <a:lnT w="6350" cap="flat" cmpd="sng" algn="ctr">
+                      <a:solidFill>
+                        <a:srgbClr val="000000"/>
+                      </a:solidFill>
+                      <a:prstDash val="solid"/>
+                      <a:round/>
+                      <a:headEnd type="none" w="med" len="med"/>
+                      <a:tailEnd type="none" w="med" len="med"/>
+                    </a:lnT>
+                    <a:lnB w="6350" cap="flat" cmpd="sng" algn="ctr">
+                      <a:solidFill>
+                        <a:srgbClr val="000000"/>
+                      </a:solidFill>
+                      <a:prstDash val="solid"/>
+                      <a:round/>
+                      <a:headEnd type="none" w="med" len="med"/>
+                      <a:tailEnd type="none" w="med" len="med"/>
+                    </a:lnB>
+                    <a:solidFill>
+                      <a:srgbClr val="CFE2F3"/>
+                    </a:solidFill>
+                  </a:tcPr>
+                </a:tc>
+                <a:tc>
+                  <a:txBody>
+                    <a:bodyPr/>
+                    <a:lstStyle/>
+                    <a:p>
+                      <a:pPr algn="l" rtl="0" fontAlgn="b"/>
+                      <a:r>
+                        <a:rPr lang="es-AR" sz="1400" b="0" i="0" u="none" strike="noStrike" dirty="0" err="1" smtClean="0">
+                          <a:solidFill>
+                            <a:srgbClr val="000000"/>
+                          </a:solidFill>
+                          <a:latin typeface="Arial"/>
+                        </a:rPr>
+                        <a:t>Adm</a:t>
+                      </a:r>
+                      <a:r>
+                        <a:rPr lang="es-AR" sz="1400" b="0" i="0" u="none" strike="noStrike" dirty="0">
+                          <a:solidFill>
+                            <a:srgbClr val="000000"/>
+                          </a:solidFill>
+                          <a:latin typeface="Arial"/>
+                        </a:rPr>
+                        <a:t>. Estilos Salas</a:t>
+                      </a:r>
+                    </a:p>
+                  </a:txBody>
+                  <a:tcPr marL="9525" marR="9525" marT="9525" marB="0" anchor="b">
+                    <a:lnL w="6350" cap="flat" cmpd="sng" algn="ctr">
+                      <a:solidFill>
+                        <a:srgbClr val="000000"/>
+                      </a:solidFill>
+                      <a:prstDash val="solid"/>
+                      <a:round/>
+                      <a:headEnd type="none" w="med" len="med"/>
+                      <a:tailEnd type="none" w="med" len="med"/>
+                    </a:lnL>
+                    <a:lnR w="6350" cap="flat" cmpd="sng" algn="ctr">
+                      <a:solidFill>
+                        <a:srgbClr val="000000"/>
+                      </a:solidFill>
+                      <a:prstDash val="solid"/>
+                      <a:round/>
+                      <a:headEnd type="none" w="med" len="med"/>
+                      <a:tailEnd type="none" w="med" len="med"/>
+                    </a:lnR>
+                    <a:lnT w="6350" cap="flat" cmpd="sng" algn="ctr">
+                      <a:solidFill>
+                        <a:srgbClr val="000000"/>
+                      </a:solidFill>
+                      <a:prstDash val="solid"/>
+                      <a:round/>
+                      <a:headEnd type="none" w="med" len="med"/>
+                      <a:tailEnd type="none" w="med" len="med"/>
+                    </a:lnT>
+                    <a:lnB w="6350" cap="flat" cmpd="sng" algn="ctr">
+                      <a:solidFill>
+                        <a:srgbClr val="000000"/>
+                      </a:solidFill>
+                      <a:prstDash val="solid"/>
+                      <a:round/>
+                      <a:headEnd type="none" w="med" len="med"/>
+                      <a:tailEnd type="none" w="med" len="med"/>
+                    </a:lnB>
+                  </a:tcPr>
+                </a:tc>
+                <a:tc>
+                  <a:txBody>
+                    <a:bodyPr/>
+                    <a:lstStyle/>
+                    <a:p>
+                      <a:pPr algn="ctr" fontAlgn="b"/>
+                      <a:r>
+                        <a:rPr lang="es-AR" sz="1400" b="0" i="0" u="none" strike="noStrike" dirty="0">
+                          <a:solidFill>
+                            <a:srgbClr val="000000"/>
+                          </a:solidFill>
+                          <a:latin typeface="Calibri"/>
+                        </a:rPr>
+                        <a:t>6,5</a:t>
+                      </a:r>
+                    </a:p>
+                  </a:txBody>
+                  <a:tcPr marL="9525" marR="9525" marT="9525" marB="0" anchor="b">
+                    <a:lnL w="6350" cap="flat" cmpd="sng" algn="ctr">
+                      <a:solidFill>
+                        <a:srgbClr val="000000"/>
+                      </a:solidFill>
+                      <a:prstDash val="solid"/>
+                      <a:round/>
+                      <a:headEnd type="none" w="med" len="med"/>
+                      <a:tailEnd type="none" w="med" len="med"/>
+                    </a:lnL>
+                    <a:lnR w="6350" cap="flat" cmpd="sng" algn="ctr">
+                      <a:solidFill>
+                        <a:srgbClr val="000000"/>
+                      </a:solidFill>
+                      <a:prstDash val="solid"/>
+                      <a:round/>
+                      <a:headEnd type="none" w="med" len="med"/>
+                      <a:tailEnd type="none" w="med" len="med"/>
+                    </a:lnR>
+                    <a:lnT w="6350" cap="flat" cmpd="sng" algn="ctr">
+                      <a:solidFill>
+                        <a:srgbClr val="000000"/>
+                      </a:solidFill>
+                      <a:prstDash val="solid"/>
+                      <a:round/>
+                      <a:headEnd type="none" w="med" len="med"/>
+                      <a:tailEnd type="none" w="med" len="med"/>
+                    </a:lnT>
+                    <a:lnB w="6350" cap="flat" cmpd="sng" algn="ctr">
+                      <a:solidFill>
+                        <a:srgbClr val="000000"/>
+                      </a:solidFill>
+                      <a:prstDash val="solid"/>
+                      <a:round/>
+                      <a:headEnd type="none" w="med" len="med"/>
+                      <a:tailEnd type="none" w="med" len="med"/>
+                    </a:lnB>
+                  </a:tcPr>
+                </a:tc>
+                <a:tc>
+                  <a:txBody>
+                    <a:bodyPr/>
+                    <a:lstStyle/>
+                    <a:p>
+                      <a:pPr algn="ctr" fontAlgn="b"/>
+                      <a:r>
+                        <a:rPr lang="es-AR" sz="1400" b="0" i="0" u="none" strike="noStrike">
+                          <a:solidFill>
+                            <a:srgbClr val="000000"/>
+                          </a:solidFill>
+                          <a:latin typeface="Calibri"/>
+                        </a:rPr>
+                        <a:t>1,5</a:t>
+                      </a:r>
+                    </a:p>
+                  </a:txBody>
+                  <a:tcPr marL="9525" marR="9525" marT="9525" marB="0" anchor="b">
+                    <a:lnL w="6350" cap="flat" cmpd="sng" algn="ctr">
+                      <a:solidFill>
+                        <a:srgbClr val="000000"/>
+                      </a:solidFill>
+                      <a:prstDash val="solid"/>
+                      <a:round/>
+                      <a:headEnd type="none" w="med" len="med"/>
+                      <a:tailEnd type="none" w="med" len="med"/>
+                    </a:lnL>
+                    <a:lnR w="6350" cap="flat" cmpd="sng" algn="ctr">
+                      <a:solidFill>
+                        <a:srgbClr val="000000"/>
+                      </a:solidFill>
+                      <a:prstDash val="solid"/>
+                      <a:round/>
+                      <a:headEnd type="none" w="med" len="med"/>
+                      <a:tailEnd type="none" w="med" len="med"/>
+                    </a:lnR>
+                    <a:lnT w="6350" cap="flat" cmpd="sng" algn="ctr">
+                      <a:solidFill>
+                        <a:srgbClr val="000000"/>
+                      </a:solidFill>
+                      <a:prstDash val="solid"/>
+                      <a:round/>
+                      <a:headEnd type="none" w="med" len="med"/>
+                      <a:tailEnd type="none" w="med" len="med"/>
+                    </a:lnT>
+                    <a:lnB w="6350" cap="flat" cmpd="sng" algn="ctr">
+                      <a:solidFill>
+                        <a:srgbClr val="000000"/>
+                      </a:solidFill>
+                      <a:prstDash val="solid"/>
+                      <a:round/>
+                      <a:headEnd type="none" w="med" len="med"/>
+                      <a:tailEnd type="none" w="med" len="med"/>
+                    </a:lnB>
+                  </a:tcPr>
+                </a:tc>
+                <a:tc>
+                  <a:txBody>
+                    <a:bodyPr/>
+                    <a:lstStyle/>
+                    <a:p>
+                      <a:pPr algn="ctr" fontAlgn="b"/>
+                      <a:r>
+                        <a:rPr lang="es-AR" sz="1400" b="0" i="0" u="none" strike="noStrike">
+                          <a:solidFill>
+                            <a:srgbClr val="000000"/>
+                          </a:solidFill>
+                          <a:latin typeface="Calibri"/>
+                        </a:rPr>
+                        <a:t>23%</a:t>
+                      </a:r>
+                    </a:p>
+                  </a:txBody>
+                  <a:tcPr marL="9525" marR="9525" marT="9525" marB="0" anchor="b">
+                    <a:lnL w="6350" cap="flat" cmpd="sng" algn="ctr">
+                      <a:solidFill>
+                        <a:srgbClr val="000000"/>
+                      </a:solidFill>
+                      <a:prstDash val="solid"/>
+                      <a:round/>
+                      <a:headEnd type="none" w="med" len="med"/>
+                      <a:tailEnd type="none" w="med" len="med"/>
+                    </a:lnL>
+                    <a:lnR w="6350" cap="flat" cmpd="sng" algn="ctr">
+                      <a:solidFill>
+                        <a:srgbClr val="000000"/>
+                      </a:solidFill>
+                      <a:prstDash val="solid"/>
+                      <a:round/>
+                      <a:headEnd type="none" w="med" len="med"/>
+                      <a:tailEnd type="none" w="med" len="med"/>
+                    </a:lnR>
+                    <a:lnT w="6350" cap="flat" cmpd="sng" algn="ctr">
+                      <a:solidFill>
+                        <a:srgbClr val="000000"/>
+                      </a:solidFill>
+                      <a:prstDash val="solid"/>
+                      <a:round/>
+                      <a:headEnd type="none" w="med" len="med"/>
+                      <a:tailEnd type="none" w="med" len="med"/>
+                    </a:lnT>
+                    <a:lnB w="6350" cap="flat" cmpd="sng" algn="ctr">
+                      <a:solidFill>
+                        <a:srgbClr val="000000"/>
+                      </a:solidFill>
+                      <a:prstDash val="solid"/>
+                      <a:round/>
+                      <a:headEnd type="none" w="med" len="med"/>
+                      <a:tailEnd type="none" w="med" len="med"/>
+                    </a:lnB>
+                  </a:tcPr>
+                </a:tc>
+              </a:tr>
+              <a:tr h="369587">
+                <a:tc>
+                  <a:txBody>
+                    <a:bodyPr/>
+                    <a:lstStyle/>
+                    <a:p>
+                      <a:pPr algn="ctr" rtl="0" fontAlgn="b"/>
+                      <a:r>
+                        <a:rPr lang="es-AR" sz="1400" b="0" i="0" u="none" strike="noStrike">
+                          <a:solidFill>
+                            <a:srgbClr val="000000"/>
+                          </a:solidFill>
+                          <a:latin typeface="Arial"/>
+                        </a:rPr>
+                        <a:t>Backend</a:t>
+                      </a:r>
+                    </a:p>
+                  </a:txBody>
+                  <a:tcPr marL="9525" marR="9525" marT="9525" marB="0" anchor="b">
+                    <a:lnL w="6350" cap="flat" cmpd="sng" algn="ctr">
+                      <a:solidFill>
+                        <a:srgbClr val="000000"/>
+                      </a:solidFill>
+                      <a:prstDash val="solid"/>
+                      <a:round/>
+                      <a:headEnd type="none" w="med" len="med"/>
+                      <a:tailEnd type="none" w="med" len="med"/>
+                    </a:lnL>
+                    <a:lnR w="6350" cap="flat" cmpd="sng" algn="ctr">
+                      <a:solidFill>
+                        <a:srgbClr val="000000"/>
+                      </a:solidFill>
+                      <a:prstDash val="solid"/>
+                      <a:round/>
+                      <a:headEnd type="none" w="med" len="med"/>
+                      <a:tailEnd type="none" w="med" len="med"/>
+                    </a:lnR>
+                    <a:lnT w="6350" cap="flat" cmpd="sng" algn="ctr">
+                      <a:solidFill>
+                        <a:srgbClr val="000000"/>
+                      </a:solidFill>
+                      <a:prstDash val="solid"/>
+                      <a:round/>
+                      <a:headEnd type="none" w="med" len="med"/>
+                      <a:tailEnd type="none" w="med" len="med"/>
+                    </a:lnT>
+                    <a:lnB w="6350" cap="flat" cmpd="sng" algn="ctr">
+                      <a:solidFill>
+                        <a:srgbClr val="000000"/>
+                      </a:solidFill>
+                      <a:prstDash val="solid"/>
+                      <a:round/>
+                      <a:headEnd type="none" w="med" len="med"/>
+                      <a:tailEnd type="none" w="med" len="med"/>
+                    </a:lnB>
+                    <a:solidFill>
+                      <a:srgbClr val="CFE2F3"/>
+                    </a:solidFill>
+                  </a:tcPr>
+                </a:tc>
+                <a:tc>
+                  <a:txBody>
+                    <a:bodyPr/>
+                    <a:lstStyle/>
+                    <a:p>
+                      <a:pPr algn="l" rtl="0" fontAlgn="b"/>
+                      <a:r>
+                        <a:rPr lang="es-AR" sz="1400" b="0" i="0" u="none" strike="noStrike" dirty="0" err="1" smtClean="0">
+                          <a:solidFill>
+                            <a:srgbClr val="000000"/>
+                          </a:solidFill>
+                          <a:latin typeface="Arial"/>
+                        </a:rPr>
+                        <a:t>Adm</a:t>
+                      </a:r>
+                      <a:r>
+                        <a:rPr lang="es-AR" sz="1400" b="0" i="0" u="none" strike="noStrike" dirty="0">
+                          <a:solidFill>
+                            <a:srgbClr val="000000"/>
+                          </a:solidFill>
+                          <a:latin typeface="Arial"/>
+                        </a:rPr>
+                        <a:t>. Funciones</a:t>
+                      </a:r>
+                    </a:p>
+                  </a:txBody>
+                  <a:tcPr marL="9525" marR="9525" marT="9525" marB="0" anchor="b">
+                    <a:lnL w="6350" cap="flat" cmpd="sng" algn="ctr">
+                      <a:solidFill>
+                        <a:srgbClr val="000000"/>
+                      </a:solidFill>
+                      <a:prstDash val="solid"/>
+                      <a:round/>
+                      <a:headEnd type="none" w="med" len="med"/>
+                      <a:tailEnd type="none" w="med" len="med"/>
+                    </a:lnL>
+                    <a:lnR w="6350" cap="flat" cmpd="sng" algn="ctr">
+                      <a:solidFill>
+                        <a:srgbClr val="000000"/>
+                      </a:solidFill>
+                      <a:prstDash val="solid"/>
+                      <a:round/>
+                      <a:headEnd type="none" w="med" len="med"/>
+                      <a:tailEnd type="none" w="med" len="med"/>
+                    </a:lnR>
+                    <a:lnT w="6350" cap="flat" cmpd="sng" algn="ctr">
+                      <a:solidFill>
+                        <a:srgbClr val="000000"/>
+                      </a:solidFill>
+                      <a:prstDash val="solid"/>
+                      <a:round/>
+                      <a:headEnd type="none" w="med" len="med"/>
+                      <a:tailEnd type="none" w="med" len="med"/>
+                    </a:lnT>
+                    <a:lnB w="6350" cap="flat" cmpd="sng" algn="ctr">
+                      <a:solidFill>
+                        <a:srgbClr val="000000"/>
+                      </a:solidFill>
+                      <a:prstDash val="solid"/>
+                      <a:round/>
+                      <a:headEnd type="none" w="med" len="med"/>
+                      <a:tailEnd type="none" w="med" len="med"/>
+                    </a:lnB>
+                  </a:tcPr>
+                </a:tc>
+                <a:tc>
+                  <a:txBody>
+                    <a:bodyPr/>
+                    <a:lstStyle/>
+                    <a:p>
+                      <a:pPr algn="ctr" fontAlgn="b"/>
+                      <a:r>
+                        <a:rPr lang="es-AR" sz="1400" b="0" i="0" u="none" strike="noStrike">
+                          <a:solidFill>
+                            <a:srgbClr val="000000"/>
+                          </a:solidFill>
+                          <a:latin typeface="Calibri"/>
+                        </a:rPr>
+                        <a:t>1</a:t>
+                      </a:r>
+                    </a:p>
+                  </a:txBody>
+                  <a:tcPr marL="9525" marR="9525" marT="9525" marB="0" anchor="b">
+                    <a:lnL w="6350" cap="flat" cmpd="sng" algn="ctr">
+                      <a:solidFill>
+                        <a:srgbClr val="000000"/>
+                      </a:solidFill>
+                      <a:prstDash val="solid"/>
+                      <a:round/>
+                      <a:headEnd type="none" w="med" len="med"/>
+                      <a:tailEnd type="none" w="med" len="med"/>
+                    </a:lnL>
+                    <a:lnR w="6350" cap="flat" cmpd="sng" algn="ctr">
+                      <a:solidFill>
+                        <a:srgbClr val="000000"/>
+                      </a:solidFill>
+                      <a:prstDash val="solid"/>
+                      <a:round/>
+                      <a:headEnd type="none" w="med" len="med"/>
+                      <a:tailEnd type="none" w="med" len="med"/>
+                    </a:lnR>
+                    <a:lnT w="6350" cap="flat" cmpd="sng" algn="ctr">
+                      <a:solidFill>
+                        <a:srgbClr val="000000"/>
+                      </a:solidFill>
+                      <a:prstDash val="solid"/>
+                      <a:round/>
+                      <a:headEnd type="none" w="med" len="med"/>
+                      <a:tailEnd type="none" w="med" len="med"/>
+                    </a:lnT>
+                    <a:lnB w="6350" cap="flat" cmpd="sng" algn="ctr">
+                      <a:solidFill>
+                        <a:srgbClr val="000000"/>
+                      </a:solidFill>
+                      <a:prstDash val="solid"/>
+                      <a:round/>
+                      <a:headEnd type="none" w="med" len="med"/>
+                      <a:tailEnd type="none" w="med" len="med"/>
+                    </a:lnB>
+                  </a:tcPr>
+                </a:tc>
+                <a:tc>
+                  <a:txBody>
+                    <a:bodyPr/>
+                    <a:lstStyle/>
+                    <a:p>
+                      <a:pPr algn="ctr" fontAlgn="b"/>
+                      <a:r>
+                        <a:rPr lang="es-AR" sz="1400" b="0" i="0" u="none" strike="noStrike">
+                          <a:solidFill>
+                            <a:srgbClr val="000000"/>
+                          </a:solidFill>
+                          <a:latin typeface="Calibri"/>
+                        </a:rPr>
+                        <a:t>0</a:t>
+                      </a:r>
+                    </a:p>
+                  </a:txBody>
+                  <a:tcPr marL="9525" marR="9525" marT="9525" marB="0" anchor="b">
+                    <a:lnL w="6350" cap="flat" cmpd="sng" algn="ctr">
+                      <a:solidFill>
+                        <a:srgbClr val="000000"/>
+                      </a:solidFill>
+                      <a:prstDash val="solid"/>
+                      <a:round/>
+                      <a:headEnd type="none" w="med" len="med"/>
+                      <a:tailEnd type="none" w="med" len="med"/>
+                    </a:lnL>
+                    <a:lnR w="6350" cap="flat" cmpd="sng" algn="ctr">
+                      <a:solidFill>
+                        <a:srgbClr val="000000"/>
+                      </a:solidFill>
+                      <a:prstDash val="solid"/>
+                      <a:round/>
+                      <a:headEnd type="none" w="med" len="med"/>
+                      <a:tailEnd type="none" w="med" len="med"/>
+                    </a:lnR>
+                    <a:lnT w="6350" cap="flat" cmpd="sng" algn="ctr">
+                      <a:solidFill>
+                        <a:srgbClr val="000000"/>
+                      </a:solidFill>
+                      <a:prstDash val="solid"/>
+                      <a:round/>
+                      <a:headEnd type="none" w="med" len="med"/>
+                      <a:tailEnd type="none" w="med" len="med"/>
+                    </a:lnT>
+                    <a:lnB w="6350" cap="flat" cmpd="sng" algn="ctr">
+                      <a:solidFill>
+                        <a:srgbClr val="000000"/>
+                      </a:solidFill>
+                      <a:prstDash val="solid"/>
+                      <a:round/>
+                      <a:headEnd type="none" w="med" len="med"/>
+                      <a:tailEnd type="none" w="med" len="med"/>
+                    </a:lnB>
+                  </a:tcPr>
+                </a:tc>
+                <a:tc>
+                  <a:txBody>
+                    <a:bodyPr/>
+                    <a:lstStyle/>
+                    <a:p>
+                      <a:pPr algn="ctr" fontAlgn="b"/>
+                      <a:r>
+                        <a:rPr lang="es-AR" sz="1400" b="0" i="0" u="none" strike="noStrike">
+                          <a:solidFill>
+                            <a:srgbClr val="000000"/>
+                          </a:solidFill>
+                          <a:latin typeface="Calibri"/>
+                        </a:rPr>
+                        <a:t>0%</a:t>
+                      </a:r>
+                    </a:p>
+                  </a:txBody>
+                  <a:tcPr marL="9525" marR="9525" marT="9525" marB="0" anchor="b">
+                    <a:lnL w="6350" cap="flat" cmpd="sng" algn="ctr">
+                      <a:solidFill>
+                        <a:srgbClr val="000000"/>
+                      </a:solidFill>
+                      <a:prstDash val="solid"/>
+                      <a:round/>
+                      <a:headEnd type="none" w="med" len="med"/>
+                      <a:tailEnd type="none" w="med" len="med"/>
+                    </a:lnL>
+                    <a:lnR w="6350" cap="flat" cmpd="sng" algn="ctr">
+                      <a:solidFill>
+                        <a:srgbClr val="000000"/>
+                      </a:solidFill>
+                      <a:prstDash val="solid"/>
+                      <a:round/>
+                      <a:headEnd type="none" w="med" len="med"/>
+                      <a:tailEnd type="none" w="med" len="med"/>
+                    </a:lnR>
+                    <a:lnT w="6350" cap="flat" cmpd="sng" algn="ctr">
+                      <a:solidFill>
+                        <a:srgbClr val="000000"/>
+                      </a:solidFill>
+                      <a:prstDash val="solid"/>
+                      <a:round/>
+                      <a:headEnd type="none" w="med" len="med"/>
+                      <a:tailEnd type="none" w="med" len="med"/>
+                    </a:lnT>
+                    <a:lnB w="6350" cap="flat" cmpd="sng" algn="ctr">
+                      <a:solidFill>
+                        <a:srgbClr val="000000"/>
+                      </a:solidFill>
+                      <a:prstDash val="solid"/>
+                      <a:round/>
+                      <a:headEnd type="none" w="med" len="med"/>
+                      <a:tailEnd type="none" w="med" len="med"/>
+                    </a:lnB>
+                  </a:tcPr>
+                </a:tc>
+              </a:tr>
+              <a:tr h="369587">
+                <a:tc>
+                  <a:txBody>
+                    <a:bodyPr/>
+                    <a:lstStyle/>
+                    <a:p>
+                      <a:pPr algn="ctr" rtl="0" fontAlgn="b"/>
+                      <a:r>
+                        <a:rPr lang="es-AR" sz="1400" b="0" i="0" u="none" strike="noStrike">
+                          <a:solidFill>
+                            <a:srgbClr val="000000"/>
+                          </a:solidFill>
+                          <a:latin typeface="Arial"/>
+                        </a:rPr>
+                        <a:t>Backend</a:t>
+                      </a:r>
+                    </a:p>
+                  </a:txBody>
+                  <a:tcPr marL="9525" marR="9525" marT="9525" marB="0" anchor="b">
+                    <a:lnL w="6350" cap="flat" cmpd="sng" algn="ctr">
+                      <a:solidFill>
+                        <a:srgbClr val="000000"/>
+                      </a:solidFill>
+                      <a:prstDash val="solid"/>
+                      <a:round/>
+                      <a:headEnd type="none" w="med" len="med"/>
+                      <a:tailEnd type="none" w="med" len="med"/>
+                    </a:lnL>
+                    <a:lnR w="6350" cap="flat" cmpd="sng" algn="ctr">
+                      <a:solidFill>
+                        <a:srgbClr val="000000"/>
+                      </a:solidFill>
+                      <a:prstDash val="solid"/>
+                      <a:round/>
+                      <a:headEnd type="none" w="med" len="med"/>
+                      <a:tailEnd type="none" w="med" len="med"/>
+                    </a:lnR>
+                    <a:lnT w="6350" cap="flat" cmpd="sng" algn="ctr">
+                      <a:solidFill>
+                        <a:srgbClr val="000000"/>
+                      </a:solidFill>
+                      <a:prstDash val="solid"/>
+                      <a:round/>
+                      <a:headEnd type="none" w="med" len="med"/>
+                      <a:tailEnd type="none" w="med" len="med"/>
+                    </a:lnT>
+                    <a:lnB w="6350" cap="flat" cmpd="sng" algn="ctr">
+                      <a:solidFill>
+                        <a:srgbClr val="000000"/>
+                      </a:solidFill>
+                      <a:prstDash val="solid"/>
+                      <a:round/>
+                      <a:headEnd type="none" w="med" len="med"/>
+                      <a:tailEnd type="none" w="med" len="med"/>
+                    </a:lnB>
+                    <a:solidFill>
+                      <a:srgbClr val="CFE2F3"/>
+                    </a:solidFill>
+                  </a:tcPr>
+                </a:tc>
+                <a:tc>
+                  <a:txBody>
+                    <a:bodyPr/>
+                    <a:lstStyle/>
+                    <a:p>
+                      <a:pPr algn="l" rtl="0" fontAlgn="t"/>
+                      <a:r>
+                        <a:rPr lang="es-AR" sz="1400" b="0" i="0" u="none" strike="noStrike" dirty="0" err="1" smtClean="0">
+                          <a:solidFill>
+                            <a:srgbClr val="000000"/>
+                          </a:solidFill>
+                          <a:latin typeface="Arial"/>
+                        </a:rPr>
+                        <a:t>Admin</a:t>
+                      </a:r>
+                      <a:r>
+                        <a:rPr lang="es-AR" sz="1400" b="0" i="0" u="none" strike="noStrike" dirty="0">
+                          <a:solidFill>
+                            <a:srgbClr val="000000"/>
+                          </a:solidFill>
+                          <a:latin typeface="Arial"/>
+                        </a:rPr>
+                        <a:t>. Crear </a:t>
+                      </a:r>
+                      <a:r>
+                        <a:rPr lang="es-AR" sz="1400" b="0" i="0" u="none" strike="noStrike" dirty="0" err="1">
+                          <a:solidFill>
+                            <a:srgbClr val="000000"/>
+                          </a:solidFill>
+                          <a:latin typeface="Arial"/>
+                        </a:rPr>
+                        <a:t>Promocion</a:t>
+                      </a:r>
+                      <a:endParaRPr lang="es-AR" sz="1400" b="0" i="0" u="none" strike="noStrike" dirty="0">
+                        <a:solidFill>
+                          <a:srgbClr val="000000"/>
+                        </a:solidFill>
+                        <a:latin typeface="Arial"/>
+                      </a:endParaRPr>
+                    </a:p>
+                  </a:txBody>
+                  <a:tcPr marL="9525" marR="9525" marT="9525" marB="0">
+                    <a:lnL w="6350" cap="flat" cmpd="sng" algn="ctr">
+                      <a:solidFill>
+                        <a:srgbClr val="000000"/>
+                      </a:solidFill>
+                      <a:prstDash val="solid"/>
+                      <a:round/>
+                      <a:headEnd type="none" w="med" len="med"/>
+                      <a:tailEnd type="none" w="med" len="med"/>
+                    </a:lnL>
+                    <a:lnR w="6350" cap="flat" cmpd="sng" algn="ctr">
+                      <a:solidFill>
+                        <a:srgbClr val="000000"/>
+                      </a:solidFill>
+                      <a:prstDash val="solid"/>
+                      <a:round/>
+                      <a:headEnd type="none" w="med" len="med"/>
+                      <a:tailEnd type="none" w="med" len="med"/>
+                    </a:lnR>
+                    <a:lnT w="6350" cap="flat" cmpd="sng" algn="ctr">
+                      <a:solidFill>
+                        <a:srgbClr val="000000"/>
+                      </a:solidFill>
+                      <a:prstDash val="solid"/>
+                      <a:round/>
+                      <a:headEnd type="none" w="med" len="med"/>
+                      <a:tailEnd type="none" w="med" len="med"/>
+                    </a:lnT>
+                    <a:lnB w="6350" cap="flat" cmpd="sng" algn="ctr">
+                      <a:solidFill>
+                        <a:srgbClr val="000000"/>
+                      </a:solidFill>
+                      <a:prstDash val="solid"/>
+                      <a:round/>
+                      <a:headEnd type="none" w="med" len="med"/>
+                      <a:tailEnd type="none" w="med" len="med"/>
+                    </a:lnB>
+                  </a:tcPr>
+                </a:tc>
+                <a:tc>
+                  <a:txBody>
+                    <a:bodyPr/>
+                    <a:lstStyle/>
+                    <a:p>
+                      <a:pPr algn="ctr" fontAlgn="b"/>
+                      <a:r>
+                        <a:rPr lang="es-AR" sz="1400" b="0" i="0" u="none" strike="noStrike">
+                          <a:solidFill>
+                            <a:srgbClr val="000000"/>
+                          </a:solidFill>
+                          <a:latin typeface="Calibri"/>
+                        </a:rPr>
+                        <a:t>4</a:t>
+                      </a:r>
+                    </a:p>
+                  </a:txBody>
+                  <a:tcPr marL="9525" marR="9525" marT="9525" marB="0" anchor="b">
+                    <a:lnL w="6350" cap="flat" cmpd="sng" algn="ctr">
+                      <a:solidFill>
+                        <a:srgbClr val="000000"/>
+                      </a:solidFill>
+                      <a:prstDash val="solid"/>
+                      <a:round/>
+                      <a:headEnd type="none" w="med" len="med"/>
+                      <a:tailEnd type="none" w="med" len="med"/>
+                    </a:lnL>
+                    <a:lnR w="6350" cap="flat" cmpd="sng" algn="ctr">
+                      <a:solidFill>
+                        <a:srgbClr val="000000"/>
+                      </a:solidFill>
+                      <a:prstDash val="solid"/>
+                      <a:round/>
+                      <a:headEnd type="none" w="med" len="med"/>
+                      <a:tailEnd type="none" w="med" len="med"/>
+                    </a:lnR>
+                    <a:lnT w="6350" cap="flat" cmpd="sng" algn="ctr">
+                      <a:solidFill>
+                        <a:srgbClr val="000000"/>
+                      </a:solidFill>
+                      <a:prstDash val="solid"/>
+                      <a:round/>
+                      <a:headEnd type="none" w="med" len="med"/>
+                      <a:tailEnd type="none" w="med" len="med"/>
+                    </a:lnT>
+                    <a:lnB w="6350" cap="flat" cmpd="sng" algn="ctr">
+                      <a:solidFill>
+                        <a:srgbClr val="000000"/>
+                      </a:solidFill>
+                      <a:prstDash val="solid"/>
+                      <a:round/>
+                      <a:headEnd type="none" w="med" len="med"/>
+                      <a:tailEnd type="none" w="med" len="med"/>
+                    </a:lnB>
+                  </a:tcPr>
+                </a:tc>
+                <a:tc>
+                  <a:txBody>
+                    <a:bodyPr/>
+                    <a:lstStyle/>
+                    <a:p>
+                      <a:pPr algn="ctr" fontAlgn="b"/>
+                      <a:r>
+                        <a:rPr lang="es-AR" sz="1400" b="0" i="0" u="none" strike="noStrike">
+                          <a:solidFill>
+                            <a:srgbClr val="000000"/>
+                          </a:solidFill>
+                          <a:latin typeface="Calibri"/>
+                        </a:rPr>
+                        <a:t>2,25</a:t>
+                      </a:r>
+                    </a:p>
+                  </a:txBody>
+                  <a:tcPr marL="9525" marR="9525" marT="9525" marB="0" anchor="b">
+                    <a:lnL w="6350" cap="flat" cmpd="sng" algn="ctr">
+                      <a:solidFill>
+                        <a:srgbClr val="000000"/>
+                      </a:solidFill>
+                      <a:prstDash val="solid"/>
+                      <a:round/>
+                      <a:headEnd type="none" w="med" len="med"/>
+                      <a:tailEnd type="none" w="med" len="med"/>
+                    </a:lnL>
+                    <a:lnR w="6350" cap="flat" cmpd="sng" algn="ctr">
+                      <a:solidFill>
+                        <a:srgbClr val="000000"/>
+                      </a:solidFill>
+                      <a:prstDash val="solid"/>
+                      <a:round/>
+                      <a:headEnd type="none" w="med" len="med"/>
+                      <a:tailEnd type="none" w="med" len="med"/>
+                    </a:lnR>
+                    <a:lnT w="6350" cap="flat" cmpd="sng" algn="ctr">
+                      <a:solidFill>
+                        <a:srgbClr val="000000"/>
+                      </a:solidFill>
+                      <a:prstDash val="solid"/>
+                      <a:round/>
+                      <a:headEnd type="none" w="med" len="med"/>
+                      <a:tailEnd type="none" w="med" len="med"/>
+                    </a:lnT>
+                    <a:lnB w="6350" cap="flat" cmpd="sng" algn="ctr">
+                      <a:solidFill>
+                        <a:srgbClr val="000000"/>
+                      </a:solidFill>
+                      <a:prstDash val="solid"/>
+                      <a:round/>
+                      <a:headEnd type="none" w="med" len="med"/>
+                      <a:tailEnd type="none" w="med" len="med"/>
+                    </a:lnB>
+                  </a:tcPr>
+                </a:tc>
+                <a:tc>
+                  <a:txBody>
+                    <a:bodyPr/>
+                    <a:lstStyle/>
+                    <a:p>
+                      <a:pPr algn="ctr" fontAlgn="b"/>
+                      <a:r>
+                        <a:rPr lang="es-AR" sz="1400" b="0" i="0" u="none" strike="noStrike">
+                          <a:solidFill>
+                            <a:srgbClr val="000000"/>
+                          </a:solidFill>
+                          <a:latin typeface="Calibri"/>
+                        </a:rPr>
+                        <a:t>56%</a:t>
+                      </a:r>
+                    </a:p>
+                  </a:txBody>
+                  <a:tcPr marL="9525" marR="9525" marT="9525" marB="0" anchor="b">
+                    <a:lnL w="6350" cap="flat" cmpd="sng" algn="ctr">
+                      <a:solidFill>
+                        <a:srgbClr val="000000"/>
+                      </a:solidFill>
+                      <a:prstDash val="solid"/>
+                      <a:round/>
+                      <a:headEnd type="none" w="med" len="med"/>
+                      <a:tailEnd type="none" w="med" len="med"/>
+                    </a:lnL>
+                    <a:lnR w="6350" cap="flat" cmpd="sng" algn="ctr">
+                      <a:solidFill>
+                        <a:srgbClr val="000000"/>
+                      </a:solidFill>
+                      <a:prstDash val="solid"/>
+                      <a:round/>
+                      <a:headEnd type="none" w="med" len="med"/>
+                      <a:tailEnd type="none" w="med" len="med"/>
+                    </a:lnR>
+                    <a:lnT w="6350" cap="flat" cmpd="sng" algn="ctr">
+                      <a:solidFill>
+                        <a:srgbClr val="000000"/>
+                      </a:solidFill>
+                      <a:prstDash val="solid"/>
+                      <a:round/>
+                      <a:headEnd type="none" w="med" len="med"/>
+                      <a:tailEnd type="none" w="med" len="med"/>
+                    </a:lnT>
+                    <a:lnB w="6350" cap="flat" cmpd="sng" algn="ctr">
+                      <a:solidFill>
+                        <a:srgbClr val="000000"/>
+                      </a:solidFill>
+                      <a:prstDash val="solid"/>
+                      <a:round/>
+                      <a:headEnd type="none" w="med" len="med"/>
+                      <a:tailEnd type="none" w="med" len="med"/>
+                    </a:lnB>
+                  </a:tcPr>
+                </a:tc>
+              </a:tr>
+              <a:tr h="369587">
+                <a:tc>
+                  <a:txBody>
+                    <a:bodyPr/>
+                    <a:lstStyle/>
+                    <a:p>
+                      <a:pPr algn="ctr" rtl="0" fontAlgn="b"/>
+                      <a:r>
+                        <a:rPr lang="es-AR" sz="1400" b="0" i="0" u="none" strike="noStrike">
+                          <a:solidFill>
+                            <a:srgbClr val="000000"/>
+                          </a:solidFill>
+                          <a:latin typeface="Arial"/>
+                        </a:rPr>
+                        <a:t>Backend</a:t>
+                      </a:r>
+                    </a:p>
+                  </a:txBody>
+                  <a:tcPr marL="9525" marR="9525" marT="9525" marB="0" anchor="b">
+                    <a:lnL w="6350" cap="flat" cmpd="sng" algn="ctr">
+                      <a:solidFill>
+                        <a:srgbClr val="000000"/>
+                      </a:solidFill>
+                      <a:prstDash val="solid"/>
+                      <a:round/>
+                      <a:headEnd type="none" w="med" len="med"/>
+                      <a:tailEnd type="none" w="med" len="med"/>
+                    </a:lnL>
+                    <a:lnR w="6350" cap="flat" cmpd="sng" algn="ctr">
+                      <a:solidFill>
+                        <a:srgbClr val="000000"/>
+                      </a:solidFill>
+                      <a:prstDash val="solid"/>
+                      <a:round/>
+                      <a:headEnd type="none" w="med" len="med"/>
+                      <a:tailEnd type="none" w="med" len="med"/>
+                    </a:lnR>
+                    <a:lnT w="6350" cap="flat" cmpd="sng" algn="ctr">
+                      <a:solidFill>
+                        <a:srgbClr val="000000"/>
+                      </a:solidFill>
+                      <a:prstDash val="solid"/>
+                      <a:round/>
+                      <a:headEnd type="none" w="med" len="med"/>
+                      <a:tailEnd type="none" w="med" len="med"/>
+                    </a:lnT>
+                    <a:lnB w="6350" cap="flat" cmpd="sng" algn="ctr">
+                      <a:solidFill>
+                        <a:srgbClr val="000000"/>
+                      </a:solidFill>
+                      <a:prstDash val="solid"/>
+                      <a:round/>
+                      <a:headEnd type="none" w="med" len="med"/>
+                      <a:tailEnd type="none" w="med" len="med"/>
+                    </a:lnB>
+                    <a:solidFill>
+                      <a:srgbClr val="CFE2F3"/>
+                    </a:solidFill>
+                  </a:tcPr>
+                </a:tc>
+                <a:tc>
+                  <a:txBody>
+                    <a:bodyPr/>
+                    <a:lstStyle/>
+                    <a:p>
+                      <a:pPr algn="l" rtl="0" fontAlgn="b"/>
+                      <a:r>
+                        <a:rPr lang="es-AR" sz="1400" b="0" i="0" u="none" strike="noStrike" dirty="0" err="1" smtClean="0">
+                          <a:solidFill>
+                            <a:srgbClr val="000000"/>
+                          </a:solidFill>
+                          <a:latin typeface="Arial"/>
+                        </a:rPr>
+                        <a:t>Admin</a:t>
+                      </a:r>
+                      <a:r>
+                        <a:rPr lang="es-AR" sz="1400" b="0" i="0" u="none" strike="noStrike" dirty="0">
+                          <a:solidFill>
+                            <a:srgbClr val="000000"/>
+                          </a:solidFill>
+                          <a:latin typeface="Arial"/>
+                        </a:rPr>
+                        <a:t>. Editar </a:t>
+                      </a:r>
+                      <a:r>
+                        <a:rPr lang="es-AR" sz="1400" b="0" i="0" u="none" strike="noStrike" dirty="0" err="1">
+                          <a:solidFill>
+                            <a:srgbClr val="000000"/>
+                          </a:solidFill>
+                          <a:latin typeface="Arial"/>
+                        </a:rPr>
+                        <a:t>Promocion</a:t>
+                      </a:r>
+                      <a:endParaRPr lang="es-AR" sz="1400" b="0" i="0" u="none" strike="noStrike" dirty="0">
+                        <a:solidFill>
+                          <a:srgbClr val="000000"/>
+                        </a:solidFill>
+                        <a:latin typeface="Arial"/>
+                      </a:endParaRPr>
+                    </a:p>
+                  </a:txBody>
+                  <a:tcPr marL="9525" marR="9525" marT="9525" marB="0" anchor="b">
+                    <a:lnL w="6350" cap="flat" cmpd="sng" algn="ctr">
+                      <a:solidFill>
+                        <a:srgbClr val="000000"/>
+                      </a:solidFill>
+                      <a:prstDash val="solid"/>
+                      <a:round/>
+                      <a:headEnd type="none" w="med" len="med"/>
+                      <a:tailEnd type="none" w="med" len="med"/>
+                    </a:lnL>
+                    <a:lnR w="6350" cap="flat" cmpd="sng" algn="ctr">
+                      <a:solidFill>
+                        <a:srgbClr val="000000"/>
+                      </a:solidFill>
+                      <a:prstDash val="solid"/>
+                      <a:round/>
+                      <a:headEnd type="none" w="med" len="med"/>
+                      <a:tailEnd type="none" w="med" len="med"/>
+                    </a:lnR>
+                    <a:lnT w="6350" cap="flat" cmpd="sng" algn="ctr">
+                      <a:solidFill>
+                        <a:srgbClr val="000000"/>
+                      </a:solidFill>
+                      <a:prstDash val="solid"/>
+                      <a:round/>
+                      <a:headEnd type="none" w="med" len="med"/>
+                      <a:tailEnd type="none" w="med" len="med"/>
+                    </a:lnT>
+                    <a:lnB w="6350" cap="flat" cmpd="sng" algn="ctr">
+                      <a:solidFill>
+                        <a:srgbClr val="000000"/>
+                      </a:solidFill>
+                      <a:prstDash val="solid"/>
+                      <a:round/>
+                      <a:headEnd type="none" w="med" len="med"/>
+                      <a:tailEnd type="none" w="med" len="med"/>
+                    </a:lnB>
+                  </a:tcPr>
+                </a:tc>
+                <a:tc>
+                  <a:txBody>
+                    <a:bodyPr/>
+                    <a:lstStyle/>
+                    <a:p>
+                      <a:pPr algn="ctr" fontAlgn="b"/>
+                      <a:r>
+                        <a:rPr lang="es-AR" sz="1400" b="0" i="0" u="none" strike="noStrike" dirty="0">
+                          <a:solidFill>
+                            <a:srgbClr val="000000"/>
+                          </a:solidFill>
+                          <a:latin typeface="Calibri"/>
+                        </a:rPr>
+                        <a:t>3,5</a:t>
+                      </a:r>
+                    </a:p>
+                  </a:txBody>
+                  <a:tcPr marL="9525" marR="9525" marT="9525" marB="0" anchor="b">
+                    <a:lnL w="6350" cap="flat" cmpd="sng" algn="ctr">
+                      <a:solidFill>
+                        <a:srgbClr val="000000"/>
+                      </a:solidFill>
+                      <a:prstDash val="solid"/>
+                      <a:round/>
+                      <a:headEnd type="none" w="med" len="med"/>
+                      <a:tailEnd type="none" w="med" len="med"/>
+                    </a:lnL>
+                    <a:lnR w="6350" cap="flat" cmpd="sng" algn="ctr">
+                      <a:solidFill>
+                        <a:srgbClr val="000000"/>
+                      </a:solidFill>
+                      <a:prstDash val="solid"/>
+                      <a:round/>
+                      <a:headEnd type="none" w="med" len="med"/>
+                      <a:tailEnd type="none" w="med" len="med"/>
+                    </a:lnR>
+                    <a:lnT w="6350" cap="flat" cmpd="sng" algn="ctr">
+                      <a:solidFill>
+                        <a:srgbClr val="000000"/>
+                      </a:solidFill>
+                      <a:prstDash val="solid"/>
+                      <a:round/>
+                      <a:headEnd type="none" w="med" len="med"/>
+                      <a:tailEnd type="none" w="med" len="med"/>
+                    </a:lnT>
+                    <a:lnB w="6350" cap="flat" cmpd="sng" algn="ctr">
+                      <a:solidFill>
+                        <a:srgbClr val="000000"/>
+                      </a:solidFill>
+                      <a:prstDash val="solid"/>
+                      <a:round/>
+                      <a:headEnd type="none" w="med" len="med"/>
+                      <a:tailEnd type="none" w="med" len="med"/>
+                    </a:lnB>
+                  </a:tcPr>
+                </a:tc>
+                <a:tc>
+                  <a:txBody>
+                    <a:bodyPr/>
+                    <a:lstStyle/>
+                    <a:p>
+                      <a:pPr algn="ctr" fontAlgn="b"/>
+                      <a:r>
+                        <a:rPr lang="es-AR" sz="1400" b="0" i="0" u="none" strike="noStrike">
+                          <a:solidFill>
+                            <a:srgbClr val="000000"/>
+                          </a:solidFill>
+                          <a:latin typeface="Calibri"/>
+                        </a:rPr>
+                        <a:t>1,5</a:t>
+                      </a:r>
+                    </a:p>
+                  </a:txBody>
+                  <a:tcPr marL="9525" marR="9525" marT="9525" marB="0" anchor="b">
+                    <a:lnL w="6350" cap="flat" cmpd="sng" algn="ctr">
+                      <a:solidFill>
+                        <a:srgbClr val="000000"/>
+                      </a:solidFill>
+                      <a:prstDash val="solid"/>
+                      <a:round/>
+                      <a:headEnd type="none" w="med" len="med"/>
+                      <a:tailEnd type="none" w="med" len="med"/>
+                    </a:lnL>
+                    <a:lnR w="6350" cap="flat" cmpd="sng" algn="ctr">
+                      <a:solidFill>
+                        <a:srgbClr val="000000"/>
+                      </a:solidFill>
+                      <a:prstDash val="solid"/>
+                      <a:round/>
+                      <a:headEnd type="none" w="med" len="med"/>
+                      <a:tailEnd type="none" w="med" len="med"/>
+                    </a:lnR>
+                    <a:lnT w="6350" cap="flat" cmpd="sng" algn="ctr">
+                      <a:solidFill>
+                        <a:srgbClr val="000000"/>
+                      </a:solidFill>
+                      <a:prstDash val="solid"/>
+                      <a:round/>
+                      <a:headEnd type="none" w="med" len="med"/>
+                      <a:tailEnd type="none" w="med" len="med"/>
+                    </a:lnT>
+                    <a:lnB w="6350" cap="flat" cmpd="sng" algn="ctr">
+                      <a:solidFill>
+                        <a:srgbClr val="000000"/>
+                      </a:solidFill>
+                      <a:prstDash val="solid"/>
+                      <a:round/>
+                      <a:headEnd type="none" w="med" len="med"/>
+                      <a:tailEnd type="none" w="med" len="med"/>
+                    </a:lnB>
+                  </a:tcPr>
+                </a:tc>
+                <a:tc>
+                  <a:txBody>
+                    <a:bodyPr/>
+                    <a:lstStyle/>
+                    <a:p>
+                      <a:pPr algn="ctr" fontAlgn="b"/>
+                      <a:r>
+                        <a:rPr lang="es-AR" sz="1400" b="0" i="0" u="none" strike="noStrike">
+                          <a:solidFill>
+                            <a:srgbClr val="000000"/>
+                          </a:solidFill>
+                          <a:latin typeface="Calibri"/>
+                        </a:rPr>
+                        <a:t>43%</a:t>
+                      </a:r>
+                    </a:p>
+                  </a:txBody>
+                  <a:tcPr marL="9525" marR="9525" marT="9525" marB="0" anchor="b">
+                    <a:lnL w="6350" cap="flat" cmpd="sng" algn="ctr">
+                      <a:solidFill>
+                        <a:srgbClr val="000000"/>
+                      </a:solidFill>
+                      <a:prstDash val="solid"/>
+                      <a:round/>
+                      <a:headEnd type="none" w="med" len="med"/>
+                      <a:tailEnd type="none" w="med" len="med"/>
+                    </a:lnL>
+                    <a:lnR w="6350" cap="flat" cmpd="sng" algn="ctr">
+                      <a:solidFill>
+                        <a:srgbClr val="000000"/>
+                      </a:solidFill>
+                      <a:prstDash val="solid"/>
+                      <a:round/>
+                      <a:headEnd type="none" w="med" len="med"/>
+                      <a:tailEnd type="none" w="med" len="med"/>
+                    </a:lnR>
+                    <a:lnT w="6350" cap="flat" cmpd="sng" algn="ctr">
+                      <a:solidFill>
+                        <a:srgbClr val="000000"/>
+                      </a:solidFill>
+                      <a:prstDash val="solid"/>
+                      <a:round/>
+                      <a:headEnd type="none" w="med" len="med"/>
+                      <a:tailEnd type="none" w="med" len="med"/>
+                    </a:lnT>
+                    <a:lnB w="6350" cap="flat" cmpd="sng" algn="ctr">
+                      <a:solidFill>
+                        <a:srgbClr val="000000"/>
+                      </a:solidFill>
+                      <a:prstDash val="solid"/>
+                      <a:round/>
+                      <a:headEnd type="none" w="med" len="med"/>
+                      <a:tailEnd type="none" w="med" len="med"/>
+                    </a:lnB>
+                  </a:tcPr>
+                </a:tc>
+              </a:tr>
+              <a:tr h="369587">
+                <a:tc>
+                  <a:txBody>
+                    <a:bodyPr/>
+                    <a:lstStyle/>
+                    <a:p>
+                      <a:pPr algn="ctr" rtl="0" fontAlgn="b"/>
+                      <a:r>
+                        <a:rPr lang="es-AR" sz="1400" b="0" i="0" u="none" strike="noStrike">
+                          <a:solidFill>
+                            <a:srgbClr val="000000"/>
+                          </a:solidFill>
+                          <a:latin typeface="Arial"/>
+                        </a:rPr>
+                        <a:t>Backend</a:t>
+                      </a:r>
+                    </a:p>
+                  </a:txBody>
+                  <a:tcPr marL="9525" marR="9525" marT="9525" marB="0" anchor="b">
+                    <a:lnL w="6350" cap="flat" cmpd="sng" algn="ctr">
+                      <a:solidFill>
+                        <a:srgbClr val="000000"/>
+                      </a:solidFill>
+                      <a:prstDash val="solid"/>
+                      <a:round/>
+                      <a:headEnd type="none" w="med" len="med"/>
+                      <a:tailEnd type="none" w="med" len="med"/>
+                    </a:lnL>
+                    <a:lnR w="6350" cap="flat" cmpd="sng" algn="ctr">
+                      <a:solidFill>
+                        <a:srgbClr val="000000"/>
+                      </a:solidFill>
+                      <a:prstDash val="solid"/>
+                      <a:round/>
+                      <a:headEnd type="none" w="med" len="med"/>
+                      <a:tailEnd type="none" w="med" len="med"/>
+                    </a:lnR>
+                    <a:lnT w="6350" cap="flat" cmpd="sng" algn="ctr">
+                      <a:solidFill>
+                        <a:srgbClr val="000000"/>
+                      </a:solidFill>
+                      <a:prstDash val="solid"/>
+                      <a:round/>
+                      <a:headEnd type="none" w="med" len="med"/>
+                      <a:tailEnd type="none" w="med" len="med"/>
+                    </a:lnT>
+                    <a:lnB w="6350" cap="flat" cmpd="sng" algn="ctr">
+                      <a:solidFill>
+                        <a:srgbClr val="000000"/>
+                      </a:solidFill>
+                      <a:prstDash val="solid"/>
+                      <a:round/>
+                      <a:headEnd type="none" w="med" len="med"/>
+                      <a:tailEnd type="none" w="med" len="med"/>
+                    </a:lnB>
+                    <a:solidFill>
+                      <a:srgbClr val="CFE2F3"/>
+                    </a:solidFill>
+                  </a:tcPr>
+                </a:tc>
+                <a:tc>
+                  <a:txBody>
+                    <a:bodyPr/>
+                    <a:lstStyle/>
+                    <a:p>
+                      <a:pPr algn="l" rtl="0" fontAlgn="b"/>
+                      <a:r>
+                        <a:rPr lang="es-AR" sz="1400" b="0" i="0" u="none" strike="noStrike" dirty="0" err="1" smtClean="0">
+                          <a:solidFill>
+                            <a:srgbClr val="000000"/>
+                          </a:solidFill>
+                          <a:latin typeface="Arial"/>
+                        </a:rPr>
+                        <a:t>Admin</a:t>
+                      </a:r>
+                      <a:r>
+                        <a:rPr lang="es-AR" sz="1400" b="0" i="0" u="none" strike="noStrike" dirty="0">
+                          <a:solidFill>
+                            <a:srgbClr val="000000"/>
+                          </a:solidFill>
+                          <a:latin typeface="Arial"/>
+                        </a:rPr>
+                        <a:t>. Listar </a:t>
+                      </a:r>
+                      <a:r>
+                        <a:rPr lang="es-AR" sz="1400" b="0" i="0" u="none" strike="noStrike" dirty="0" err="1">
+                          <a:solidFill>
+                            <a:srgbClr val="000000"/>
+                          </a:solidFill>
+                          <a:latin typeface="Arial"/>
+                        </a:rPr>
+                        <a:t>Promocion</a:t>
+                      </a:r>
+                      <a:endParaRPr lang="es-AR" sz="1400" b="0" i="0" u="none" strike="noStrike" dirty="0">
+                        <a:solidFill>
+                          <a:srgbClr val="000000"/>
+                        </a:solidFill>
+                        <a:latin typeface="Arial"/>
+                      </a:endParaRPr>
+                    </a:p>
+                  </a:txBody>
+                  <a:tcPr marL="9525" marR="9525" marT="9525" marB="0" anchor="b">
+                    <a:lnL w="6350" cap="flat" cmpd="sng" algn="ctr">
+                      <a:solidFill>
+                        <a:srgbClr val="000000"/>
+                      </a:solidFill>
+                      <a:prstDash val="solid"/>
+                      <a:round/>
+                      <a:headEnd type="none" w="med" len="med"/>
+                      <a:tailEnd type="none" w="med" len="med"/>
+                    </a:lnL>
+                    <a:lnR w="6350" cap="flat" cmpd="sng" algn="ctr">
+                      <a:solidFill>
+                        <a:srgbClr val="000000"/>
+                      </a:solidFill>
+                      <a:prstDash val="solid"/>
+                      <a:round/>
+                      <a:headEnd type="none" w="med" len="med"/>
+                      <a:tailEnd type="none" w="med" len="med"/>
+                    </a:lnR>
+                    <a:lnT w="6350" cap="flat" cmpd="sng" algn="ctr">
+                      <a:solidFill>
+                        <a:srgbClr val="000000"/>
+                      </a:solidFill>
+                      <a:prstDash val="solid"/>
+                      <a:round/>
+                      <a:headEnd type="none" w="med" len="med"/>
+                      <a:tailEnd type="none" w="med" len="med"/>
+                    </a:lnT>
+                    <a:lnB w="6350" cap="flat" cmpd="sng" algn="ctr">
+                      <a:solidFill>
+                        <a:srgbClr val="000000"/>
+                      </a:solidFill>
+                      <a:prstDash val="solid"/>
+                      <a:round/>
+                      <a:headEnd type="none" w="med" len="med"/>
+                      <a:tailEnd type="none" w="med" len="med"/>
+                    </a:lnB>
+                  </a:tcPr>
+                </a:tc>
+                <a:tc>
+                  <a:txBody>
+                    <a:bodyPr/>
+                    <a:lstStyle/>
+                    <a:p>
+                      <a:pPr algn="ctr" fontAlgn="b"/>
+                      <a:r>
+                        <a:rPr lang="es-AR" sz="1400" b="0" i="0" u="none" strike="noStrike" dirty="0">
+                          <a:solidFill>
+                            <a:srgbClr val="000000"/>
+                          </a:solidFill>
+                          <a:latin typeface="Calibri"/>
+                        </a:rPr>
+                        <a:t>4</a:t>
+                      </a:r>
+                    </a:p>
+                  </a:txBody>
+                  <a:tcPr marL="9525" marR="9525" marT="9525" marB="0" anchor="b">
+                    <a:lnL w="6350" cap="flat" cmpd="sng" algn="ctr">
+                      <a:solidFill>
+                        <a:srgbClr val="000000"/>
+                      </a:solidFill>
+                      <a:prstDash val="solid"/>
+                      <a:round/>
+                      <a:headEnd type="none" w="med" len="med"/>
+                      <a:tailEnd type="none" w="med" len="med"/>
+                    </a:lnL>
+                    <a:lnR w="6350" cap="flat" cmpd="sng" algn="ctr">
+                      <a:solidFill>
+                        <a:srgbClr val="000000"/>
+                      </a:solidFill>
+                      <a:prstDash val="solid"/>
+                      <a:round/>
+                      <a:headEnd type="none" w="med" len="med"/>
+                      <a:tailEnd type="none" w="med" len="med"/>
+                    </a:lnR>
+                    <a:lnT w="6350" cap="flat" cmpd="sng" algn="ctr">
+                      <a:solidFill>
+                        <a:srgbClr val="000000"/>
+                      </a:solidFill>
+                      <a:prstDash val="solid"/>
+                      <a:round/>
+                      <a:headEnd type="none" w="med" len="med"/>
+                      <a:tailEnd type="none" w="med" len="med"/>
+                    </a:lnT>
+                    <a:lnB w="6350" cap="flat" cmpd="sng" algn="ctr">
+                      <a:solidFill>
+                        <a:srgbClr val="000000"/>
+                      </a:solidFill>
+                      <a:prstDash val="solid"/>
+                      <a:round/>
+                      <a:headEnd type="none" w="med" len="med"/>
+                      <a:tailEnd type="none" w="med" len="med"/>
+                    </a:lnB>
+                  </a:tcPr>
+                </a:tc>
+                <a:tc>
+                  <a:txBody>
+                    <a:bodyPr/>
+                    <a:lstStyle/>
+                    <a:p>
+                      <a:pPr algn="ctr" fontAlgn="b"/>
+                      <a:r>
+                        <a:rPr lang="es-AR" sz="1400" b="0" i="0" u="none" strike="noStrike" dirty="0">
+                          <a:solidFill>
+                            <a:srgbClr val="000000"/>
+                          </a:solidFill>
+                          <a:latin typeface="Calibri"/>
+                        </a:rPr>
+                        <a:t>2,75</a:t>
+                      </a:r>
+                    </a:p>
+                  </a:txBody>
+                  <a:tcPr marL="9525" marR="9525" marT="9525" marB="0" anchor="b">
+                    <a:lnL w="6350" cap="flat" cmpd="sng" algn="ctr">
+                      <a:solidFill>
+                        <a:srgbClr val="000000"/>
+                      </a:solidFill>
+                      <a:prstDash val="solid"/>
+                      <a:round/>
+                      <a:headEnd type="none" w="med" len="med"/>
+                      <a:tailEnd type="none" w="med" len="med"/>
+                    </a:lnL>
+                    <a:lnR w="6350" cap="flat" cmpd="sng" algn="ctr">
+                      <a:solidFill>
+                        <a:srgbClr val="000000"/>
+                      </a:solidFill>
+                      <a:prstDash val="solid"/>
+                      <a:round/>
+                      <a:headEnd type="none" w="med" len="med"/>
+                      <a:tailEnd type="none" w="med" len="med"/>
+                    </a:lnR>
+                    <a:lnT w="6350" cap="flat" cmpd="sng" algn="ctr">
+                      <a:solidFill>
+                        <a:srgbClr val="000000"/>
+                      </a:solidFill>
+                      <a:prstDash val="solid"/>
+                      <a:round/>
+                      <a:headEnd type="none" w="med" len="med"/>
+                      <a:tailEnd type="none" w="med" len="med"/>
+                    </a:lnT>
+                    <a:lnB w="6350" cap="flat" cmpd="sng" algn="ctr">
+                      <a:solidFill>
+                        <a:srgbClr val="000000"/>
+                      </a:solidFill>
+                      <a:prstDash val="solid"/>
+                      <a:round/>
+                      <a:headEnd type="none" w="med" len="med"/>
+                      <a:tailEnd type="none" w="med" len="med"/>
+                    </a:lnB>
+                  </a:tcPr>
+                </a:tc>
+                <a:tc>
+                  <a:txBody>
+                    <a:bodyPr/>
+                    <a:lstStyle/>
+                    <a:p>
+                      <a:pPr algn="ctr" fontAlgn="b"/>
+                      <a:r>
+                        <a:rPr lang="es-AR" sz="1400" b="0" i="0" u="none" strike="noStrike">
+                          <a:solidFill>
+                            <a:srgbClr val="000000"/>
+                          </a:solidFill>
+                          <a:latin typeface="Calibri"/>
+                        </a:rPr>
+                        <a:t>69%</a:t>
+                      </a:r>
+                    </a:p>
+                  </a:txBody>
+                  <a:tcPr marL="9525" marR="9525" marT="9525" marB="0" anchor="b">
+                    <a:lnL w="6350" cap="flat" cmpd="sng" algn="ctr">
+                      <a:solidFill>
+                        <a:srgbClr val="000000"/>
+                      </a:solidFill>
+                      <a:prstDash val="solid"/>
+                      <a:round/>
+                      <a:headEnd type="none" w="med" len="med"/>
+                      <a:tailEnd type="none" w="med" len="med"/>
+                    </a:lnL>
+                    <a:lnR w="6350" cap="flat" cmpd="sng" algn="ctr">
+                      <a:solidFill>
+                        <a:srgbClr val="000000"/>
+                      </a:solidFill>
+                      <a:prstDash val="solid"/>
+                      <a:round/>
+                      <a:headEnd type="none" w="med" len="med"/>
+                      <a:tailEnd type="none" w="med" len="med"/>
+                    </a:lnR>
+                    <a:lnT w="6350" cap="flat" cmpd="sng" algn="ctr">
+                      <a:solidFill>
+                        <a:srgbClr val="000000"/>
+                      </a:solidFill>
+                      <a:prstDash val="solid"/>
+                      <a:round/>
+                      <a:headEnd type="none" w="med" len="med"/>
+                      <a:tailEnd type="none" w="med" len="med"/>
+                    </a:lnT>
+                    <a:lnB w="6350" cap="flat" cmpd="sng" algn="ctr">
+                      <a:solidFill>
+                        <a:srgbClr val="000000"/>
+                      </a:solidFill>
+                      <a:prstDash val="solid"/>
+                      <a:round/>
+                      <a:headEnd type="none" w="med" len="med"/>
+                      <a:tailEnd type="none" w="med" len="med"/>
+                    </a:lnB>
+                  </a:tcPr>
+                </a:tc>
+              </a:tr>
+              <a:tr h="369587">
+                <a:tc>
+                  <a:txBody>
+                    <a:bodyPr/>
+                    <a:lstStyle/>
+                    <a:p>
+                      <a:pPr algn="ctr" rtl="0" fontAlgn="b"/>
+                      <a:r>
+                        <a:rPr lang="es-AR" sz="1400" b="0" i="0" u="none" strike="noStrike">
+                          <a:solidFill>
+                            <a:srgbClr val="000000"/>
+                          </a:solidFill>
+                          <a:latin typeface="Arial"/>
+                        </a:rPr>
+                        <a:t>Backend</a:t>
+                      </a:r>
+                    </a:p>
+                  </a:txBody>
+                  <a:tcPr marL="9525" marR="9525" marT="9525" marB="0" anchor="b">
+                    <a:lnL w="6350" cap="flat" cmpd="sng" algn="ctr">
+                      <a:solidFill>
+                        <a:srgbClr val="000000"/>
+                      </a:solidFill>
+                      <a:prstDash val="solid"/>
+                      <a:round/>
+                      <a:headEnd type="none" w="med" len="med"/>
+                      <a:tailEnd type="none" w="med" len="med"/>
+                    </a:lnL>
+                    <a:lnR w="6350" cap="flat" cmpd="sng" algn="ctr">
+                      <a:solidFill>
+                        <a:srgbClr val="000000"/>
+                      </a:solidFill>
+                      <a:prstDash val="solid"/>
+                      <a:round/>
+                      <a:headEnd type="none" w="med" len="med"/>
+                      <a:tailEnd type="none" w="med" len="med"/>
+                    </a:lnR>
+                    <a:lnT w="6350" cap="flat" cmpd="sng" algn="ctr">
+                      <a:solidFill>
+                        <a:srgbClr val="000000"/>
+                      </a:solidFill>
+                      <a:prstDash val="solid"/>
+                      <a:round/>
+                      <a:headEnd type="none" w="med" len="med"/>
+                      <a:tailEnd type="none" w="med" len="med"/>
+                    </a:lnT>
+                    <a:lnB w="6350" cap="flat" cmpd="sng" algn="ctr">
+                      <a:solidFill>
+                        <a:srgbClr val="000000"/>
+                      </a:solidFill>
+                      <a:prstDash val="solid"/>
+                      <a:round/>
+                      <a:headEnd type="none" w="med" len="med"/>
+                      <a:tailEnd type="none" w="med" len="med"/>
+                    </a:lnB>
+                    <a:solidFill>
+                      <a:srgbClr val="CFE2F3"/>
+                    </a:solidFill>
+                  </a:tcPr>
+                </a:tc>
+                <a:tc>
+                  <a:txBody>
+                    <a:bodyPr/>
+                    <a:lstStyle/>
+                    <a:p>
+                      <a:pPr algn="l" rtl="0" fontAlgn="b"/>
+                      <a:r>
+                        <a:rPr lang="es-AR" sz="1400" b="0" i="0" u="none" strike="noStrike" dirty="0" err="1" smtClean="0">
+                          <a:solidFill>
+                            <a:srgbClr val="000000"/>
+                          </a:solidFill>
+                          <a:latin typeface="Arial"/>
+                        </a:rPr>
+                        <a:t>Bug</a:t>
+                      </a:r>
+                      <a:endParaRPr lang="es-AR" sz="1400" b="0" i="0" u="none" strike="noStrike" dirty="0">
+                        <a:solidFill>
+                          <a:srgbClr val="000000"/>
+                        </a:solidFill>
+                        <a:latin typeface="Arial"/>
+                      </a:endParaRPr>
+                    </a:p>
+                  </a:txBody>
+                  <a:tcPr marL="9525" marR="9525" marT="9525" marB="0" anchor="b">
+                    <a:lnL w="6350" cap="flat" cmpd="sng" algn="ctr">
+                      <a:solidFill>
+                        <a:srgbClr val="000000"/>
+                      </a:solidFill>
+                      <a:prstDash val="solid"/>
+                      <a:round/>
+                      <a:headEnd type="none" w="med" len="med"/>
+                      <a:tailEnd type="none" w="med" len="med"/>
+                    </a:lnL>
+                    <a:lnR w="6350" cap="flat" cmpd="sng" algn="ctr">
+                      <a:solidFill>
+                        <a:srgbClr val="000000"/>
+                      </a:solidFill>
+                      <a:prstDash val="solid"/>
+                      <a:round/>
+                      <a:headEnd type="none" w="med" len="med"/>
+                      <a:tailEnd type="none" w="med" len="med"/>
+                    </a:lnR>
+                    <a:lnT w="6350" cap="flat" cmpd="sng" algn="ctr">
+                      <a:solidFill>
+                        <a:srgbClr val="000000"/>
+                      </a:solidFill>
+                      <a:prstDash val="solid"/>
+                      <a:round/>
+                      <a:headEnd type="none" w="med" len="med"/>
+                      <a:tailEnd type="none" w="med" len="med"/>
+                    </a:lnT>
+                    <a:lnB w="6350" cap="flat" cmpd="sng" algn="ctr">
+                      <a:solidFill>
+                        <a:srgbClr val="000000"/>
+                      </a:solidFill>
+                      <a:prstDash val="solid"/>
+                      <a:round/>
+                      <a:headEnd type="none" w="med" len="med"/>
+                      <a:tailEnd type="none" w="med" len="med"/>
+                    </a:lnB>
+                  </a:tcPr>
+                </a:tc>
+                <a:tc>
+                  <a:txBody>
+                    <a:bodyPr/>
+                    <a:lstStyle/>
+                    <a:p>
+                      <a:pPr algn="ctr" fontAlgn="b"/>
+                      <a:r>
+                        <a:rPr lang="es-AR" sz="1400" b="0" i="0" u="none" strike="noStrike" dirty="0">
+                          <a:solidFill>
+                            <a:srgbClr val="000000"/>
+                          </a:solidFill>
+                          <a:latin typeface="Calibri"/>
+                        </a:rPr>
+                        <a:t>1</a:t>
+                      </a:r>
+                    </a:p>
+                  </a:txBody>
+                  <a:tcPr marL="9525" marR="9525" marT="9525" marB="0" anchor="b">
+                    <a:lnL w="6350" cap="flat" cmpd="sng" algn="ctr">
+                      <a:solidFill>
+                        <a:srgbClr val="000000"/>
+                      </a:solidFill>
+                      <a:prstDash val="solid"/>
+                      <a:round/>
+                      <a:headEnd type="none" w="med" len="med"/>
+                      <a:tailEnd type="none" w="med" len="med"/>
+                    </a:lnL>
+                    <a:lnR w="6350" cap="flat" cmpd="sng" algn="ctr">
+                      <a:solidFill>
+                        <a:srgbClr val="000000"/>
+                      </a:solidFill>
+                      <a:prstDash val="solid"/>
+                      <a:round/>
+                      <a:headEnd type="none" w="med" len="med"/>
+                      <a:tailEnd type="none" w="med" len="med"/>
+                    </a:lnR>
+                    <a:lnT w="6350" cap="flat" cmpd="sng" algn="ctr">
+                      <a:solidFill>
+                        <a:srgbClr val="000000"/>
+                      </a:solidFill>
+                      <a:prstDash val="solid"/>
+                      <a:round/>
+                      <a:headEnd type="none" w="med" len="med"/>
+                      <a:tailEnd type="none" w="med" len="med"/>
+                    </a:lnT>
+                    <a:lnB w="6350" cap="flat" cmpd="sng" algn="ctr">
+                      <a:solidFill>
+                        <a:srgbClr val="000000"/>
+                      </a:solidFill>
+                      <a:prstDash val="solid"/>
+                      <a:round/>
+                      <a:headEnd type="none" w="med" len="med"/>
+                      <a:tailEnd type="none" w="med" len="med"/>
+                    </a:lnB>
+                  </a:tcPr>
+                </a:tc>
+                <a:tc>
+                  <a:txBody>
+                    <a:bodyPr/>
+                    <a:lstStyle/>
+                    <a:p>
+                      <a:pPr algn="ctr" fontAlgn="b"/>
+                      <a:r>
+                        <a:rPr lang="es-AR" sz="1400" b="0" i="0" u="none" strike="noStrike" dirty="0">
+                          <a:solidFill>
+                            <a:srgbClr val="000000"/>
+                          </a:solidFill>
+                          <a:latin typeface="Calibri"/>
+                        </a:rPr>
+                        <a:t>0,75</a:t>
+                      </a:r>
+                    </a:p>
+                  </a:txBody>
+                  <a:tcPr marL="9525" marR="9525" marT="9525" marB="0" anchor="b">
+                    <a:lnL w="6350" cap="flat" cmpd="sng" algn="ctr">
+                      <a:solidFill>
+                        <a:srgbClr val="000000"/>
+                      </a:solidFill>
+                      <a:prstDash val="solid"/>
+                      <a:round/>
+                      <a:headEnd type="none" w="med" len="med"/>
+                      <a:tailEnd type="none" w="med" len="med"/>
+                    </a:lnL>
+                    <a:lnR w="6350" cap="flat" cmpd="sng" algn="ctr">
+                      <a:solidFill>
+                        <a:srgbClr val="000000"/>
+                      </a:solidFill>
+                      <a:prstDash val="solid"/>
+                      <a:round/>
+                      <a:headEnd type="none" w="med" len="med"/>
+                      <a:tailEnd type="none" w="med" len="med"/>
+                    </a:lnR>
+                    <a:lnT w="6350" cap="flat" cmpd="sng" algn="ctr">
+                      <a:solidFill>
+                        <a:srgbClr val="000000"/>
+                      </a:solidFill>
+                      <a:prstDash val="solid"/>
+                      <a:round/>
+                      <a:headEnd type="none" w="med" len="med"/>
+                      <a:tailEnd type="none" w="med" len="med"/>
+                    </a:lnT>
+                    <a:lnB w="6350" cap="flat" cmpd="sng" algn="ctr">
+                      <a:solidFill>
+                        <a:srgbClr val="000000"/>
+                      </a:solidFill>
+                      <a:prstDash val="solid"/>
+                      <a:round/>
+                      <a:headEnd type="none" w="med" len="med"/>
+                      <a:tailEnd type="none" w="med" len="med"/>
+                    </a:lnB>
+                  </a:tcPr>
+                </a:tc>
+                <a:tc>
+                  <a:txBody>
+                    <a:bodyPr/>
+                    <a:lstStyle/>
+                    <a:p>
+                      <a:pPr algn="ctr" fontAlgn="b"/>
+                      <a:r>
+                        <a:rPr lang="es-AR" sz="1400" b="0" i="0" u="none" strike="noStrike">
+                          <a:solidFill>
+                            <a:srgbClr val="000000"/>
+                          </a:solidFill>
+                          <a:latin typeface="Calibri"/>
+                        </a:rPr>
+                        <a:t>75%</a:t>
+                      </a:r>
+                    </a:p>
+                  </a:txBody>
+                  <a:tcPr marL="9525" marR="9525" marT="9525" marB="0" anchor="b">
+                    <a:lnL w="6350" cap="flat" cmpd="sng" algn="ctr">
+                      <a:solidFill>
+                        <a:srgbClr val="000000"/>
+                      </a:solidFill>
+                      <a:prstDash val="solid"/>
+                      <a:round/>
+                      <a:headEnd type="none" w="med" len="med"/>
+                      <a:tailEnd type="none" w="med" len="med"/>
+                    </a:lnL>
+                    <a:lnR w="6350" cap="flat" cmpd="sng" algn="ctr">
+                      <a:solidFill>
+                        <a:srgbClr val="000000"/>
+                      </a:solidFill>
+                      <a:prstDash val="solid"/>
+                      <a:round/>
+                      <a:headEnd type="none" w="med" len="med"/>
+                      <a:tailEnd type="none" w="med" len="med"/>
+                    </a:lnR>
+                    <a:lnT w="6350" cap="flat" cmpd="sng" algn="ctr">
+                      <a:solidFill>
+                        <a:srgbClr val="000000"/>
+                      </a:solidFill>
+                      <a:prstDash val="solid"/>
+                      <a:round/>
+                      <a:headEnd type="none" w="med" len="med"/>
+                      <a:tailEnd type="none" w="med" len="med"/>
+                    </a:lnT>
+                    <a:lnB w="6350" cap="flat" cmpd="sng" algn="ctr">
+                      <a:solidFill>
+                        <a:srgbClr val="000000"/>
+                      </a:solidFill>
+                      <a:prstDash val="solid"/>
+                      <a:round/>
+                      <a:headEnd type="none" w="med" len="med"/>
+                      <a:tailEnd type="none" w="med" len="med"/>
+                    </a:lnB>
+                  </a:tcPr>
+                </a:tc>
+              </a:tr>
+              <a:tr h="548781">
+                <a:tc>
+                  <a:txBody>
+                    <a:bodyPr/>
+                    <a:lstStyle/>
+                    <a:p>
+                      <a:pPr algn="ctr" rtl="0" fontAlgn="b"/>
+                      <a:r>
+                        <a:rPr lang="es-AR" sz="1400" b="0" i="0" u="none" strike="noStrike">
+                          <a:solidFill>
+                            <a:srgbClr val="000000"/>
+                          </a:solidFill>
+                          <a:latin typeface="Arial"/>
+                        </a:rPr>
+                        <a:t>Android</a:t>
+                      </a:r>
+                    </a:p>
+                  </a:txBody>
+                  <a:tcPr marL="9525" marR="9525" marT="9525" marB="0" anchor="b">
+                    <a:lnL w="6350" cap="flat" cmpd="sng" algn="ctr">
+                      <a:solidFill>
+                        <a:srgbClr val="000000"/>
+                      </a:solidFill>
+                      <a:prstDash val="solid"/>
+                      <a:round/>
+                      <a:headEnd type="none" w="med" len="med"/>
+                      <a:tailEnd type="none" w="med" len="med"/>
+                    </a:lnL>
+                    <a:lnR w="6350" cap="flat" cmpd="sng" algn="ctr">
+                      <a:solidFill>
+                        <a:srgbClr val="000000"/>
+                      </a:solidFill>
+                      <a:prstDash val="solid"/>
+                      <a:round/>
+                      <a:headEnd type="none" w="med" len="med"/>
+                      <a:tailEnd type="none" w="med" len="med"/>
+                    </a:lnR>
+                    <a:lnT w="6350" cap="flat" cmpd="sng" algn="ctr">
+                      <a:solidFill>
+                        <a:srgbClr val="000000"/>
+                      </a:solidFill>
+                      <a:prstDash val="solid"/>
+                      <a:round/>
+                      <a:headEnd type="none" w="med" len="med"/>
+                      <a:tailEnd type="none" w="med" len="med"/>
+                    </a:lnT>
+                    <a:lnB w="6350" cap="flat" cmpd="sng" algn="ctr">
+                      <a:solidFill>
+                        <a:srgbClr val="000000"/>
+                      </a:solidFill>
+                      <a:prstDash val="solid"/>
+                      <a:round/>
+                      <a:headEnd type="none" w="med" len="med"/>
+                      <a:tailEnd type="none" w="med" len="med"/>
+                    </a:lnB>
+                    <a:solidFill>
+                      <a:srgbClr val="FFF2CC"/>
+                    </a:solidFill>
+                  </a:tcPr>
+                </a:tc>
+                <a:tc>
+                  <a:txBody>
+                    <a:bodyPr/>
+                    <a:lstStyle/>
+                    <a:p>
+                      <a:pPr algn="l" rtl="0" fontAlgn="b"/>
+                      <a:r>
+                        <a:rPr lang="es-AR" sz="1400" b="0" i="0" u="none" strike="noStrike" dirty="0" smtClean="0">
+                          <a:solidFill>
+                            <a:srgbClr val="000000"/>
+                          </a:solidFill>
+                          <a:latin typeface="Arial"/>
+                        </a:rPr>
+                        <a:t>Calendario </a:t>
+                      </a:r>
+                      <a:r>
+                        <a:rPr lang="es-AR" sz="1400" b="0" i="0" u="none" strike="noStrike" dirty="0">
+                          <a:solidFill>
+                            <a:srgbClr val="000000"/>
+                          </a:solidFill>
+                          <a:latin typeface="Arial"/>
+                        </a:rPr>
+                        <a:t>Reserva/Compra</a:t>
+                      </a:r>
+                    </a:p>
+                  </a:txBody>
+                  <a:tcPr marL="9525" marR="9525" marT="9525" marB="0" anchor="b">
+                    <a:lnL w="6350" cap="flat" cmpd="sng" algn="ctr">
+                      <a:solidFill>
+                        <a:srgbClr val="000000"/>
+                      </a:solidFill>
+                      <a:prstDash val="solid"/>
+                      <a:round/>
+                      <a:headEnd type="none" w="med" len="med"/>
+                      <a:tailEnd type="none" w="med" len="med"/>
+                    </a:lnL>
+                    <a:lnR w="6350" cap="flat" cmpd="sng" algn="ctr">
+                      <a:solidFill>
+                        <a:srgbClr val="000000"/>
+                      </a:solidFill>
+                      <a:prstDash val="solid"/>
+                      <a:round/>
+                      <a:headEnd type="none" w="med" len="med"/>
+                      <a:tailEnd type="none" w="med" len="med"/>
+                    </a:lnR>
+                    <a:lnT w="6350" cap="flat" cmpd="sng" algn="ctr">
+                      <a:solidFill>
+                        <a:srgbClr val="000000"/>
+                      </a:solidFill>
+                      <a:prstDash val="solid"/>
+                      <a:round/>
+                      <a:headEnd type="none" w="med" len="med"/>
+                      <a:tailEnd type="none" w="med" len="med"/>
+                    </a:lnT>
+                    <a:lnB w="6350" cap="flat" cmpd="sng" algn="ctr">
+                      <a:solidFill>
+                        <a:srgbClr val="000000"/>
+                      </a:solidFill>
+                      <a:prstDash val="solid"/>
+                      <a:round/>
+                      <a:headEnd type="none" w="med" len="med"/>
+                      <a:tailEnd type="none" w="med" len="med"/>
+                    </a:lnB>
+                  </a:tcPr>
+                </a:tc>
+                <a:tc>
+                  <a:txBody>
+                    <a:bodyPr/>
+                    <a:lstStyle/>
+                    <a:p>
+                      <a:pPr algn="ctr" fontAlgn="b"/>
+                      <a:r>
+                        <a:rPr lang="es-AR" sz="1400" b="0" i="0" u="none" strike="noStrike" dirty="0">
+                          <a:solidFill>
+                            <a:srgbClr val="000000"/>
+                          </a:solidFill>
+                          <a:latin typeface="Calibri"/>
+                        </a:rPr>
+                        <a:t>3</a:t>
+                      </a:r>
+                    </a:p>
+                  </a:txBody>
+                  <a:tcPr marL="9525" marR="9525" marT="9525" marB="0" anchor="b">
+                    <a:lnL w="6350" cap="flat" cmpd="sng" algn="ctr">
+                      <a:solidFill>
+                        <a:srgbClr val="000000"/>
+                      </a:solidFill>
+                      <a:prstDash val="solid"/>
+                      <a:round/>
+                      <a:headEnd type="none" w="med" len="med"/>
+                      <a:tailEnd type="none" w="med" len="med"/>
+                    </a:lnL>
+                    <a:lnR w="6350" cap="flat" cmpd="sng" algn="ctr">
+                      <a:solidFill>
+                        <a:srgbClr val="000000"/>
+                      </a:solidFill>
+                      <a:prstDash val="solid"/>
+                      <a:round/>
+                      <a:headEnd type="none" w="med" len="med"/>
+                      <a:tailEnd type="none" w="med" len="med"/>
+                    </a:lnR>
+                    <a:lnT w="6350" cap="flat" cmpd="sng" algn="ctr">
+                      <a:solidFill>
+                        <a:srgbClr val="000000"/>
+                      </a:solidFill>
+                      <a:prstDash val="solid"/>
+                      <a:round/>
+                      <a:headEnd type="none" w="med" len="med"/>
+                      <a:tailEnd type="none" w="med" len="med"/>
+                    </a:lnT>
+                    <a:lnB w="6350" cap="flat" cmpd="sng" algn="ctr">
+                      <a:solidFill>
+                        <a:srgbClr val="000000"/>
+                      </a:solidFill>
+                      <a:prstDash val="solid"/>
+                      <a:round/>
+                      <a:headEnd type="none" w="med" len="med"/>
+                      <a:tailEnd type="none" w="med" len="med"/>
+                    </a:lnB>
+                  </a:tcPr>
+                </a:tc>
+                <a:tc>
+                  <a:txBody>
+                    <a:bodyPr/>
+                    <a:lstStyle/>
+                    <a:p>
+                      <a:pPr algn="ctr" fontAlgn="b"/>
+                      <a:r>
+                        <a:rPr lang="es-AR" sz="1400" b="0" i="0" u="none" strike="noStrike" dirty="0">
+                          <a:solidFill>
+                            <a:srgbClr val="000000"/>
+                          </a:solidFill>
+                          <a:latin typeface="Calibri"/>
+                        </a:rPr>
+                        <a:t>0</a:t>
+                      </a:r>
+                    </a:p>
+                  </a:txBody>
+                  <a:tcPr marL="9525" marR="9525" marT="9525" marB="0" anchor="b">
+                    <a:lnL w="6350" cap="flat" cmpd="sng" algn="ctr">
+                      <a:solidFill>
+                        <a:srgbClr val="000000"/>
+                      </a:solidFill>
+                      <a:prstDash val="solid"/>
+                      <a:round/>
+                      <a:headEnd type="none" w="med" len="med"/>
+                      <a:tailEnd type="none" w="med" len="med"/>
+                    </a:lnL>
+                    <a:lnR w="6350" cap="flat" cmpd="sng" algn="ctr">
+                      <a:solidFill>
+                        <a:srgbClr val="000000"/>
+                      </a:solidFill>
+                      <a:prstDash val="solid"/>
+                      <a:round/>
+                      <a:headEnd type="none" w="med" len="med"/>
+                      <a:tailEnd type="none" w="med" len="med"/>
+                    </a:lnR>
+                    <a:lnT w="6350" cap="flat" cmpd="sng" algn="ctr">
+                      <a:solidFill>
+                        <a:srgbClr val="000000"/>
+                      </a:solidFill>
+                      <a:prstDash val="solid"/>
+                      <a:round/>
+                      <a:headEnd type="none" w="med" len="med"/>
+                      <a:tailEnd type="none" w="med" len="med"/>
+                    </a:lnT>
+                    <a:lnB w="6350" cap="flat" cmpd="sng" algn="ctr">
+                      <a:solidFill>
+                        <a:srgbClr val="000000"/>
+                      </a:solidFill>
+                      <a:prstDash val="solid"/>
+                      <a:round/>
+                      <a:headEnd type="none" w="med" len="med"/>
+                      <a:tailEnd type="none" w="med" len="med"/>
+                    </a:lnB>
+                  </a:tcPr>
+                </a:tc>
+                <a:tc>
+                  <a:txBody>
+                    <a:bodyPr/>
+                    <a:lstStyle/>
+                    <a:p>
+                      <a:pPr algn="ctr" fontAlgn="b"/>
+                      <a:r>
+                        <a:rPr lang="es-AR" sz="1400" b="0" i="0" u="none" strike="noStrike" dirty="0">
+                          <a:solidFill>
+                            <a:srgbClr val="000000"/>
+                          </a:solidFill>
+                          <a:latin typeface="Calibri"/>
+                        </a:rPr>
+                        <a:t>0%</a:t>
+                      </a:r>
+                    </a:p>
+                  </a:txBody>
+                  <a:tcPr marL="9525" marR="9525" marT="9525" marB="0" anchor="b">
+                    <a:lnL w="6350" cap="flat" cmpd="sng" algn="ctr">
+                      <a:solidFill>
+                        <a:srgbClr val="000000"/>
+                      </a:solidFill>
+                      <a:prstDash val="solid"/>
+                      <a:round/>
+                      <a:headEnd type="none" w="med" len="med"/>
+                      <a:tailEnd type="none" w="med" len="med"/>
+                    </a:lnL>
+                    <a:lnR w="6350" cap="flat" cmpd="sng" algn="ctr">
+                      <a:solidFill>
+                        <a:srgbClr val="000000"/>
+                      </a:solidFill>
+                      <a:prstDash val="solid"/>
+                      <a:round/>
+                      <a:headEnd type="none" w="med" len="med"/>
+                      <a:tailEnd type="none" w="med" len="med"/>
+                    </a:lnR>
+                    <a:lnT w="6350" cap="flat" cmpd="sng" algn="ctr">
+                      <a:solidFill>
+                        <a:srgbClr val="000000"/>
+                      </a:solidFill>
+                      <a:prstDash val="solid"/>
+                      <a:round/>
+                      <a:headEnd type="none" w="med" len="med"/>
+                      <a:tailEnd type="none" w="med" len="med"/>
+                    </a:lnT>
+                    <a:lnB w="6350" cap="flat" cmpd="sng" algn="ctr">
+                      <a:solidFill>
+                        <a:srgbClr val="000000"/>
+                      </a:solidFill>
+                      <a:prstDash val="solid"/>
+                      <a:round/>
+                      <a:headEnd type="none" w="med" len="med"/>
+                      <a:tailEnd type="none" w="med" len="med"/>
+                    </a:lnB>
+                  </a:tcPr>
+                </a:tc>
+              </a:tr>
+              <a:tr h="369587">
+                <a:tc>
+                  <a:txBody>
+                    <a:bodyPr/>
+                    <a:lstStyle/>
+                    <a:p>
+                      <a:pPr algn="ctr" rtl="0" fontAlgn="b"/>
+                      <a:r>
+                        <a:rPr lang="es-AR" sz="1400" b="0" i="0" u="none" strike="noStrike">
+                          <a:solidFill>
+                            <a:srgbClr val="000000"/>
+                          </a:solidFill>
+                          <a:latin typeface="Arial"/>
+                        </a:rPr>
+                        <a:t>Android</a:t>
+                      </a:r>
+                    </a:p>
+                  </a:txBody>
+                  <a:tcPr marL="9525" marR="9525" marT="9525" marB="0" anchor="b">
+                    <a:lnL w="6350" cap="flat" cmpd="sng" algn="ctr">
+                      <a:solidFill>
+                        <a:srgbClr val="000000"/>
+                      </a:solidFill>
+                      <a:prstDash val="solid"/>
+                      <a:round/>
+                      <a:headEnd type="none" w="med" len="med"/>
+                      <a:tailEnd type="none" w="med" len="med"/>
+                    </a:lnL>
+                    <a:lnR w="6350" cap="flat" cmpd="sng" algn="ctr">
+                      <a:solidFill>
+                        <a:srgbClr val="000000"/>
+                      </a:solidFill>
+                      <a:prstDash val="solid"/>
+                      <a:round/>
+                      <a:headEnd type="none" w="med" len="med"/>
+                      <a:tailEnd type="none" w="med" len="med"/>
+                    </a:lnR>
+                    <a:lnT w="6350" cap="flat" cmpd="sng" algn="ctr">
+                      <a:solidFill>
+                        <a:srgbClr val="000000"/>
+                      </a:solidFill>
+                      <a:prstDash val="solid"/>
+                      <a:round/>
+                      <a:headEnd type="none" w="med" len="med"/>
+                      <a:tailEnd type="none" w="med" len="med"/>
+                    </a:lnT>
+                    <a:lnB w="6350" cap="flat" cmpd="sng" algn="ctr">
+                      <a:solidFill>
+                        <a:srgbClr val="000000"/>
+                      </a:solidFill>
+                      <a:prstDash val="solid"/>
+                      <a:round/>
+                      <a:headEnd type="none" w="med" len="med"/>
+                      <a:tailEnd type="none" w="med" len="med"/>
+                    </a:lnB>
+                    <a:solidFill>
+                      <a:srgbClr val="FFF2CC"/>
+                    </a:solidFill>
+                  </a:tcPr>
+                </a:tc>
+                <a:tc>
+                  <a:txBody>
+                    <a:bodyPr/>
+                    <a:lstStyle/>
+                    <a:p>
+                      <a:pPr algn="l" rtl="0" fontAlgn="b"/>
+                      <a:r>
+                        <a:rPr lang="es-AR" sz="1400" b="0" i="0" u="none" strike="noStrike" dirty="0" smtClean="0">
+                          <a:solidFill>
+                            <a:srgbClr val="000000"/>
+                          </a:solidFill>
+                          <a:latin typeface="Arial"/>
+                        </a:rPr>
+                        <a:t>Complejos</a:t>
+                      </a:r>
+                      <a:endParaRPr lang="es-AR" sz="1400" b="0" i="0" u="none" strike="noStrike" dirty="0">
+                        <a:solidFill>
+                          <a:srgbClr val="000000"/>
+                        </a:solidFill>
+                        <a:latin typeface="Arial"/>
+                      </a:endParaRPr>
+                    </a:p>
+                  </a:txBody>
+                  <a:tcPr marL="9525" marR="9525" marT="9525" marB="0" anchor="b">
+                    <a:lnL w="6350" cap="flat" cmpd="sng" algn="ctr">
+                      <a:solidFill>
+                        <a:srgbClr val="000000"/>
+                      </a:solidFill>
+                      <a:prstDash val="solid"/>
+                      <a:round/>
+                      <a:headEnd type="none" w="med" len="med"/>
+                      <a:tailEnd type="none" w="med" len="med"/>
+                    </a:lnL>
+                    <a:lnR w="6350" cap="flat" cmpd="sng" algn="ctr">
+                      <a:solidFill>
+                        <a:srgbClr val="000000"/>
+                      </a:solidFill>
+                      <a:prstDash val="solid"/>
+                      <a:round/>
+                      <a:headEnd type="none" w="med" len="med"/>
+                      <a:tailEnd type="none" w="med" len="med"/>
+                    </a:lnR>
+                    <a:lnT w="6350" cap="flat" cmpd="sng" algn="ctr">
+                      <a:solidFill>
+                        <a:srgbClr val="000000"/>
+                      </a:solidFill>
+                      <a:prstDash val="solid"/>
+                      <a:round/>
+                      <a:headEnd type="none" w="med" len="med"/>
+                      <a:tailEnd type="none" w="med" len="med"/>
+                    </a:lnT>
+                    <a:lnB w="6350" cap="flat" cmpd="sng" algn="ctr">
+                      <a:solidFill>
+                        <a:srgbClr val="000000"/>
+                      </a:solidFill>
+                      <a:prstDash val="solid"/>
+                      <a:round/>
+                      <a:headEnd type="none" w="med" len="med"/>
+                      <a:tailEnd type="none" w="med" len="med"/>
+                    </a:lnB>
+                  </a:tcPr>
+                </a:tc>
+                <a:tc>
+                  <a:txBody>
+                    <a:bodyPr/>
+                    <a:lstStyle/>
+                    <a:p>
+                      <a:pPr algn="ctr" fontAlgn="b"/>
+                      <a:r>
+                        <a:rPr lang="es-AR" sz="1400" b="0" i="0" u="none" strike="noStrike">
+                          <a:solidFill>
+                            <a:srgbClr val="000000"/>
+                          </a:solidFill>
+                          <a:latin typeface="Calibri"/>
+                        </a:rPr>
+                        <a:t>1</a:t>
+                      </a:r>
+                    </a:p>
+                  </a:txBody>
+                  <a:tcPr marL="9525" marR="9525" marT="9525" marB="0" anchor="b">
+                    <a:lnL w="6350" cap="flat" cmpd="sng" algn="ctr">
+                      <a:solidFill>
+                        <a:srgbClr val="000000"/>
+                      </a:solidFill>
+                      <a:prstDash val="solid"/>
+                      <a:round/>
+                      <a:headEnd type="none" w="med" len="med"/>
+                      <a:tailEnd type="none" w="med" len="med"/>
+                    </a:lnL>
+                    <a:lnR w="6350" cap="flat" cmpd="sng" algn="ctr">
+                      <a:solidFill>
+                        <a:srgbClr val="000000"/>
+                      </a:solidFill>
+                      <a:prstDash val="solid"/>
+                      <a:round/>
+                      <a:headEnd type="none" w="med" len="med"/>
+                      <a:tailEnd type="none" w="med" len="med"/>
+                    </a:lnR>
+                    <a:lnT w="6350" cap="flat" cmpd="sng" algn="ctr">
+                      <a:solidFill>
+                        <a:srgbClr val="000000"/>
+                      </a:solidFill>
+                      <a:prstDash val="solid"/>
+                      <a:round/>
+                      <a:headEnd type="none" w="med" len="med"/>
+                      <a:tailEnd type="none" w="med" len="med"/>
+                    </a:lnT>
+                    <a:lnB w="6350" cap="flat" cmpd="sng" algn="ctr">
+                      <a:solidFill>
+                        <a:srgbClr val="000000"/>
+                      </a:solidFill>
+                      <a:prstDash val="solid"/>
+                      <a:round/>
+                      <a:headEnd type="none" w="med" len="med"/>
+                      <a:tailEnd type="none" w="med" len="med"/>
+                    </a:lnB>
+                  </a:tcPr>
+                </a:tc>
+                <a:tc>
+                  <a:txBody>
+                    <a:bodyPr/>
+                    <a:lstStyle/>
+                    <a:p>
+                      <a:pPr algn="ctr" fontAlgn="b"/>
+                      <a:r>
+                        <a:rPr lang="es-AR" sz="1400" b="0" i="0" u="none" strike="noStrike" dirty="0">
+                          <a:solidFill>
+                            <a:srgbClr val="000000"/>
+                          </a:solidFill>
+                          <a:latin typeface="Calibri"/>
+                        </a:rPr>
+                        <a:t>1,25</a:t>
+                      </a:r>
+                    </a:p>
+                  </a:txBody>
+                  <a:tcPr marL="9525" marR="9525" marT="9525" marB="0" anchor="b">
+                    <a:lnL w="6350" cap="flat" cmpd="sng" algn="ctr">
+                      <a:solidFill>
+                        <a:srgbClr val="000000"/>
+                      </a:solidFill>
+                      <a:prstDash val="solid"/>
+                      <a:round/>
+                      <a:headEnd type="none" w="med" len="med"/>
+                      <a:tailEnd type="none" w="med" len="med"/>
+                    </a:lnL>
+                    <a:lnR w="6350" cap="flat" cmpd="sng" algn="ctr">
+                      <a:solidFill>
+                        <a:srgbClr val="000000"/>
+                      </a:solidFill>
+                      <a:prstDash val="solid"/>
+                      <a:round/>
+                      <a:headEnd type="none" w="med" len="med"/>
+                      <a:tailEnd type="none" w="med" len="med"/>
+                    </a:lnR>
+                    <a:lnT w="6350" cap="flat" cmpd="sng" algn="ctr">
+                      <a:solidFill>
+                        <a:srgbClr val="000000"/>
+                      </a:solidFill>
+                      <a:prstDash val="solid"/>
+                      <a:round/>
+                      <a:headEnd type="none" w="med" len="med"/>
+                      <a:tailEnd type="none" w="med" len="med"/>
+                    </a:lnT>
+                    <a:lnB w="6350" cap="flat" cmpd="sng" algn="ctr">
+                      <a:solidFill>
+                        <a:srgbClr val="000000"/>
+                      </a:solidFill>
+                      <a:prstDash val="solid"/>
+                      <a:round/>
+                      <a:headEnd type="none" w="med" len="med"/>
+                      <a:tailEnd type="none" w="med" len="med"/>
+                    </a:lnB>
+                  </a:tcPr>
+                </a:tc>
+                <a:tc>
+                  <a:txBody>
+                    <a:bodyPr/>
+                    <a:lstStyle/>
+                    <a:p>
+                      <a:pPr algn="ctr" fontAlgn="b"/>
+                      <a:r>
+                        <a:rPr lang="es-AR" sz="1400" b="0" i="0" u="none" strike="noStrike" dirty="0">
+                          <a:solidFill>
+                            <a:srgbClr val="000000"/>
+                          </a:solidFill>
+                          <a:latin typeface="Calibri"/>
+                        </a:rPr>
+                        <a:t>125%</a:t>
+                      </a:r>
+                    </a:p>
+                  </a:txBody>
+                  <a:tcPr marL="9525" marR="9525" marT="9525" marB="0" anchor="b">
+                    <a:lnL w="6350" cap="flat" cmpd="sng" algn="ctr">
+                      <a:solidFill>
+                        <a:srgbClr val="000000"/>
+                      </a:solidFill>
+                      <a:prstDash val="solid"/>
+                      <a:round/>
+                      <a:headEnd type="none" w="med" len="med"/>
+                      <a:tailEnd type="none" w="med" len="med"/>
+                    </a:lnL>
+                    <a:lnR w="6350" cap="flat" cmpd="sng" algn="ctr">
+                      <a:solidFill>
+                        <a:srgbClr val="000000"/>
+                      </a:solidFill>
+                      <a:prstDash val="solid"/>
+                      <a:round/>
+                      <a:headEnd type="none" w="med" len="med"/>
+                      <a:tailEnd type="none" w="med" len="med"/>
+                    </a:lnR>
+                    <a:lnT w="6350" cap="flat" cmpd="sng" algn="ctr">
+                      <a:solidFill>
+                        <a:srgbClr val="000000"/>
+                      </a:solidFill>
+                      <a:prstDash val="solid"/>
+                      <a:round/>
+                      <a:headEnd type="none" w="med" len="med"/>
+                      <a:tailEnd type="none" w="med" len="med"/>
+                    </a:lnT>
+                    <a:lnB w="6350" cap="flat" cmpd="sng" algn="ctr">
+                      <a:solidFill>
+                        <a:srgbClr val="000000"/>
+                      </a:solidFill>
+                      <a:prstDash val="solid"/>
+                      <a:round/>
+                      <a:headEnd type="none" w="med" len="med"/>
+                      <a:tailEnd type="none" w="med" len="med"/>
+                    </a:lnB>
+                  </a:tcPr>
+                </a:tc>
+              </a:tr>
+              <a:tr h="369587">
+                <a:tc>
+                  <a:txBody>
+                    <a:bodyPr/>
+                    <a:lstStyle/>
+                    <a:p>
+                      <a:pPr algn="ctr" rtl="0" fontAlgn="b"/>
+                      <a:r>
+                        <a:rPr lang="es-AR" sz="1400" b="0" i="0" u="none" strike="noStrike">
+                          <a:solidFill>
+                            <a:srgbClr val="000000"/>
+                          </a:solidFill>
+                          <a:latin typeface="Arial"/>
+                        </a:rPr>
+                        <a:t>Backend</a:t>
+                      </a:r>
+                    </a:p>
+                  </a:txBody>
+                  <a:tcPr marL="9525" marR="9525" marT="9525" marB="0" anchor="b">
+                    <a:lnL w="6350" cap="flat" cmpd="sng" algn="ctr">
+                      <a:solidFill>
+                        <a:srgbClr val="000000"/>
+                      </a:solidFill>
+                      <a:prstDash val="solid"/>
+                      <a:round/>
+                      <a:headEnd type="none" w="med" len="med"/>
+                      <a:tailEnd type="none" w="med" len="med"/>
+                    </a:lnL>
+                    <a:lnR w="6350" cap="flat" cmpd="sng" algn="ctr">
+                      <a:solidFill>
+                        <a:srgbClr val="000000"/>
+                      </a:solidFill>
+                      <a:prstDash val="solid"/>
+                      <a:round/>
+                      <a:headEnd type="none" w="med" len="med"/>
+                      <a:tailEnd type="none" w="med" len="med"/>
+                    </a:lnR>
+                    <a:lnT w="6350" cap="flat" cmpd="sng" algn="ctr">
+                      <a:solidFill>
+                        <a:srgbClr val="000000"/>
+                      </a:solidFill>
+                      <a:prstDash val="solid"/>
+                      <a:round/>
+                      <a:headEnd type="none" w="med" len="med"/>
+                      <a:tailEnd type="none" w="med" len="med"/>
+                    </a:lnT>
+                    <a:lnB w="6350" cap="flat" cmpd="sng" algn="ctr">
+                      <a:solidFill>
+                        <a:srgbClr val="000000"/>
+                      </a:solidFill>
+                      <a:prstDash val="solid"/>
+                      <a:round/>
+                      <a:headEnd type="none" w="med" len="med"/>
+                      <a:tailEnd type="none" w="med" len="med"/>
+                    </a:lnB>
+                    <a:solidFill>
+                      <a:srgbClr val="CFE2F3"/>
+                    </a:solidFill>
+                  </a:tcPr>
+                </a:tc>
+                <a:tc>
+                  <a:txBody>
+                    <a:bodyPr/>
+                    <a:lstStyle/>
+                    <a:p>
+                      <a:pPr algn="l" rtl="0" fontAlgn="b"/>
+                      <a:r>
+                        <a:rPr lang="es-AR" sz="1400" b="0" i="0" u="none" strike="noStrike" dirty="0" smtClean="0">
+                          <a:solidFill>
+                            <a:srgbClr val="000000"/>
+                          </a:solidFill>
+                          <a:latin typeface="Arial"/>
+                        </a:rPr>
+                        <a:t>Complejos</a:t>
+                      </a:r>
+                      <a:endParaRPr lang="es-AR" sz="1400" b="0" i="0" u="none" strike="noStrike" dirty="0">
+                        <a:solidFill>
+                          <a:srgbClr val="000000"/>
+                        </a:solidFill>
+                        <a:latin typeface="Arial"/>
+                      </a:endParaRPr>
+                    </a:p>
+                  </a:txBody>
+                  <a:tcPr marL="9525" marR="9525" marT="9525" marB="0" anchor="b">
+                    <a:lnL w="6350" cap="flat" cmpd="sng" algn="ctr">
+                      <a:solidFill>
+                        <a:srgbClr val="000000"/>
+                      </a:solidFill>
+                      <a:prstDash val="solid"/>
+                      <a:round/>
+                      <a:headEnd type="none" w="med" len="med"/>
+                      <a:tailEnd type="none" w="med" len="med"/>
+                    </a:lnL>
+                    <a:lnR w="6350" cap="flat" cmpd="sng" algn="ctr">
+                      <a:solidFill>
+                        <a:srgbClr val="000000"/>
+                      </a:solidFill>
+                      <a:prstDash val="solid"/>
+                      <a:round/>
+                      <a:headEnd type="none" w="med" len="med"/>
+                      <a:tailEnd type="none" w="med" len="med"/>
+                    </a:lnR>
+                    <a:lnT w="6350" cap="flat" cmpd="sng" algn="ctr">
+                      <a:solidFill>
+                        <a:srgbClr val="000000"/>
+                      </a:solidFill>
+                      <a:prstDash val="solid"/>
+                      <a:round/>
+                      <a:headEnd type="none" w="med" len="med"/>
+                      <a:tailEnd type="none" w="med" len="med"/>
+                    </a:lnT>
+                    <a:lnB w="6350" cap="flat" cmpd="sng" algn="ctr">
+                      <a:solidFill>
+                        <a:srgbClr val="000000"/>
+                      </a:solidFill>
+                      <a:prstDash val="solid"/>
+                      <a:round/>
+                      <a:headEnd type="none" w="med" len="med"/>
+                      <a:tailEnd type="none" w="med" len="med"/>
+                    </a:lnB>
+                  </a:tcPr>
+                </a:tc>
+                <a:tc>
+                  <a:txBody>
+                    <a:bodyPr/>
+                    <a:lstStyle/>
+                    <a:p>
+                      <a:pPr algn="ctr" fontAlgn="b"/>
+                      <a:r>
+                        <a:rPr lang="es-AR" sz="1400" b="0" i="0" u="none" strike="noStrike">
+                          <a:solidFill>
+                            <a:srgbClr val="000000"/>
+                          </a:solidFill>
+                          <a:latin typeface="Calibri"/>
+                        </a:rPr>
+                        <a:t>0,5</a:t>
+                      </a:r>
+                    </a:p>
+                  </a:txBody>
+                  <a:tcPr marL="9525" marR="9525" marT="9525" marB="0" anchor="b">
+                    <a:lnL w="6350" cap="flat" cmpd="sng" algn="ctr">
+                      <a:solidFill>
+                        <a:srgbClr val="000000"/>
+                      </a:solidFill>
+                      <a:prstDash val="solid"/>
+                      <a:round/>
+                      <a:headEnd type="none" w="med" len="med"/>
+                      <a:tailEnd type="none" w="med" len="med"/>
+                    </a:lnL>
+                    <a:lnR w="6350" cap="flat" cmpd="sng" algn="ctr">
+                      <a:solidFill>
+                        <a:srgbClr val="000000"/>
+                      </a:solidFill>
+                      <a:prstDash val="solid"/>
+                      <a:round/>
+                      <a:headEnd type="none" w="med" len="med"/>
+                      <a:tailEnd type="none" w="med" len="med"/>
+                    </a:lnR>
+                    <a:lnT w="6350" cap="flat" cmpd="sng" algn="ctr">
+                      <a:solidFill>
+                        <a:srgbClr val="000000"/>
+                      </a:solidFill>
+                      <a:prstDash val="solid"/>
+                      <a:round/>
+                      <a:headEnd type="none" w="med" len="med"/>
+                      <a:tailEnd type="none" w="med" len="med"/>
+                    </a:lnT>
+                    <a:lnB w="6350" cap="flat" cmpd="sng" algn="ctr">
+                      <a:solidFill>
+                        <a:srgbClr val="000000"/>
+                      </a:solidFill>
+                      <a:prstDash val="solid"/>
+                      <a:round/>
+                      <a:headEnd type="none" w="med" len="med"/>
+                      <a:tailEnd type="none" w="med" len="med"/>
+                    </a:lnB>
+                  </a:tcPr>
+                </a:tc>
+                <a:tc>
+                  <a:txBody>
+                    <a:bodyPr/>
+                    <a:lstStyle/>
+                    <a:p>
+                      <a:pPr algn="ctr" fontAlgn="b"/>
+                      <a:r>
+                        <a:rPr lang="es-AR" sz="1400" b="0" i="0" u="none" strike="noStrike" dirty="0">
+                          <a:solidFill>
+                            <a:srgbClr val="000000"/>
+                          </a:solidFill>
+                          <a:latin typeface="Calibri"/>
+                        </a:rPr>
+                        <a:t>0,5</a:t>
+                      </a:r>
+                    </a:p>
+                  </a:txBody>
+                  <a:tcPr marL="9525" marR="9525" marT="9525" marB="0" anchor="b">
+                    <a:lnL w="6350" cap="flat" cmpd="sng" algn="ctr">
+                      <a:solidFill>
+                        <a:srgbClr val="000000"/>
+                      </a:solidFill>
+                      <a:prstDash val="solid"/>
+                      <a:round/>
+                      <a:headEnd type="none" w="med" len="med"/>
+                      <a:tailEnd type="none" w="med" len="med"/>
+                    </a:lnL>
+                    <a:lnR w="6350" cap="flat" cmpd="sng" algn="ctr">
+                      <a:solidFill>
+                        <a:srgbClr val="000000"/>
+                      </a:solidFill>
+                      <a:prstDash val="solid"/>
+                      <a:round/>
+                      <a:headEnd type="none" w="med" len="med"/>
+                      <a:tailEnd type="none" w="med" len="med"/>
+                    </a:lnR>
+                    <a:lnT w="6350" cap="flat" cmpd="sng" algn="ctr">
+                      <a:solidFill>
+                        <a:srgbClr val="000000"/>
+                      </a:solidFill>
+                      <a:prstDash val="solid"/>
+                      <a:round/>
+                      <a:headEnd type="none" w="med" len="med"/>
+                      <a:tailEnd type="none" w="med" len="med"/>
+                    </a:lnT>
+                    <a:lnB w="6350" cap="flat" cmpd="sng" algn="ctr">
+                      <a:solidFill>
+                        <a:srgbClr val="000000"/>
+                      </a:solidFill>
+                      <a:prstDash val="solid"/>
+                      <a:round/>
+                      <a:headEnd type="none" w="med" len="med"/>
+                      <a:tailEnd type="none" w="med" len="med"/>
+                    </a:lnB>
+                  </a:tcPr>
+                </a:tc>
+                <a:tc>
+                  <a:txBody>
+                    <a:bodyPr/>
+                    <a:lstStyle/>
+                    <a:p>
+                      <a:pPr algn="ctr" fontAlgn="b"/>
+                      <a:r>
+                        <a:rPr lang="es-AR" sz="1400" b="0" i="0" u="none" strike="noStrike" dirty="0">
+                          <a:solidFill>
+                            <a:srgbClr val="000000"/>
+                          </a:solidFill>
+                          <a:latin typeface="Calibri"/>
+                        </a:rPr>
+                        <a:t>100%</a:t>
+                      </a:r>
+                    </a:p>
+                  </a:txBody>
+                  <a:tcPr marL="9525" marR="9525" marT="9525" marB="0" anchor="b">
+                    <a:lnL w="6350" cap="flat" cmpd="sng" algn="ctr">
+                      <a:solidFill>
+                        <a:srgbClr val="000000"/>
+                      </a:solidFill>
+                      <a:prstDash val="solid"/>
+                      <a:round/>
+                      <a:headEnd type="none" w="med" len="med"/>
+                      <a:tailEnd type="none" w="med" len="med"/>
+                    </a:lnL>
+                    <a:lnR w="6350" cap="flat" cmpd="sng" algn="ctr">
+                      <a:solidFill>
+                        <a:srgbClr val="000000"/>
+                      </a:solidFill>
+                      <a:prstDash val="solid"/>
+                      <a:round/>
+                      <a:headEnd type="none" w="med" len="med"/>
+                      <a:tailEnd type="none" w="med" len="med"/>
+                    </a:lnR>
+                    <a:lnT w="6350" cap="flat" cmpd="sng" algn="ctr">
+                      <a:solidFill>
+                        <a:srgbClr val="000000"/>
+                      </a:solidFill>
+                      <a:prstDash val="solid"/>
+                      <a:round/>
+                      <a:headEnd type="none" w="med" len="med"/>
+                      <a:tailEnd type="none" w="med" len="med"/>
+                    </a:lnT>
+                    <a:lnB w="6350" cap="flat" cmpd="sng" algn="ctr">
+                      <a:solidFill>
+                        <a:srgbClr val="000000"/>
+                      </a:solidFill>
+                      <a:prstDash val="solid"/>
+                      <a:round/>
+                      <a:headEnd type="none" w="med" len="med"/>
+                      <a:tailEnd type="none" w="med" len="med"/>
+                    </a:lnB>
+                  </a:tcPr>
+                </a:tc>
+              </a:tr>
+              <a:tr h="369587">
+                <a:tc>
+                  <a:txBody>
+                    <a:bodyPr/>
+                    <a:lstStyle/>
+                    <a:p>
+                      <a:pPr algn="ctr" rtl="0" fontAlgn="b"/>
+                      <a:r>
+                        <a:rPr lang="es-AR" sz="1400" b="0" i="0" u="none" strike="noStrike">
+                          <a:solidFill>
+                            <a:srgbClr val="000000"/>
+                          </a:solidFill>
+                          <a:latin typeface="Arial"/>
+                        </a:rPr>
+                        <a:t>Android</a:t>
+                      </a:r>
+                    </a:p>
+                  </a:txBody>
+                  <a:tcPr marL="9525" marR="9525" marT="9525" marB="0" anchor="b">
+                    <a:lnL w="6350" cap="flat" cmpd="sng" algn="ctr">
+                      <a:solidFill>
+                        <a:srgbClr val="000000"/>
+                      </a:solidFill>
+                      <a:prstDash val="solid"/>
+                      <a:round/>
+                      <a:headEnd type="none" w="med" len="med"/>
+                      <a:tailEnd type="none" w="med" len="med"/>
+                    </a:lnL>
+                    <a:lnR w="6350" cap="flat" cmpd="sng" algn="ctr">
+                      <a:solidFill>
+                        <a:srgbClr val="000000"/>
+                      </a:solidFill>
+                      <a:prstDash val="solid"/>
+                      <a:round/>
+                      <a:headEnd type="none" w="med" len="med"/>
+                      <a:tailEnd type="none" w="med" len="med"/>
+                    </a:lnR>
+                    <a:lnT w="6350" cap="flat" cmpd="sng" algn="ctr">
+                      <a:solidFill>
+                        <a:srgbClr val="000000"/>
+                      </a:solidFill>
+                      <a:prstDash val="solid"/>
+                      <a:round/>
+                      <a:headEnd type="none" w="med" len="med"/>
+                      <a:tailEnd type="none" w="med" len="med"/>
+                    </a:lnT>
+                    <a:lnB w="6350" cap="flat" cmpd="sng" algn="ctr">
+                      <a:solidFill>
+                        <a:srgbClr val="000000"/>
+                      </a:solidFill>
+                      <a:prstDash val="solid"/>
+                      <a:round/>
+                      <a:headEnd type="none" w="med" len="med"/>
+                      <a:tailEnd type="none" w="med" len="med"/>
+                    </a:lnB>
+                    <a:solidFill>
+                      <a:srgbClr val="FFF2CC"/>
+                    </a:solidFill>
+                  </a:tcPr>
+                </a:tc>
+                <a:tc>
+                  <a:txBody>
+                    <a:bodyPr/>
+                    <a:lstStyle/>
+                    <a:p>
+                      <a:pPr algn="l" rtl="0" fontAlgn="b"/>
+                      <a:r>
+                        <a:rPr lang="es-AR" sz="1400" b="0" i="0" u="none" strike="noStrike" dirty="0" smtClean="0">
+                          <a:solidFill>
+                            <a:srgbClr val="000000"/>
+                          </a:solidFill>
+                          <a:latin typeface="Arial"/>
+                        </a:rPr>
+                        <a:t>Compra</a:t>
+                      </a:r>
+                      <a:endParaRPr lang="es-AR" sz="1400" b="0" i="0" u="none" strike="noStrike" dirty="0">
+                        <a:solidFill>
+                          <a:srgbClr val="000000"/>
+                        </a:solidFill>
+                        <a:latin typeface="Arial"/>
+                      </a:endParaRPr>
+                    </a:p>
+                  </a:txBody>
+                  <a:tcPr marL="9525" marR="9525" marT="9525" marB="0" anchor="b">
+                    <a:lnL w="6350" cap="flat" cmpd="sng" algn="ctr">
+                      <a:solidFill>
+                        <a:srgbClr val="000000"/>
+                      </a:solidFill>
+                      <a:prstDash val="solid"/>
+                      <a:round/>
+                      <a:headEnd type="none" w="med" len="med"/>
+                      <a:tailEnd type="none" w="med" len="med"/>
+                    </a:lnL>
+                    <a:lnR w="6350" cap="flat" cmpd="sng" algn="ctr">
+                      <a:solidFill>
+                        <a:srgbClr val="000000"/>
+                      </a:solidFill>
+                      <a:prstDash val="solid"/>
+                      <a:round/>
+                      <a:headEnd type="none" w="med" len="med"/>
+                      <a:tailEnd type="none" w="med" len="med"/>
+                    </a:lnR>
+                    <a:lnT w="6350" cap="flat" cmpd="sng" algn="ctr">
+                      <a:solidFill>
+                        <a:srgbClr val="000000"/>
+                      </a:solidFill>
+                      <a:prstDash val="solid"/>
+                      <a:round/>
+                      <a:headEnd type="none" w="med" len="med"/>
+                      <a:tailEnd type="none" w="med" len="med"/>
+                    </a:lnT>
+                    <a:lnB w="6350" cap="flat" cmpd="sng" algn="ctr">
+                      <a:solidFill>
+                        <a:srgbClr val="000000"/>
+                      </a:solidFill>
+                      <a:prstDash val="solid"/>
+                      <a:round/>
+                      <a:headEnd type="none" w="med" len="med"/>
+                      <a:tailEnd type="none" w="med" len="med"/>
+                    </a:lnB>
+                  </a:tcPr>
+                </a:tc>
+                <a:tc>
+                  <a:txBody>
+                    <a:bodyPr/>
+                    <a:lstStyle/>
+                    <a:p>
+                      <a:pPr algn="ctr" fontAlgn="b"/>
+                      <a:r>
+                        <a:rPr lang="es-AR" sz="1400" b="0" i="0" u="none" strike="noStrike">
+                          <a:solidFill>
+                            <a:srgbClr val="000000"/>
+                          </a:solidFill>
+                          <a:latin typeface="Calibri"/>
+                        </a:rPr>
+                        <a:t>5,5</a:t>
+                      </a:r>
+                    </a:p>
+                  </a:txBody>
+                  <a:tcPr marL="9525" marR="9525" marT="9525" marB="0" anchor="b">
+                    <a:lnL w="6350" cap="flat" cmpd="sng" algn="ctr">
+                      <a:solidFill>
+                        <a:srgbClr val="000000"/>
+                      </a:solidFill>
+                      <a:prstDash val="solid"/>
+                      <a:round/>
+                      <a:headEnd type="none" w="med" len="med"/>
+                      <a:tailEnd type="none" w="med" len="med"/>
+                    </a:lnL>
+                    <a:lnR w="6350" cap="flat" cmpd="sng" algn="ctr">
+                      <a:solidFill>
+                        <a:srgbClr val="000000"/>
+                      </a:solidFill>
+                      <a:prstDash val="solid"/>
+                      <a:round/>
+                      <a:headEnd type="none" w="med" len="med"/>
+                      <a:tailEnd type="none" w="med" len="med"/>
+                    </a:lnR>
+                    <a:lnT w="6350" cap="flat" cmpd="sng" algn="ctr">
+                      <a:solidFill>
+                        <a:srgbClr val="000000"/>
+                      </a:solidFill>
+                      <a:prstDash val="solid"/>
+                      <a:round/>
+                      <a:headEnd type="none" w="med" len="med"/>
+                      <a:tailEnd type="none" w="med" len="med"/>
+                    </a:lnT>
+                    <a:lnB w="6350" cap="flat" cmpd="sng" algn="ctr">
+                      <a:solidFill>
+                        <a:srgbClr val="000000"/>
+                      </a:solidFill>
+                      <a:prstDash val="solid"/>
+                      <a:round/>
+                      <a:headEnd type="none" w="med" len="med"/>
+                      <a:tailEnd type="none" w="med" len="med"/>
+                    </a:lnB>
+                  </a:tcPr>
+                </a:tc>
+                <a:tc>
+                  <a:txBody>
+                    <a:bodyPr/>
+                    <a:lstStyle/>
+                    <a:p>
+                      <a:pPr algn="ctr" fontAlgn="b"/>
+                      <a:r>
+                        <a:rPr lang="es-AR" sz="1400" b="0" i="0" u="none" strike="noStrike">
+                          <a:solidFill>
+                            <a:srgbClr val="000000"/>
+                          </a:solidFill>
+                          <a:latin typeface="Calibri"/>
+                        </a:rPr>
+                        <a:t>1</a:t>
+                      </a:r>
+                    </a:p>
+                  </a:txBody>
+                  <a:tcPr marL="9525" marR="9525" marT="9525" marB="0" anchor="b">
+                    <a:lnL w="6350" cap="flat" cmpd="sng" algn="ctr">
+                      <a:solidFill>
+                        <a:srgbClr val="000000"/>
+                      </a:solidFill>
+                      <a:prstDash val="solid"/>
+                      <a:round/>
+                      <a:headEnd type="none" w="med" len="med"/>
+                      <a:tailEnd type="none" w="med" len="med"/>
+                    </a:lnL>
+                    <a:lnR w="6350" cap="flat" cmpd="sng" algn="ctr">
+                      <a:solidFill>
+                        <a:srgbClr val="000000"/>
+                      </a:solidFill>
+                      <a:prstDash val="solid"/>
+                      <a:round/>
+                      <a:headEnd type="none" w="med" len="med"/>
+                      <a:tailEnd type="none" w="med" len="med"/>
+                    </a:lnR>
+                    <a:lnT w="6350" cap="flat" cmpd="sng" algn="ctr">
+                      <a:solidFill>
+                        <a:srgbClr val="000000"/>
+                      </a:solidFill>
+                      <a:prstDash val="solid"/>
+                      <a:round/>
+                      <a:headEnd type="none" w="med" len="med"/>
+                      <a:tailEnd type="none" w="med" len="med"/>
+                    </a:lnT>
+                    <a:lnB w="6350" cap="flat" cmpd="sng" algn="ctr">
+                      <a:solidFill>
+                        <a:srgbClr val="000000"/>
+                      </a:solidFill>
+                      <a:prstDash val="solid"/>
+                      <a:round/>
+                      <a:headEnd type="none" w="med" len="med"/>
+                      <a:tailEnd type="none" w="med" len="med"/>
+                    </a:lnB>
+                  </a:tcPr>
+                </a:tc>
+                <a:tc>
+                  <a:txBody>
+                    <a:bodyPr/>
+                    <a:lstStyle/>
+                    <a:p>
+                      <a:pPr algn="ctr" fontAlgn="b"/>
+                      <a:r>
+                        <a:rPr lang="es-AR" sz="1400" b="0" i="0" u="none" strike="noStrike" dirty="0">
+                          <a:solidFill>
+                            <a:srgbClr val="000000"/>
+                          </a:solidFill>
+                          <a:latin typeface="Calibri"/>
+                        </a:rPr>
+                        <a:t>18%</a:t>
+                      </a:r>
+                    </a:p>
+                  </a:txBody>
+                  <a:tcPr marL="9525" marR="9525" marT="9525" marB="0" anchor="b">
+                    <a:lnL w="6350" cap="flat" cmpd="sng" algn="ctr">
+                      <a:solidFill>
+                        <a:srgbClr val="000000"/>
+                      </a:solidFill>
+                      <a:prstDash val="solid"/>
+                      <a:round/>
+                      <a:headEnd type="none" w="med" len="med"/>
+                      <a:tailEnd type="none" w="med" len="med"/>
+                    </a:lnL>
+                    <a:lnR w="6350" cap="flat" cmpd="sng" algn="ctr">
+                      <a:solidFill>
+                        <a:srgbClr val="000000"/>
+                      </a:solidFill>
+                      <a:prstDash val="solid"/>
+                      <a:round/>
+                      <a:headEnd type="none" w="med" len="med"/>
+                      <a:tailEnd type="none" w="med" len="med"/>
+                    </a:lnR>
+                    <a:lnT w="6350" cap="flat" cmpd="sng" algn="ctr">
+                      <a:solidFill>
+                        <a:srgbClr val="000000"/>
+                      </a:solidFill>
+                      <a:prstDash val="solid"/>
+                      <a:round/>
+                      <a:headEnd type="none" w="med" len="med"/>
+                      <a:tailEnd type="none" w="med" len="med"/>
+                    </a:lnT>
+                    <a:lnB w="6350" cap="flat" cmpd="sng" algn="ctr">
+                      <a:solidFill>
+                        <a:srgbClr val="000000"/>
+                      </a:solidFill>
+                      <a:prstDash val="solid"/>
+                      <a:round/>
+                      <a:headEnd type="none" w="med" len="med"/>
+                      <a:tailEnd type="none" w="med" len="med"/>
+                    </a:lnB>
+                  </a:tcPr>
+                </a:tc>
+              </a:tr>
+              <a:tr h="369587">
+                <a:tc>
+                  <a:txBody>
+                    <a:bodyPr/>
+                    <a:lstStyle/>
+                    <a:p>
+                      <a:pPr algn="ctr" rtl="0" fontAlgn="b"/>
+                      <a:r>
+                        <a:rPr lang="es-AR" sz="1400" b="0" i="0" u="none" strike="noStrike">
+                          <a:solidFill>
+                            <a:srgbClr val="000000"/>
+                          </a:solidFill>
+                          <a:latin typeface="Arial"/>
+                        </a:rPr>
+                        <a:t>Backend</a:t>
+                      </a:r>
+                    </a:p>
+                  </a:txBody>
+                  <a:tcPr marL="9525" marR="9525" marT="9525" marB="0" anchor="b">
+                    <a:lnL w="6350" cap="flat" cmpd="sng" algn="ctr">
+                      <a:solidFill>
+                        <a:srgbClr val="000000"/>
+                      </a:solidFill>
+                      <a:prstDash val="solid"/>
+                      <a:round/>
+                      <a:headEnd type="none" w="med" len="med"/>
+                      <a:tailEnd type="none" w="med" len="med"/>
+                    </a:lnL>
+                    <a:lnR w="6350" cap="flat" cmpd="sng" algn="ctr">
+                      <a:solidFill>
+                        <a:srgbClr val="000000"/>
+                      </a:solidFill>
+                      <a:prstDash val="solid"/>
+                      <a:round/>
+                      <a:headEnd type="none" w="med" len="med"/>
+                      <a:tailEnd type="none" w="med" len="med"/>
+                    </a:lnR>
+                    <a:lnT w="6350" cap="flat" cmpd="sng" algn="ctr">
+                      <a:solidFill>
+                        <a:srgbClr val="000000"/>
+                      </a:solidFill>
+                      <a:prstDash val="solid"/>
+                      <a:round/>
+                      <a:headEnd type="none" w="med" len="med"/>
+                      <a:tailEnd type="none" w="med" len="med"/>
+                    </a:lnT>
+                    <a:lnB w="6350" cap="flat" cmpd="sng" algn="ctr">
+                      <a:solidFill>
+                        <a:srgbClr val="000000"/>
+                      </a:solidFill>
+                      <a:prstDash val="solid"/>
+                      <a:round/>
+                      <a:headEnd type="none" w="med" len="med"/>
+                      <a:tailEnd type="none" w="med" len="med"/>
+                    </a:lnB>
+                    <a:solidFill>
+                      <a:srgbClr val="CFE2F3"/>
+                    </a:solidFill>
+                  </a:tcPr>
+                </a:tc>
+                <a:tc>
+                  <a:txBody>
+                    <a:bodyPr/>
+                    <a:lstStyle/>
+                    <a:p>
+                      <a:pPr algn="l" rtl="0" fontAlgn="b"/>
+                      <a:r>
+                        <a:rPr lang="es-AR" sz="1400" b="0" i="0" u="none" strike="noStrike" dirty="0" smtClean="0">
+                          <a:solidFill>
+                            <a:srgbClr val="000000"/>
+                          </a:solidFill>
+                          <a:latin typeface="Arial"/>
+                        </a:rPr>
+                        <a:t>Compra</a:t>
+                      </a:r>
+                      <a:endParaRPr lang="es-AR" sz="1400" b="0" i="0" u="none" strike="noStrike" dirty="0">
+                        <a:solidFill>
+                          <a:srgbClr val="000000"/>
+                        </a:solidFill>
+                        <a:latin typeface="Arial"/>
+                      </a:endParaRPr>
+                    </a:p>
+                  </a:txBody>
+                  <a:tcPr marL="9525" marR="9525" marT="9525" marB="0" anchor="b">
+                    <a:lnL w="6350" cap="flat" cmpd="sng" algn="ctr">
+                      <a:solidFill>
+                        <a:srgbClr val="000000"/>
+                      </a:solidFill>
+                      <a:prstDash val="solid"/>
+                      <a:round/>
+                      <a:headEnd type="none" w="med" len="med"/>
+                      <a:tailEnd type="none" w="med" len="med"/>
+                    </a:lnL>
+                    <a:lnR w="6350" cap="flat" cmpd="sng" algn="ctr">
+                      <a:solidFill>
+                        <a:srgbClr val="000000"/>
+                      </a:solidFill>
+                      <a:prstDash val="solid"/>
+                      <a:round/>
+                      <a:headEnd type="none" w="med" len="med"/>
+                      <a:tailEnd type="none" w="med" len="med"/>
+                    </a:lnR>
+                    <a:lnT w="6350" cap="flat" cmpd="sng" algn="ctr">
+                      <a:solidFill>
+                        <a:srgbClr val="000000"/>
+                      </a:solidFill>
+                      <a:prstDash val="solid"/>
+                      <a:round/>
+                      <a:headEnd type="none" w="med" len="med"/>
+                      <a:tailEnd type="none" w="med" len="med"/>
+                    </a:lnT>
+                    <a:lnB w="6350" cap="flat" cmpd="sng" algn="ctr">
+                      <a:solidFill>
+                        <a:srgbClr val="000000"/>
+                      </a:solidFill>
+                      <a:prstDash val="solid"/>
+                      <a:round/>
+                      <a:headEnd type="none" w="med" len="med"/>
+                      <a:tailEnd type="none" w="med" len="med"/>
+                    </a:lnB>
+                  </a:tcPr>
+                </a:tc>
+                <a:tc>
+                  <a:txBody>
+                    <a:bodyPr/>
+                    <a:lstStyle/>
+                    <a:p>
+                      <a:pPr algn="ctr" fontAlgn="b"/>
+                      <a:r>
+                        <a:rPr lang="es-AR" sz="1400" b="0" i="0" u="none" strike="noStrike">
+                          <a:solidFill>
+                            <a:srgbClr val="000000"/>
+                          </a:solidFill>
+                          <a:latin typeface="Calibri"/>
+                        </a:rPr>
+                        <a:t>5</a:t>
+                      </a:r>
+                    </a:p>
+                  </a:txBody>
+                  <a:tcPr marL="9525" marR="9525" marT="9525" marB="0" anchor="b">
+                    <a:lnL w="6350" cap="flat" cmpd="sng" algn="ctr">
+                      <a:solidFill>
+                        <a:srgbClr val="000000"/>
+                      </a:solidFill>
+                      <a:prstDash val="solid"/>
+                      <a:round/>
+                      <a:headEnd type="none" w="med" len="med"/>
+                      <a:tailEnd type="none" w="med" len="med"/>
+                    </a:lnL>
+                    <a:lnR w="6350" cap="flat" cmpd="sng" algn="ctr">
+                      <a:solidFill>
+                        <a:srgbClr val="000000"/>
+                      </a:solidFill>
+                      <a:prstDash val="solid"/>
+                      <a:round/>
+                      <a:headEnd type="none" w="med" len="med"/>
+                      <a:tailEnd type="none" w="med" len="med"/>
+                    </a:lnR>
+                    <a:lnT w="6350" cap="flat" cmpd="sng" algn="ctr">
+                      <a:solidFill>
+                        <a:srgbClr val="000000"/>
+                      </a:solidFill>
+                      <a:prstDash val="solid"/>
+                      <a:round/>
+                      <a:headEnd type="none" w="med" len="med"/>
+                      <a:tailEnd type="none" w="med" len="med"/>
+                    </a:lnT>
+                    <a:lnB w="6350" cap="flat" cmpd="sng" algn="ctr">
+                      <a:solidFill>
+                        <a:srgbClr val="000000"/>
+                      </a:solidFill>
+                      <a:prstDash val="solid"/>
+                      <a:round/>
+                      <a:headEnd type="none" w="med" len="med"/>
+                      <a:tailEnd type="none" w="med" len="med"/>
+                    </a:lnB>
+                  </a:tcPr>
+                </a:tc>
+                <a:tc>
+                  <a:txBody>
+                    <a:bodyPr/>
+                    <a:lstStyle/>
+                    <a:p>
+                      <a:pPr algn="ctr" fontAlgn="b"/>
+                      <a:r>
+                        <a:rPr lang="es-AR" sz="1400" b="0" i="0" u="none" strike="noStrike">
+                          <a:solidFill>
+                            <a:srgbClr val="000000"/>
+                          </a:solidFill>
+                          <a:latin typeface="Calibri"/>
+                        </a:rPr>
+                        <a:t>1</a:t>
+                      </a:r>
+                    </a:p>
+                  </a:txBody>
+                  <a:tcPr marL="9525" marR="9525" marT="9525" marB="0" anchor="b">
+                    <a:lnL w="6350" cap="flat" cmpd="sng" algn="ctr">
+                      <a:solidFill>
+                        <a:srgbClr val="000000"/>
+                      </a:solidFill>
+                      <a:prstDash val="solid"/>
+                      <a:round/>
+                      <a:headEnd type="none" w="med" len="med"/>
+                      <a:tailEnd type="none" w="med" len="med"/>
+                    </a:lnL>
+                    <a:lnR w="6350" cap="flat" cmpd="sng" algn="ctr">
+                      <a:solidFill>
+                        <a:srgbClr val="000000"/>
+                      </a:solidFill>
+                      <a:prstDash val="solid"/>
+                      <a:round/>
+                      <a:headEnd type="none" w="med" len="med"/>
+                      <a:tailEnd type="none" w="med" len="med"/>
+                    </a:lnR>
+                    <a:lnT w="6350" cap="flat" cmpd="sng" algn="ctr">
+                      <a:solidFill>
+                        <a:srgbClr val="000000"/>
+                      </a:solidFill>
+                      <a:prstDash val="solid"/>
+                      <a:round/>
+                      <a:headEnd type="none" w="med" len="med"/>
+                      <a:tailEnd type="none" w="med" len="med"/>
+                    </a:lnT>
+                    <a:lnB w="6350" cap="flat" cmpd="sng" algn="ctr">
+                      <a:solidFill>
+                        <a:srgbClr val="000000"/>
+                      </a:solidFill>
+                      <a:prstDash val="solid"/>
+                      <a:round/>
+                      <a:headEnd type="none" w="med" len="med"/>
+                      <a:tailEnd type="none" w="med" len="med"/>
+                    </a:lnB>
+                  </a:tcPr>
+                </a:tc>
+                <a:tc>
+                  <a:txBody>
+                    <a:bodyPr/>
+                    <a:lstStyle/>
+                    <a:p>
+                      <a:pPr algn="ctr" fontAlgn="b"/>
+                      <a:r>
+                        <a:rPr lang="es-AR" sz="1400" b="0" i="0" u="none" strike="noStrike" dirty="0">
+                          <a:solidFill>
+                            <a:srgbClr val="000000"/>
+                          </a:solidFill>
+                          <a:latin typeface="Calibri"/>
+                        </a:rPr>
+                        <a:t>20%</a:t>
+                      </a:r>
+                    </a:p>
+                  </a:txBody>
+                  <a:tcPr marL="9525" marR="9525" marT="9525" marB="0" anchor="b">
+                    <a:lnL w="6350" cap="flat" cmpd="sng" algn="ctr">
+                      <a:solidFill>
+                        <a:srgbClr val="000000"/>
+                      </a:solidFill>
+                      <a:prstDash val="solid"/>
+                      <a:round/>
+                      <a:headEnd type="none" w="med" len="med"/>
+                      <a:tailEnd type="none" w="med" len="med"/>
+                    </a:lnL>
+                    <a:lnR w="6350" cap="flat" cmpd="sng" algn="ctr">
+                      <a:solidFill>
+                        <a:srgbClr val="000000"/>
+                      </a:solidFill>
+                      <a:prstDash val="solid"/>
+                      <a:round/>
+                      <a:headEnd type="none" w="med" len="med"/>
+                      <a:tailEnd type="none" w="med" len="med"/>
+                    </a:lnR>
+                    <a:lnT w="6350" cap="flat" cmpd="sng" algn="ctr">
+                      <a:solidFill>
+                        <a:srgbClr val="000000"/>
+                      </a:solidFill>
+                      <a:prstDash val="solid"/>
+                      <a:round/>
+                      <a:headEnd type="none" w="med" len="med"/>
+                      <a:tailEnd type="none" w="med" len="med"/>
+                    </a:lnT>
+                    <a:lnB w="6350" cap="flat" cmpd="sng" algn="ctr">
+                      <a:solidFill>
+                        <a:srgbClr val="000000"/>
+                      </a:solidFill>
+                      <a:prstDash val="solid"/>
+                      <a:round/>
+                      <a:headEnd type="none" w="med" len="med"/>
+                      <a:tailEnd type="none" w="med" len="med"/>
+                    </a:lnB>
+                  </a:tcPr>
+                </a:tc>
+              </a:tr>
+              <a:tr h="369587">
+                <a:tc>
+                  <a:txBody>
+                    <a:bodyPr/>
+                    <a:lstStyle/>
+                    <a:p>
+                      <a:pPr algn="ctr" rtl="0" fontAlgn="b"/>
+                      <a:r>
+                        <a:rPr lang="es-AR" sz="1400" b="0" i="0" u="none" strike="noStrike">
+                          <a:solidFill>
+                            <a:srgbClr val="000000"/>
+                          </a:solidFill>
+                          <a:latin typeface="Arial"/>
+                        </a:rPr>
+                        <a:t>Gestión</a:t>
+                      </a:r>
+                    </a:p>
+                  </a:txBody>
+                  <a:tcPr marL="9525" marR="9525" marT="9525" marB="0" anchor="b">
+                    <a:lnL w="6350" cap="flat" cmpd="sng" algn="ctr">
+                      <a:solidFill>
+                        <a:srgbClr val="000000"/>
+                      </a:solidFill>
+                      <a:prstDash val="solid"/>
+                      <a:round/>
+                      <a:headEnd type="none" w="med" len="med"/>
+                      <a:tailEnd type="none" w="med" len="med"/>
+                    </a:lnL>
+                    <a:lnR w="6350" cap="flat" cmpd="sng" algn="ctr">
+                      <a:solidFill>
+                        <a:srgbClr val="000000"/>
+                      </a:solidFill>
+                      <a:prstDash val="solid"/>
+                      <a:round/>
+                      <a:headEnd type="none" w="med" len="med"/>
+                      <a:tailEnd type="none" w="med" len="med"/>
+                    </a:lnR>
+                    <a:lnT w="6350" cap="flat" cmpd="sng" algn="ctr">
+                      <a:solidFill>
+                        <a:srgbClr val="000000"/>
+                      </a:solidFill>
+                      <a:prstDash val="solid"/>
+                      <a:round/>
+                      <a:headEnd type="none" w="med" len="med"/>
+                      <a:tailEnd type="none" w="med" len="med"/>
+                    </a:lnT>
+                    <a:lnB w="6350" cap="flat" cmpd="sng" algn="ctr">
+                      <a:solidFill>
+                        <a:srgbClr val="000000"/>
+                      </a:solidFill>
+                      <a:prstDash val="solid"/>
+                      <a:round/>
+                      <a:headEnd type="none" w="med" len="med"/>
+                      <a:tailEnd type="none" w="med" len="med"/>
+                    </a:lnB>
+                    <a:solidFill>
+                      <a:srgbClr val="D9D9D9"/>
+                    </a:solidFill>
+                  </a:tcPr>
+                </a:tc>
+                <a:tc>
+                  <a:txBody>
+                    <a:bodyPr/>
+                    <a:lstStyle/>
+                    <a:p>
+                      <a:pPr algn="l" rtl="0" fontAlgn="b"/>
+                      <a:r>
+                        <a:rPr lang="es-AR" sz="1400" b="0" i="0" u="none" strike="noStrike" dirty="0" smtClean="0">
+                          <a:solidFill>
+                            <a:srgbClr val="000000"/>
+                          </a:solidFill>
+                          <a:latin typeface="Arial"/>
+                        </a:rPr>
+                        <a:t>Data </a:t>
+                      </a:r>
+                      <a:r>
+                        <a:rPr lang="es-AR" sz="1400" b="0" i="0" u="none" strike="noStrike" dirty="0" err="1">
+                          <a:solidFill>
+                            <a:srgbClr val="000000"/>
+                          </a:solidFill>
+                          <a:latin typeface="Arial"/>
+                        </a:rPr>
+                        <a:t>Entry</a:t>
+                      </a:r>
+                      <a:endParaRPr lang="es-AR" sz="1400" b="0" i="0" u="none" strike="noStrike" dirty="0">
+                        <a:solidFill>
+                          <a:srgbClr val="000000"/>
+                        </a:solidFill>
+                        <a:latin typeface="Arial"/>
+                      </a:endParaRPr>
+                    </a:p>
+                  </a:txBody>
+                  <a:tcPr marL="9525" marR="9525" marT="9525" marB="0" anchor="b">
+                    <a:lnL w="6350" cap="flat" cmpd="sng" algn="ctr">
+                      <a:solidFill>
+                        <a:srgbClr val="000000"/>
+                      </a:solidFill>
+                      <a:prstDash val="solid"/>
+                      <a:round/>
+                      <a:headEnd type="none" w="med" len="med"/>
+                      <a:tailEnd type="none" w="med" len="med"/>
+                    </a:lnL>
+                    <a:lnR w="6350" cap="flat" cmpd="sng" algn="ctr">
+                      <a:solidFill>
+                        <a:srgbClr val="000000"/>
+                      </a:solidFill>
+                      <a:prstDash val="solid"/>
+                      <a:round/>
+                      <a:headEnd type="none" w="med" len="med"/>
+                      <a:tailEnd type="none" w="med" len="med"/>
+                    </a:lnR>
+                    <a:lnT w="6350" cap="flat" cmpd="sng" algn="ctr">
+                      <a:solidFill>
+                        <a:srgbClr val="000000"/>
+                      </a:solidFill>
+                      <a:prstDash val="solid"/>
+                      <a:round/>
+                      <a:headEnd type="none" w="med" len="med"/>
+                      <a:tailEnd type="none" w="med" len="med"/>
+                    </a:lnT>
+                    <a:lnB w="6350" cap="flat" cmpd="sng" algn="ctr">
+                      <a:solidFill>
+                        <a:srgbClr val="000000"/>
+                      </a:solidFill>
+                      <a:prstDash val="solid"/>
+                      <a:round/>
+                      <a:headEnd type="none" w="med" len="med"/>
+                      <a:tailEnd type="none" w="med" len="med"/>
+                    </a:lnB>
+                  </a:tcPr>
+                </a:tc>
+                <a:tc>
+                  <a:txBody>
+                    <a:bodyPr/>
+                    <a:lstStyle/>
+                    <a:p>
+                      <a:pPr algn="ctr" fontAlgn="b"/>
+                      <a:r>
+                        <a:rPr lang="es-AR" sz="1400" b="0" i="0" u="none" strike="noStrike">
+                          <a:solidFill>
+                            <a:srgbClr val="000000"/>
+                          </a:solidFill>
+                          <a:latin typeface="Calibri"/>
+                        </a:rPr>
+                        <a:t>1</a:t>
+                      </a:r>
+                    </a:p>
+                  </a:txBody>
+                  <a:tcPr marL="9525" marR="9525" marT="9525" marB="0" anchor="b">
+                    <a:lnL w="6350" cap="flat" cmpd="sng" algn="ctr">
+                      <a:solidFill>
+                        <a:srgbClr val="000000"/>
+                      </a:solidFill>
+                      <a:prstDash val="solid"/>
+                      <a:round/>
+                      <a:headEnd type="none" w="med" len="med"/>
+                      <a:tailEnd type="none" w="med" len="med"/>
+                    </a:lnL>
+                    <a:lnR w="6350" cap="flat" cmpd="sng" algn="ctr">
+                      <a:solidFill>
+                        <a:srgbClr val="000000"/>
+                      </a:solidFill>
+                      <a:prstDash val="solid"/>
+                      <a:round/>
+                      <a:headEnd type="none" w="med" len="med"/>
+                      <a:tailEnd type="none" w="med" len="med"/>
+                    </a:lnR>
+                    <a:lnT w="6350" cap="flat" cmpd="sng" algn="ctr">
+                      <a:solidFill>
+                        <a:srgbClr val="000000"/>
+                      </a:solidFill>
+                      <a:prstDash val="solid"/>
+                      <a:round/>
+                      <a:headEnd type="none" w="med" len="med"/>
+                      <a:tailEnd type="none" w="med" len="med"/>
+                    </a:lnT>
+                    <a:lnB w="6350" cap="flat" cmpd="sng" algn="ctr">
+                      <a:solidFill>
+                        <a:srgbClr val="000000"/>
+                      </a:solidFill>
+                      <a:prstDash val="solid"/>
+                      <a:round/>
+                      <a:headEnd type="none" w="med" len="med"/>
+                      <a:tailEnd type="none" w="med" len="med"/>
+                    </a:lnB>
+                  </a:tcPr>
+                </a:tc>
+                <a:tc>
+                  <a:txBody>
+                    <a:bodyPr/>
+                    <a:lstStyle/>
+                    <a:p>
+                      <a:pPr algn="ctr" fontAlgn="b"/>
+                      <a:r>
+                        <a:rPr lang="es-AR" sz="1400" b="0" i="0" u="none" strike="noStrike">
+                          <a:solidFill>
+                            <a:srgbClr val="000000"/>
+                          </a:solidFill>
+                          <a:latin typeface="Calibri"/>
+                        </a:rPr>
+                        <a:t>0,25</a:t>
+                      </a:r>
+                    </a:p>
+                  </a:txBody>
+                  <a:tcPr marL="9525" marR="9525" marT="9525" marB="0" anchor="b">
+                    <a:lnL w="6350" cap="flat" cmpd="sng" algn="ctr">
+                      <a:solidFill>
+                        <a:srgbClr val="000000"/>
+                      </a:solidFill>
+                      <a:prstDash val="solid"/>
+                      <a:round/>
+                      <a:headEnd type="none" w="med" len="med"/>
+                      <a:tailEnd type="none" w="med" len="med"/>
+                    </a:lnL>
+                    <a:lnR w="6350" cap="flat" cmpd="sng" algn="ctr">
+                      <a:solidFill>
+                        <a:srgbClr val="000000"/>
+                      </a:solidFill>
+                      <a:prstDash val="solid"/>
+                      <a:round/>
+                      <a:headEnd type="none" w="med" len="med"/>
+                      <a:tailEnd type="none" w="med" len="med"/>
+                    </a:lnR>
+                    <a:lnT w="6350" cap="flat" cmpd="sng" algn="ctr">
+                      <a:solidFill>
+                        <a:srgbClr val="000000"/>
+                      </a:solidFill>
+                      <a:prstDash val="solid"/>
+                      <a:round/>
+                      <a:headEnd type="none" w="med" len="med"/>
+                      <a:tailEnd type="none" w="med" len="med"/>
+                    </a:lnT>
+                    <a:lnB w="6350" cap="flat" cmpd="sng" algn="ctr">
+                      <a:solidFill>
+                        <a:srgbClr val="000000"/>
+                      </a:solidFill>
+                      <a:prstDash val="solid"/>
+                      <a:round/>
+                      <a:headEnd type="none" w="med" len="med"/>
+                      <a:tailEnd type="none" w="med" len="med"/>
+                    </a:lnB>
+                  </a:tcPr>
+                </a:tc>
+                <a:tc>
+                  <a:txBody>
+                    <a:bodyPr/>
+                    <a:lstStyle/>
+                    <a:p>
+                      <a:pPr algn="ctr" fontAlgn="b"/>
+                      <a:r>
+                        <a:rPr lang="es-AR" sz="1400" b="0" i="0" u="none" strike="noStrike" dirty="0">
+                          <a:solidFill>
+                            <a:srgbClr val="000000"/>
+                          </a:solidFill>
+                          <a:latin typeface="Calibri"/>
+                        </a:rPr>
+                        <a:t>25%</a:t>
+                      </a:r>
+                    </a:p>
+                  </a:txBody>
+                  <a:tcPr marL="9525" marR="9525" marT="9525" marB="0" anchor="b">
+                    <a:lnL w="6350" cap="flat" cmpd="sng" algn="ctr">
+                      <a:solidFill>
+                        <a:srgbClr val="000000"/>
+                      </a:solidFill>
+                      <a:prstDash val="solid"/>
+                      <a:round/>
+                      <a:headEnd type="none" w="med" len="med"/>
+                      <a:tailEnd type="none" w="med" len="med"/>
+                    </a:lnL>
+                    <a:lnR w="6350" cap="flat" cmpd="sng" algn="ctr">
+                      <a:solidFill>
+                        <a:srgbClr val="000000"/>
+                      </a:solidFill>
+                      <a:prstDash val="solid"/>
+                      <a:round/>
+                      <a:headEnd type="none" w="med" len="med"/>
+                      <a:tailEnd type="none" w="med" len="med"/>
+                    </a:lnR>
+                    <a:lnT w="6350" cap="flat" cmpd="sng" algn="ctr">
+                      <a:solidFill>
+                        <a:srgbClr val="000000"/>
+                      </a:solidFill>
+                      <a:prstDash val="solid"/>
+                      <a:round/>
+                      <a:headEnd type="none" w="med" len="med"/>
+                      <a:tailEnd type="none" w="med" len="med"/>
+                    </a:lnT>
+                    <a:lnB w="6350" cap="flat" cmpd="sng" algn="ctr">
+                      <a:solidFill>
+                        <a:srgbClr val="000000"/>
+                      </a:solidFill>
+                      <a:prstDash val="solid"/>
+                      <a:round/>
+                      <a:headEnd type="none" w="med" len="med"/>
+                      <a:tailEnd type="none" w="med" len="med"/>
+                    </a:lnB>
+                  </a:tcPr>
+                </a:tc>
+              </a:tr>
+            </a:tbl>
+          </a:graphicData>
+        </a:graphic>
+      </p:graphicFrame>
+      <p:graphicFrame>
+        <p:nvGraphicFramePr>
+          <p:cNvPr id="6" name="5 Tabla"/>
+          <p:cNvGraphicFramePr>
+            <a:graphicFrameLocks noGrp="1"/>
+          </p:cNvGraphicFramePr>
+          <p:nvPr/>
+        </p:nvGraphicFramePr>
+        <p:xfrm>
+          <a:off x="6422573" y="1273191"/>
+          <a:ext cx="5301341" cy="5301784"/>
+        </p:xfrm>
+        <a:graphic>
+          <a:graphicData uri="http://schemas.openxmlformats.org/drawingml/2006/table">
+            <a:tbl>
+              <a:tblPr/>
+              <a:tblGrid>
+                <a:gridCol w="845503"/>
+                <a:gridCol w="1812302"/>
+                <a:gridCol w="759883"/>
+                <a:gridCol w="899016"/>
+                <a:gridCol w="984637"/>
+              </a:tblGrid>
+              <a:tr h="460641">
+                <a:tc>
+                  <a:txBody>
+                    <a:bodyPr/>
+                    <a:lstStyle/>
+                    <a:p>
+                      <a:pPr algn="ctr" rtl="0" fontAlgn="b"/>
+                      <a:r>
+                        <a:rPr lang="es-AR" sz="1400" b="0" i="0" u="none" strike="noStrike" dirty="0" err="1">
+                          <a:solidFill>
+                            <a:srgbClr val="000000"/>
+                          </a:solidFill>
+                          <a:latin typeface="Arial"/>
+                        </a:rPr>
+                        <a:t>Backend</a:t>
+                      </a:r>
+                      <a:endParaRPr lang="es-AR" sz="1400" b="0" i="0" u="none" strike="noStrike" dirty="0">
+                        <a:solidFill>
+                          <a:srgbClr val="000000"/>
+                        </a:solidFill>
+                        <a:latin typeface="Arial"/>
+                      </a:endParaRPr>
+                    </a:p>
+                  </a:txBody>
+                  <a:tcPr marL="9525" marR="9525" marT="9525" marB="0" anchor="b">
+                    <a:lnL w="6350" cap="flat" cmpd="sng" algn="ctr">
+                      <a:solidFill>
+                        <a:srgbClr val="000000"/>
+                      </a:solidFill>
+                      <a:prstDash val="solid"/>
+                      <a:round/>
+                      <a:headEnd type="none" w="med" len="med"/>
+                      <a:tailEnd type="none" w="med" len="med"/>
+                    </a:lnL>
+                    <a:lnR w="6350" cap="flat" cmpd="sng" algn="ctr">
+                      <a:solidFill>
+                        <a:srgbClr val="000000"/>
+                      </a:solidFill>
+                      <a:prstDash val="solid"/>
+                      <a:round/>
+                      <a:headEnd type="none" w="med" len="med"/>
+                      <a:tailEnd type="none" w="med" len="med"/>
+                    </a:lnR>
+                    <a:lnT w="6350" cap="flat" cmpd="sng" algn="ctr">
+                      <a:solidFill>
+                        <a:srgbClr val="000000"/>
+                      </a:solidFill>
+                      <a:prstDash val="solid"/>
+                      <a:round/>
+                      <a:headEnd type="none" w="med" len="med"/>
+                      <a:tailEnd type="none" w="med" len="med"/>
+                    </a:lnT>
+                    <a:lnB w="6350" cap="flat" cmpd="sng" algn="ctr">
+                      <a:solidFill>
+                        <a:srgbClr val="000000"/>
+                      </a:solidFill>
+                      <a:prstDash val="solid"/>
+                      <a:round/>
+                      <a:headEnd type="none" w="med" len="med"/>
+                      <a:tailEnd type="none" w="med" len="med"/>
+                    </a:lnB>
+                    <a:solidFill>
+                      <a:srgbClr val="CFE2F3"/>
+                    </a:solidFill>
+                  </a:tcPr>
+                </a:tc>
+                <a:tc>
+                  <a:txBody>
+                    <a:bodyPr/>
+                    <a:lstStyle/>
+                    <a:p>
+                      <a:pPr algn="l" rtl="0" fontAlgn="b"/>
+                      <a:r>
+                        <a:rPr lang="es-AR" sz="1400" b="0" i="0" u="none" strike="noStrike" dirty="0" smtClean="0">
+                          <a:solidFill>
+                            <a:srgbClr val="000000"/>
+                          </a:solidFill>
+                          <a:latin typeface="Arial"/>
+                        </a:rPr>
+                        <a:t>Estilo</a:t>
+                      </a:r>
+                      <a:endParaRPr lang="es-AR" sz="1400" b="0" i="0" u="none" strike="noStrike" dirty="0">
+                        <a:solidFill>
+                          <a:srgbClr val="000000"/>
+                        </a:solidFill>
+                        <a:latin typeface="Arial"/>
+                      </a:endParaRPr>
+                    </a:p>
+                  </a:txBody>
+                  <a:tcPr marL="9525" marR="9525" marT="9525" marB="0" anchor="b">
+                    <a:lnL w="6350" cap="flat" cmpd="sng" algn="ctr">
+                      <a:solidFill>
+                        <a:srgbClr val="000000"/>
+                      </a:solidFill>
+                      <a:prstDash val="solid"/>
+                      <a:round/>
+                      <a:headEnd type="none" w="med" len="med"/>
+                      <a:tailEnd type="none" w="med" len="med"/>
+                    </a:lnL>
+                    <a:lnR w="6350" cap="flat" cmpd="sng" algn="ctr">
+                      <a:solidFill>
+                        <a:srgbClr val="000000"/>
+                      </a:solidFill>
+                      <a:prstDash val="solid"/>
+                      <a:round/>
+                      <a:headEnd type="none" w="med" len="med"/>
+                      <a:tailEnd type="none" w="med" len="med"/>
+                    </a:lnR>
+                    <a:lnT w="6350" cap="flat" cmpd="sng" algn="ctr">
+                      <a:solidFill>
+                        <a:srgbClr val="000000"/>
+                      </a:solidFill>
+                      <a:prstDash val="solid"/>
+                      <a:round/>
+                      <a:headEnd type="none" w="med" len="med"/>
+                      <a:tailEnd type="none" w="med" len="med"/>
+                    </a:lnT>
+                    <a:lnB w="6350" cap="flat" cmpd="sng" algn="ctr">
+                      <a:solidFill>
+                        <a:srgbClr val="000000"/>
+                      </a:solidFill>
+                      <a:prstDash val="solid"/>
+                      <a:round/>
+                      <a:headEnd type="none" w="med" len="med"/>
+                      <a:tailEnd type="none" w="med" len="med"/>
+                    </a:lnB>
+                  </a:tcPr>
+                </a:tc>
+                <a:tc>
+                  <a:txBody>
+                    <a:bodyPr/>
+                    <a:lstStyle/>
+                    <a:p>
+                      <a:pPr algn="ctr" fontAlgn="b"/>
+                      <a:r>
+                        <a:rPr lang="es-AR" sz="1400" b="0" i="0" u="none" strike="noStrike" dirty="0">
+                          <a:solidFill>
+                            <a:srgbClr val="000000"/>
+                          </a:solidFill>
+                          <a:latin typeface="Calibri"/>
+                        </a:rPr>
+                        <a:t>4</a:t>
+                      </a:r>
+                    </a:p>
+                  </a:txBody>
+                  <a:tcPr marL="9525" marR="9525" marT="9525" marB="0" anchor="b">
+                    <a:lnL w="6350" cap="flat" cmpd="sng" algn="ctr">
+                      <a:solidFill>
+                        <a:srgbClr val="000000"/>
+                      </a:solidFill>
+                      <a:prstDash val="solid"/>
+                      <a:round/>
+                      <a:headEnd type="none" w="med" len="med"/>
+                      <a:tailEnd type="none" w="med" len="med"/>
+                    </a:lnL>
+                    <a:lnR w="6350" cap="flat" cmpd="sng" algn="ctr">
+                      <a:solidFill>
+                        <a:srgbClr val="000000"/>
+                      </a:solidFill>
+                      <a:prstDash val="solid"/>
+                      <a:round/>
+                      <a:headEnd type="none" w="med" len="med"/>
+                      <a:tailEnd type="none" w="med" len="med"/>
+                    </a:lnR>
+                    <a:lnT w="6350" cap="flat" cmpd="sng" algn="ctr">
+                      <a:solidFill>
+                        <a:srgbClr val="000000"/>
+                      </a:solidFill>
+                      <a:prstDash val="solid"/>
+                      <a:round/>
+                      <a:headEnd type="none" w="med" len="med"/>
+                      <a:tailEnd type="none" w="med" len="med"/>
+                    </a:lnT>
+                    <a:lnB w="6350" cap="flat" cmpd="sng" algn="ctr">
+                      <a:solidFill>
+                        <a:srgbClr val="000000"/>
+                      </a:solidFill>
+                      <a:prstDash val="solid"/>
+                      <a:round/>
+                      <a:headEnd type="none" w="med" len="med"/>
+                      <a:tailEnd type="none" w="med" len="med"/>
+                    </a:lnB>
+                  </a:tcPr>
+                </a:tc>
+                <a:tc>
+                  <a:txBody>
+                    <a:bodyPr/>
+                    <a:lstStyle/>
+                    <a:p>
+                      <a:pPr algn="ctr" fontAlgn="b"/>
+                      <a:r>
+                        <a:rPr lang="es-AR" sz="1400" b="0" i="0" u="none" strike="noStrike">
+                          <a:solidFill>
+                            <a:srgbClr val="000000"/>
+                          </a:solidFill>
+                          <a:latin typeface="Calibri"/>
+                        </a:rPr>
+                        <a:t>3</a:t>
+                      </a:r>
+                    </a:p>
+                  </a:txBody>
+                  <a:tcPr marL="9525" marR="9525" marT="9525" marB="0" anchor="b">
+                    <a:lnL w="6350" cap="flat" cmpd="sng" algn="ctr">
+                      <a:solidFill>
+                        <a:srgbClr val="000000"/>
+                      </a:solidFill>
+                      <a:prstDash val="solid"/>
+                      <a:round/>
+                      <a:headEnd type="none" w="med" len="med"/>
+                      <a:tailEnd type="none" w="med" len="med"/>
+                    </a:lnL>
+                    <a:lnR w="6350" cap="flat" cmpd="sng" algn="ctr">
+                      <a:solidFill>
+                        <a:srgbClr val="000000"/>
+                      </a:solidFill>
+                      <a:prstDash val="solid"/>
+                      <a:round/>
+                      <a:headEnd type="none" w="med" len="med"/>
+                      <a:tailEnd type="none" w="med" len="med"/>
+                    </a:lnR>
+                    <a:lnT w="6350" cap="flat" cmpd="sng" algn="ctr">
+                      <a:solidFill>
+                        <a:srgbClr val="000000"/>
+                      </a:solidFill>
+                      <a:prstDash val="solid"/>
+                      <a:round/>
+                      <a:headEnd type="none" w="med" len="med"/>
+                      <a:tailEnd type="none" w="med" len="med"/>
+                    </a:lnT>
+                    <a:lnB w="6350" cap="flat" cmpd="sng" algn="ctr">
+                      <a:solidFill>
+                        <a:srgbClr val="000000"/>
+                      </a:solidFill>
+                      <a:prstDash val="solid"/>
+                      <a:round/>
+                      <a:headEnd type="none" w="med" len="med"/>
+                      <a:tailEnd type="none" w="med" len="med"/>
+                    </a:lnB>
+                  </a:tcPr>
+                </a:tc>
+                <a:tc>
+                  <a:txBody>
+                    <a:bodyPr/>
+                    <a:lstStyle/>
+                    <a:p>
+                      <a:pPr algn="ctr" fontAlgn="b"/>
+                      <a:r>
+                        <a:rPr lang="es-AR" sz="1400" b="0" i="0" u="none" strike="noStrike">
+                          <a:solidFill>
+                            <a:srgbClr val="000000"/>
+                          </a:solidFill>
+                          <a:latin typeface="Calibri"/>
+                        </a:rPr>
+                        <a:t>75%</a:t>
+                      </a:r>
+                    </a:p>
+                  </a:txBody>
+                  <a:tcPr marL="9525" marR="9525" marT="9525" marB="0" anchor="b">
+                    <a:lnL w="6350" cap="flat" cmpd="sng" algn="ctr">
+                      <a:solidFill>
+                        <a:srgbClr val="000000"/>
+                      </a:solidFill>
+                      <a:prstDash val="solid"/>
+                      <a:round/>
+                      <a:headEnd type="none" w="med" len="med"/>
+                      <a:tailEnd type="none" w="med" len="med"/>
+                    </a:lnL>
+                    <a:lnR w="6350" cap="flat" cmpd="sng" algn="ctr">
+                      <a:solidFill>
+                        <a:srgbClr val="000000"/>
+                      </a:solidFill>
+                      <a:prstDash val="solid"/>
+                      <a:round/>
+                      <a:headEnd type="none" w="med" len="med"/>
+                      <a:tailEnd type="none" w="med" len="med"/>
+                    </a:lnR>
+                    <a:lnT w="6350" cap="flat" cmpd="sng" algn="ctr">
+                      <a:solidFill>
+                        <a:srgbClr val="000000"/>
+                      </a:solidFill>
+                      <a:prstDash val="solid"/>
+                      <a:round/>
+                      <a:headEnd type="none" w="med" len="med"/>
+                      <a:tailEnd type="none" w="med" len="med"/>
+                    </a:lnT>
+                    <a:lnB w="6350" cap="flat" cmpd="sng" algn="ctr">
+                      <a:solidFill>
+                        <a:srgbClr val="000000"/>
+                      </a:solidFill>
+                      <a:prstDash val="solid"/>
+                      <a:round/>
+                      <a:headEnd type="none" w="med" len="med"/>
+                      <a:tailEnd type="none" w="med" len="med"/>
+                    </a:lnB>
+                  </a:tcPr>
+                </a:tc>
+              </a:tr>
+              <a:tr h="460641">
+                <a:tc>
+                  <a:txBody>
+                    <a:bodyPr/>
+                    <a:lstStyle/>
+                    <a:p>
+                      <a:pPr algn="ctr" rtl="0" fontAlgn="b"/>
+                      <a:r>
+                        <a:rPr lang="es-AR" sz="1400" b="0" i="0" u="none" strike="noStrike" dirty="0">
+                          <a:solidFill>
+                            <a:srgbClr val="000000"/>
+                          </a:solidFill>
+                          <a:latin typeface="Arial"/>
+                        </a:rPr>
+                        <a:t>Gestión</a:t>
+                      </a:r>
+                    </a:p>
+                  </a:txBody>
+                  <a:tcPr marL="9525" marR="9525" marT="9525" marB="0" anchor="b">
+                    <a:lnL w="6350" cap="flat" cmpd="sng" algn="ctr">
+                      <a:solidFill>
+                        <a:srgbClr val="000000"/>
+                      </a:solidFill>
+                      <a:prstDash val="solid"/>
+                      <a:round/>
+                      <a:headEnd type="none" w="med" len="med"/>
+                      <a:tailEnd type="none" w="med" len="med"/>
+                    </a:lnL>
+                    <a:lnR w="6350" cap="flat" cmpd="sng" algn="ctr">
+                      <a:solidFill>
+                        <a:srgbClr val="000000"/>
+                      </a:solidFill>
+                      <a:prstDash val="solid"/>
+                      <a:round/>
+                      <a:headEnd type="none" w="med" len="med"/>
+                      <a:tailEnd type="none" w="med" len="med"/>
+                    </a:lnR>
+                    <a:lnT w="6350" cap="flat" cmpd="sng" algn="ctr">
+                      <a:solidFill>
+                        <a:srgbClr val="000000"/>
+                      </a:solidFill>
+                      <a:prstDash val="solid"/>
+                      <a:round/>
+                      <a:headEnd type="none" w="med" len="med"/>
+                      <a:tailEnd type="none" w="med" len="med"/>
+                    </a:lnT>
+                    <a:lnB w="6350" cap="flat" cmpd="sng" algn="ctr">
+                      <a:solidFill>
+                        <a:srgbClr val="000000"/>
+                      </a:solidFill>
+                      <a:prstDash val="solid"/>
+                      <a:round/>
+                      <a:headEnd type="none" w="med" len="med"/>
+                      <a:tailEnd type="none" w="med" len="med"/>
+                    </a:lnB>
+                    <a:solidFill>
+                      <a:srgbClr val="D9D9D9"/>
+                    </a:solidFill>
+                  </a:tcPr>
+                </a:tc>
+                <a:tc>
+                  <a:txBody>
+                    <a:bodyPr/>
+                    <a:lstStyle/>
+                    <a:p>
+                      <a:pPr algn="l" rtl="0" fontAlgn="b"/>
+                      <a:r>
+                        <a:rPr lang="es-AR" sz="1400" b="0" i="0" u="none" strike="noStrike" dirty="0" smtClean="0">
+                          <a:solidFill>
+                            <a:srgbClr val="000000"/>
+                          </a:solidFill>
+                          <a:latin typeface="Arial"/>
+                        </a:rPr>
+                        <a:t>PM</a:t>
+                      </a:r>
+                      <a:endParaRPr lang="es-AR" sz="1400" b="0" i="0" u="none" strike="noStrike" dirty="0">
+                        <a:solidFill>
+                          <a:srgbClr val="000000"/>
+                        </a:solidFill>
+                        <a:latin typeface="Arial"/>
+                      </a:endParaRPr>
+                    </a:p>
+                  </a:txBody>
+                  <a:tcPr marL="9525" marR="9525" marT="9525" marB="0" anchor="b">
+                    <a:lnL w="6350" cap="flat" cmpd="sng" algn="ctr">
+                      <a:solidFill>
+                        <a:srgbClr val="000000"/>
+                      </a:solidFill>
+                      <a:prstDash val="solid"/>
+                      <a:round/>
+                      <a:headEnd type="none" w="med" len="med"/>
+                      <a:tailEnd type="none" w="med" len="med"/>
+                    </a:lnL>
+                    <a:lnR w="6350" cap="flat" cmpd="sng" algn="ctr">
+                      <a:solidFill>
+                        <a:srgbClr val="000000"/>
+                      </a:solidFill>
+                      <a:prstDash val="solid"/>
+                      <a:round/>
+                      <a:headEnd type="none" w="med" len="med"/>
+                      <a:tailEnd type="none" w="med" len="med"/>
+                    </a:lnR>
+                    <a:lnT w="6350" cap="flat" cmpd="sng" algn="ctr">
+                      <a:solidFill>
+                        <a:srgbClr val="000000"/>
+                      </a:solidFill>
+                      <a:prstDash val="solid"/>
+                      <a:round/>
+                      <a:headEnd type="none" w="med" len="med"/>
+                      <a:tailEnd type="none" w="med" len="med"/>
+                    </a:lnT>
+                    <a:lnB w="6350" cap="flat" cmpd="sng" algn="ctr">
+                      <a:solidFill>
+                        <a:srgbClr val="000000"/>
+                      </a:solidFill>
+                      <a:prstDash val="solid"/>
+                      <a:round/>
+                      <a:headEnd type="none" w="med" len="med"/>
+                      <a:tailEnd type="none" w="med" len="med"/>
+                    </a:lnB>
+                  </a:tcPr>
+                </a:tc>
+                <a:tc>
+                  <a:txBody>
+                    <a:bodyPr/>
+                    <a:lstStyle/>
+                    <a:p>
+                      <a:pPr algn="ctr" fontAlgn="b"/>
+                      <a:r>
+                        <a:rPr lang="es-AR" sz="1400" b="0" i="0" u="none" strike="noStrike">
+                          <a:solidFill>
+                            <a:srgbClr val="000000"/>
+                          </a:solidFill>
+                          <a:latin typeface="Calibri"/>
+                        </a:rPr>
+                        <a:t>6,5</a:t>
+                      </a:r>
+                    </a:p>
+                  </a:txBody>
+                  <a:tcPr marL="9525" marR="9525" marT="9525" marB="0" anchor="b">
+                    <a:lnL w="6350" cap="flat" cmpd="sng" algn="ctr">
+                      <a:solidFill>
+                        <a:srgbClr val="000000"/>
+                      </a:solidFill>
+                      <a:prstDash val="solid"/>
+                      <a:round/>
+                      <a:headEnd type="none" w="med" len="med"/>
+                      <a:tailEnd type="none" w="med" len="med"/>
+                    </a:lnL>
+                    <a:lnR w="6350" cap="flat" cmpd="sng" algn="ctr">
+                      <a:solidFill>
+                        <a:srgbClr val="000000"/>
+                      </a:solidFill>
+                      <a:prstDash val="solid"/>
+                      <a:round/>
+                      <a:headEnd type="none" w="med" len="med"/>
+                      <a:tailEnd type="none" w="med" len="med"/>
+                    </a:lnR>
+                    <a:lnT w="6350" cap="flat" cmpd="sng" algn="ctr">
+                      <a:solidFill>
+                        <a:srgbClr val="000000"/>
+                      </a:solidFill>
+                      <a:prstDash val="solid"/>
+                      <a:round/>
+                      <a:headEnd type="none" w="med" len="med"/>
+                      <a:tailEnd type="none" w="med" len="med"/>
+                    </a:lnT>
+                    <a:lnB w="6350" cap="flat" cmpd="sng" algn="ctr">
+                      <a:solidFill>
+                        <a:srgbClr val="000000"/>
+                      </a:solidFill>
+                      <a:prstDash val="solid"/>
+                      <a:round/>
+                      <a:headEnd type="none" w="med" len="med"/>
+                      <a:tailEnd type="none" w="med" len="med"/>
+                    </a:lnB>
+                  </a:tcPr>
+                </a:tc>
+                <a:tc>
+                  <a:txBody>
+                    <a:bodyPr/>
+                    <a:lstStyle/>
+                    <a:p>
+                      <a:pPr algn="ctr" fontAlgn="b"/>
+                      <a:r>
+                        <a:rPr lang="es-AR" sz="1400" b="0" i="0" u="none" strike="noStrike">
+                          <a:solidFill>
+                            <a:srgbClr val="000000"/>
+                          </a:solidFill>
+                          <a:latin typeface="Calibri"/>
+                        </a:rPr>
+                        <a:t>2,25</a:t>
+                      </a:r>
+                    </a:p>
+                  </a:txBody>
+                  <a:tcPr marL="9525" marR="9525" marT="9525" marB="0" anchor="b">
+                    <a:lnL w="6350" cap="flat" cmpd="sng" algn="ctr">
+                      <a:solidFill>
+                        <a:srgbClr val="000000"/>
+                      </a:solidFill>
+                      <a:prstDash val="solid"/>
+                      <a:round/>
+                      <a:headEnd type="none" w="med" len="med"/>
+                      <a:tailEnd type="none" w="med" len="med"/>
+                    </a:lnL>
+                    <a:lnR w="6350" cap="flat" cmpd="sng" algn="ctr">
+                      <a:solidFill>
+                        <a:srgbClr val="000000"/>
+                      </a:solidFill>
+                      <a:prstDash val="solid"/>
+                      <a:round/>
+                      <a:headEnd type="none" w="med" len="med"/>
+                      <a:tailEnd type="none" w="med" len="med"/>
+                    </a:lnR>
+                    <a:lnT w="6350" cap="flat" cmpd="sng" algn="ctr">
+                      <a:solidFill>
+                        <a:srgbClr val="000000"/>
+                      </a:solidFill>
+                      <a:prstDash val="solid"/>
+                      <a:round/>
+                      <a:headEnd type="none" w="med" len="med"/>
+                      <a:tailEnd type="none" w="med" len="med"/>
+                    </a:lnT>
+                    <a:lnB w="6350" cap="flat" cmpd="sng" algn="ctr">
+                      <a:solidFill>
+                        <a:srgbClr val="000000"/>
+                      </a:solidFill>
+                      <a:prstDash val="solid"/>
+                      <a:round/>
+                      <a:headEnd type="none" w="med" len="med"/>
+                      <a:tailEnd type="none" w="med" len="med"/>
+                    </a:lnB>
+                  </a:tcPr>
+                </a:tc>
+                <a:tc>
+                  <a:txBody>
+                    <a:bodyPr/>
+                    <a:lstStyle/>
+                    <a:p>
+                      <a:pPr algn="ctr" fontAlgn="b"/>
+                      <a:r>
+                        <a:rPr lang="es-AR" sz="1400" b="0" i="0" u="none" strike="noStrike">
+                          <a:solidFill>
+                            <a:srgbClr val="000000"/>
+                          </a:solidFill>
+                          <a:latin typeface="Calibri"/>
+                        </a:rPr>
+                        <a:t>35%</a:t>
+                      </a:r>
+                    </a:p>
+                  </a:txBody>
+                  <a:tcPr marL="9525" marR="9525" marT="9525" marB="0" anchor="b">
+                    <a:lnL w="6350" cap="flat" cmpd="sng" algn="ctr">
+                      <a:solidFill>
+                        <a:srgbClr val="000000"/>
+                      </a:solidFill>
+                      <a:prstDash val="solid"/>
+                      <a:round/>
+                      <a:headEnd type="none" w="med" len="med"/>
+                      <a:tailEnd type="none" w="med" len="med"/>
+                    </a:lnL>
+                    <a:lnR w="6350" cap="flat" cmpd="sng" algn="ctr">
+                      <a:solidFill>
+                        <a:srgbClr val="000000"/>
+                      </a:solidFill>
+                      <a:prstDash val="solid"/>
+                      <a:round/>
+                      <a:headEnd type="none" w="med" len="med"/>
+                      <a:tailEnd type="none" w="med" len="med"/>
+                    </a:lnR>
+                    <a:lnT w="6350" cap="flat" cmpd="sng" algn="ctr">
+                      <a:solidFill>
+                        <a:srgbClr val="000000"/>
+                      </a:solidFill>
+                      <a:prstDash val="solid"/>
+                      <a:round/>
+                      <a:headEnd type="none" w="med" len="med"/>
+                      <a:tailEnd type="none" w="med" len="med"/>
+                    </a:lnT>
+                    <a:lnB w="6350" cap="flat" cmpd="sng" algn="ctr">
+                      <a:solidFill>
+                        <a:srgbClr val="000000"/>
+                      </a:solidFill>
+                      <a:prstDash val="solid"/>
+                      <a:round/>
+                      <a:headEnd type="none" w="med" len="med"/>
+                      <a:tailEnd type="none" w="med" len="med"/>
+                    </a:lnB>
+                  </a:tcPr>
+                </a:tc>
+              </a:tr>
+              <a:tr h="460641">
+                <a:tc>
+                  <a:txBody>
+                    <a:bodyPr/>
+                    <a:lstStyle/>
+                    <a:p>
+                      <a:pPr algn="ctr" rtl="0" fontAlgn="b"/>
+                      <a:r>
+                        <a:rPr lang="es-AR" sz="1400" b="0" i="0" u="none" strike="noStrike">
+                          <a:solidFill>
+                            <a:srgbClr val="000000"/>
+                          </a:solidFill>
+                          <a:latin typeface="Arial"/>
+                        </a:rPr>
+                        <a:t>Android</a:t>
+                      </a:r>
+                    </a:p>
+                  </a:txBody>
+                  <a:tcPr marL="9525" marR="9525" marT="9525" marB="0" anchor="b">
+                    <a:lnL w="6350" cap="flat" cmpd="sng" algn="ctr">
+                      <a:solidFill>
+                        <a:srgbClr val="000000"/>
+                      </a:solidFill>
+                      <a:prstDash val="solid"/>
+                      <a:round/>
+                      <a:headEnd type="none" w="med" len="med"/>
+                      <a:tailEnd type="none" w="med" len="med"/>
+                    </a:lnL>
+                    <a:lnR w="6350" cap="flat" cmpd="sng" algn="ctr">
+                      <a:solidFill>
+                        <a:srgbClr val="000000"/>
+                      </a:solidFill>
+                      <a:prstDash val="solid"/>
+                      <a:round/>
+                      <a:headEnd type="none" w="med" len="med"/>
+                      <a:tailEnd type="none" w="med" len="med"/>
+                    </a:lnR>
+                    <a:lnT w="6350" cap="flat" cmpd="sng" algn="ctr">
+                      <a:solidFill>
+                        <a:srgbClr val="000000"/>
+                      </a:solidFill>
+                      <a:prstDash val="solid"/>
+                      <a:round/>
+                      <a:headEnd type="none" w="med" len="med"/>
+                      <a:tailEnd type="none" w="med" len="med"/>
+                    </a:lnT>
+                    <a:lnB w="6350" cap="flat" cmpd="sng" algn="ctr">
+                      <a:solidFill>
+                        <a:srgbClr val="000000"/>
+                      </a:solidFill>
+                      <a:prstDash val="solid"/>
+                      <a:round/>
+                      <a:headEnd type="none" w="med" len="med"/>
+                      <a:tailEnd type="none" w="med" len="med"/>
+                    </a:lnB>
+                    <a:solidFill>
+                      <a:srgbClr val="FFF2CC"/>
+                    </a:solidFill>
+                  </a:tcPr>
+                </a:tc>
+                <a:tc>
+                  <a:txBody>
+                    <a:bodyPr/>
+                    <a:lstStyle/>
+                    <a:p>
+                      <a:pPr algn="l" rtl="0" fontAlgn="b"/>
+                      <a:r>
+                        <a:rPr lang="es-AR" sz="1400" b="0" i="0" u="none" strike="noStrike" dirty="0" smtClean="0">
+                          <a:solidFill>
+                            <a:srgbClr val="000000"/>
+                          </a:solidFill>
+                          <a:latin typeface="Arial"/>
+                        </a:rPr>
+                        <a:t>Promociones</a:t>
+                      </a:r>
+                      <a:endParaRPr lang="es-AR" sz="1400" b="0" i="0" u="none" strike="noStrike" dirty="0">
+                        <a:solidFill>
+                          <a:srgbClr val="000000"/>
+                        </a:solidFill>
+                        <a:latin typeface="Arial"/>
+                      </a:endParaRPr>
+                    </a:p>
+                  </a:txBody>
+                  <a:tcPr marL="9525" marR="9525" marT="9525" marB="0" anchor="b">
+                    <a:lnL w="6350" cap="flat" cmpd="sng" algn="ctr">
+                      <a:solidFill>
+                        <a:srgbClr val="000000"/>
+                      </a:solidFill>
+                      <a:prstDash val="solid"/>
+                      <a:round/>
+                      <a:headEnd type="none" w="med" len="med"/>
+                      <a:tailEnd type="none" w="med" len="med"/>
+                    </a:lnL>
+                    <a:lnR w="6350" cap="flat" cmpd="sng" algn="ctr">
+                      <a:solidFill>
+                        <a:srgbClr val="000000"/>
+                      </a:solidFill>
+                      <a:prstDash val="solid"/>
+                      <a:round/>
+                      <a:headEnd type="none" w="med" len="med"/>
+                      <a:tailEnd type="none" w="med" len="med"/>
+                    </a:lnR>
+                    <a:lnT w="6350" cap="flat" cmpd="sng" algn="ctr">
+                      <a:solidFill>
+                        <a:srgbClr val="000000"/>
+                      </a:solidFill>
+                      <a:prstDash val="solid"/>
+                      <a:round/>
+                      <a:headEnd type="none" w="med" len="med"/>
+                      <a:tailEnd type="none" w="med" len="med"/>
+                    </a:lnT>
+                    <a:lnB w="6350" cap="flat" cmpd="sng" algn="ctr">
+                      <a:solidFill>
+                        <a:srgbClr val="000000"/>
+                      </a:solidFill>
+                      <a:prstDash val="solid"/>
+                      <a:round/>
+                      <a:headEnd type="none" w="med" len="med"/>
+                      <a:tailEnd type="none" w="med" len="med"/>
+                    </a:lnB>
+                  </a:tcPr>
+                </a:tc>
+                <a:tc>
+                  <a:txBody>
+                    <a:bodyPr/>
+                    <a:lstStyle/>
+                    <a:p>
+                      <a:pPr algn="ctr" fontAlgn="b"/>
+                      <a:r>
+                        <a:rPr lang="es-AR" sz="1400" b="0" i="0" u="none" strike="noStrike">
+                          <a:solidFill>
+                            <a:srgbClr val="000000"/>
+                          </a:solidFill>
+                          <a:latin typeface="Calibri"/>
+                        </a:rPr>
+                        <a:t>5,5</a:t>
+                      </a:r>
+                    </a:p>
+                  </a:txBody>
+                  <a:tcPr marL="9525" marR="9525" marT="9525" marB="0" anchor="b">
+                    <a:lnL w="6350" cap="flat" cmpd="sng" algn="ctr">
+                      <a:solidFill>
+                        <a:srgbClr val="000000"/>
+                      </a:solidFill>
+                      <a:prstDash val="solid"/>
+                      <a:round/>
+                      <a:headEnd type="none" w="med" len="med"/>
+                      <a:tailEnd type="none" w="med" len="med"/>
+                    </a:lnL>
+                    <a:lnR w="6350" cap="flat" cmpd="sng" algn="ctr">
+                      <a:solidFill>
+                        <a:srgbClr val="000000"/>
+                      </a:solidFill>
+                      <a:prstDash val="solid"/>
+                      <a:round/>
+                      <a:headEnd type="none" w="med" len="med"/>
+                      <a:tailEnd type="none" w="med" len="med"/>
+                    </a:lnR>
+                    <a:lnT w="6350" cap="flat" cmpd="sng" algn="ctr">
+                      <a:solidFill>
+                        <a:srgbClr val="000000"/>
+                      </a:solidFill>
+                      <a:prstDash val="solid"/>
+                      <a:round/>
+                      <a:headEnd type="none" w="med" len="med"/>
+                      <a:tailEnd type="none" w="med" len="med"/>
+                    </a:lnT>
+                    <a:lnB w="6350" cap="flat" cmpd="sng" algn="ctr">
+                      <a:solidFill>
+                        <a:srgbClr val="000000"/>
+                      </a:solidFill>
+                      <a:prstDash val="solid"/>
+                      <a:round/>
+                      <a:headEnd type="none" w="med" len="med"/>
+                      <a:tailEnd type="none" w="med" len="med"/>
+                    </a:lnB>
+                  </a:tcPr>
+                </a:tc>
+                <a:tc>
+                  <a:txBody>
+                    <a:bodyPr/>
+                    <a:lstStyle/>
+                    <a:p>
+                      <a:pPr algn="ctr" fontAlgn="b"/>
+                      <a:r>
+                        <a:rPr lang="es-AR" sz="1400" b="0" i="0" u="none" strike="noStrike">
+                          <a:solidFill>
+                            <a:srgbClr val="000000"/>
+                          </a:solidFill>
+                          <a:latin typeface="Calibri"/>
+                        </a:rPr>
+                        <a:t>2</a:t>
+                      </a:r>
+                    </a:p>
+                  </a:txBody>
+                  <a:tcPr marL="9525" marR="9525" marT="9525" marB="0" anchor="b">
+                    <a:lnL w="6350" cap="flat" cmpd="sng" algn="ctr">
+                      <a:solidFill>
+                        <a:srgbClr val="000000"/>
+                      </a:solidFill>
+                      <a:prstDash val="solid"/>
+                      <a:round/>
+                      <a:headEnd type="none" w="med" len="med"/>
+                      <a:tailEnd type="none" w="med" len="med"/>
+                    </a:lnL>
+                    <a:lnR w="6350" cap="flat" cmpd="sng" algn="ctr">
+                      <a:solidFill>
+                        <a:srgbClr val="000000"/>
+                      </a:solidFill>
+                      <a:prstDash val="solid"/>
+                      <a:round/>
+                      <a:headEnd type="none" w="med" len="med"/>
+                      <a:tailEnd type="none" w="med" len="med"/>
+                    </a:lnR>
+                    <a:lnT w="6350" cap="flat" cmpd="sng" algn="ctr">
+                      <a:solidFill>
+                        <a:srgbClr val="000000"/>
+                      </a:solidFill>
+                      <a:prstDash val="solid"/>
+                      <a:round/>
+                      <a:headEnd type="none" w="med" len="med"/>
+                      <a:tailEnd type="none" w="med" len="med"/>
+                    </a:lnT>
+                    <a:lnB w="6350" cap="flat" cmpd="sng" algn="ctr">
+                      <a:solidFill>
+                        <a:srgbClr val="000000"/>
+                      </a:solidFill>
+                      <a:prstDash val="solid"/>
+                      <a:round/>
+                      <a:headEnd type="none" w="med" len="med"/>
+                      <a:tailEnd type="none" w="med" len="med"/>
+                    </a:lnB>
+                  </a:tcPr>
+                </a:tc>
+                <a:tc>
+                  <a:txBody>
+                    <a:bodyPr/>
+                    <a:lstStyle/>
+                    <a:p>
+                      <a:pPr algn="ctr" fontAlgn="b"/>
+                      <a:r>
+                        <a:rPr lang="es-AR" sz="1400" b="0" i="0" u="none" strike="noStrike">
+                          <a:solidFill>
+                            <a:srgbClr val="000000"/>
+                          </a:solidFill>
+                          <a:latin typeface="Calibri"/>
+                        </a:rPr>
+                        <a:t>36%</a:t>
+                      </a:r>
+                    </a:p>
+                  </a:txBody>
+                  <a:tcPr marL="9525" marR="9525" marT="9525" marB="0" anchor="b">
+                    <a:lnL w="6350" cap="flat" cmpd="sng" algn="ctr">
+                      <a:solidFill>
+                        <a:srgbClr val="000000"/>
+                      </a:solidFill>
+                      <a:prstDash val="solid"/>
+                      <a:round/>
+                      <a:headEnd type="none" w="med" len="med"/>
+                      <a:tailEnd type="none" w="med" len="med"/>
+                    </a:lnL>
+                    <a:lnR w="6350" cap="flat" cmpd="sng" algn="ctr">
+                      <a:solidFill>
+                        <a:srgbClr val="000000"/>
+                      </a:solidFill>
+                      <a:prstDash val="solid"/>
+                      <a:round/>
+                      <a:headEnd type="none" w="med" len="med"/>
+                      <a:tailEnd type="none" w="med" len="med"/>
+                    </a:lnR>
+                    <a:lnT w="6350" cap="flat" cmpd="sng" algn="ctr">
+                      <a:solidFill>
+                        <a:srgbClr val="000000"/>
+                      </a:solidFill>
+                      <a:prstDash val="solid"/>
+                      <a:round/>
+                      <a:headEnd type="none" w="med" len="med"/>
+                      <a:tailEnd type="none" w="med" len="med"/>
+                    </a:lnT>
+                    <a:lnB w="6350" cap="flat" cmpd="sng" algn="ctr">
+                      <a:solidFill>
+                        <a:srgbClr val="000000"/>
+                      </a:solidFill>
+                      <a:prstDash val="solid"/>
+                      <a:round/>
+                      <a:headEnd type="none" w="med" len="med"/>
+                      <a:tailEnd type="none" w="med" len="med"/>
+                    </a:lnB>
+                  </a:tcPr>
+                </a:tc>
+              </a:tr>
+              <a:tr h="460641">
+                <a:tc>
+                  <a:txBody>
+                    <a:bodyPr/>
+                    <a:lstStyle/>
+                    <a:p>
+                      <a:pPr algn="ctr" rtl="0" fontAlgn="b"/>
+                      <a:r>
+                        <a:rPr lang="es-AR" sz="1400" b="0" i="0" u="none" strike="noStrike">
+                          <a:solidFill>
+                            <a:srgbClr val="000000"/>
+                          </a:solidFill>
+                          <a:latin typeface="Arial"/>
+                        </a:rPr>
+                        <a:t>Backend</a:t>
+                      </a:r>
+                    </a:p>
+                  </a:txBody>
+                  <a:tcPr marL="9525" marR="9525" marT="9525" marB="0" anchor="b">
+                    <a:lnL w="6350" cap="flat" cmpd="sng" algn="ctr">
+                      <a:solidFill>
+                        <a:srgbClr val="000000"/>
+                      </a:solidFill>
+                      <a:prstDash val="solid"/>
+                      <a:round/>
+                      <a:headEnd type="none" w="med" len="med"/>
+                      <a:tailEnd type="none" w="med" len="med"/>
+                    </a:lnL>
+                    <a:lnR w="6350" cap="flat" cmpd="sng" algn="ctr">
+                      <a:solidFill>
+                        <a:srgbClr val="000000"/>
+                      </a:solidFill>
+                      <a:prstDash val="solid"/>
+                      <a:round/>
+                      <a:headEnd type="none" w="med" len="med"/>
+                      <a:tailEnd type="none" w="med" len="med"/>
+                    </a:lnR>
+                    <a:lnT w="6350" cap="flat" cmpd="sng" algn="ctr">
+                      <a:solidFill>
+                        <a:srgbClr val="000000"/>
+                      </a:solidFill>
+                      <a:prstDash val="solid"/>
+                      <a:round/>
+                      <a:headEnd type="none" w="med" len="med"/>
+                      <a:tailEnd type="none" w="med" len="med"/>
+                    </a:lnT>
+                    <a:lnB w="6350" cap="flat" cmpd="sng" algn="ctr">
+                      <a:solidFill>
+                        <a:srgbClr val="000000"/>
+                      </a:solidFill>
+                      <a:prstDash val="solid"/>
+                      <a:round/>
+                      <a:headEnd type="none" w="med" len="med"/>
+                      <a:tailEnd type="none" w="med" len="med"/>
+                    </a:lnB>
+                    <a:solidFill>
+                      <a:srgbClr val="CFE2F3"/>
+                    </a:solidFill>
+                  </a:tcPr>
+                </a:tc>
+                <a:tc>
+                  <a:txBody>
+                    <a:bodyPr/>
+                    <a:lstStyle/>
+                    <a:p>
+                      <a:pPr algn="l" rtl="0" fontAlgn="b"/>
+                      <a:r>
+                        <a:rPr lang="es-AR" sz="1400" b="0" i="0" u="none" strike="noStrike" dirty="0" smtClean="0">
+                          <a:solidFill>
+                            <a:srgbClr val="000000"/>
+                          </a:solidFill>
+                          <a:latin typeface="Arial"/>
+                        </a:rPr>
+                        <a:t>Promociones</a:t>
+                      </a:r>
+                      <a:endParaRPr lang="es-AR" sz="1400" b="0" i="0" u="none" strike="noStrike" dirty="0">
+                        <a:solidFill>
+                          <a:srgbClr val="000000"/>
+                        </a:solidFill>
+                        <a:latin typeface="Arial"/>
+                      </a:endParaRPr>
+                    </a:p>
+                  </a:txBody>
+                  <a:tcPr marL="9525" marR="9525" marT="9525" marB="0" anchor="b">
+                    <a:lnL w="6350" cap="flat" cmpd="sng" algn="ctr">
+                      <a:solidFill>
+                        <a:srgbClr val="000000"/>
+                      </a:solidFill>
+                      <a:prstDash val="solid"/>
+                      <a:round/>
+                      <a:headEnd type="none" w="med" len="med"/>
+                      <a:tailEnd type="none" w="med" len="med"/>
+                    </a:lnL>
+                    <a:lnR w="6350" cap="flat" cmpd="sng" algn="ctr">
+                      <a:solidFill>
+                        <a:srgbClr val="000000"/>
+                      </a:solidFill>
+                      <a:prstDash val="solid"/>
+                      <a:round/>
+                      <a:headEnd type="none" w="med" len="med"/>
+                      <a:tailEnd type="none" w="med" len="med"/>
+                    </a:lnR>
+                    <a:lnT w="6350" cap="flat" cmpd="sng" algn="ctr">
+                      <a:solidFill>
+                        <a:srgbClr val="000000"/>
+                      </a:solidFill>
+                      <a:prstDash val="solid"/>
+                      <a:round/>
+                      <a:headEnd type="none" w="med" len="med"/>
+                      <a:tailEnd type="none" w="med" len="med"/>
+                    </a:lnT>
+                    <a:lnB w="6350" cap="flat" cmpd="sng" algn="ctr">
+                      <a:solidFill>
+                        <a:srgbClr val="000000"/>
+                      </a:solidFill>
+                      <a:prstDash val="solid"/>
+                      <a:round/>
+                      <a:headEnd type="none" w="med" len="med"/>
+                      <a:tailEnd type="none" w="med" len="med"/>
+                    </a:lnB>
+                  </a:tcPr>
+                </a:tc>
+                <a:tc>
+                  <a:txBody>
+                    <a:bodyPr/>
+                    <a:lstStyle/>
+                    <a:p>
+                      <a:pPr algn="ctr" fontAlgn="b"/>
+                      <a:r>
+                        <a:rPr lang="es-AR" sz="1400" b="0" i="0" u="none" strike="noStrike">
+                          <a:solidFill>
+                            <a:srgbClr val="000000"/>
+                          </a:solidFill>
+                          <a:latin typeface="Calibri"/>
+                        </a:rPr>
+                        <a:t>4</a:t>
+                      </a:r>
+                    </a:p>
+                  </a:txBody>
+                  <a:tcPr marL="9525" marR="9525" marT="9525" marB="0" anchor="b">
+                    <a:lnL w="6350" cap="flat" cmpd="sng" algn="ctr">
+                      <a:solidFill>
+                        <a:srgbClr val="000000"/>
+                      </a:solidFill>
+                      <a:prstDash val="solid"/>
+                      <a:round/>
+                      <a:headEnd type="none" w="med" len="med"/>
+                      <a:tailEnd type="none" w="med" len="med"/>
+                    </a:lnL>
+                    <a:lnR w="6350" cap="flat" cmpd="sng" algn="ctr">
+                      <a:solidFill>
+                        <a:srgbClr val="000000"/>
+                      </a:solidFill>
+                      <a:prstDash val="solid"/>
+                      <a:round/>
+                      <a:headEnd type="none" w="med" len="med"/>
+                      <a:tailEnd type="none" w="med" len="med"/>
+                    </a:lnR>
+                    <a:lnT w="6350" cap="flat" cmpd="sng" algn="ctr">
+                      <a:solidFill>
+                        <a:srgbClr val="000000"/>
+                      </a:solidFill>
+                      <a:prstDash val="solid"/>
+                      <a:round/>
+                      <a:headEnd type="none" w="med" len="med"/>
+                      <a:tailEnd type="none" w="med" len="med"/>
+                    </a:lnT>
+                    <a:lnB w="6350" cap="flat" cmpd="sng" algn="ctr">
+                      <a:solidFill>
+                        <a:srgbClr val="000000"/>
+                      </a:solidFill>
+                      <a:prstDash val="solid"/>
+                      <a:round/>
+                      <a:headEnd type="none" w="med" len="med"/>
+                      <a:tailEnd type="none" w="med" len="med"/>
+                    </a:lnB>
+                  </a:tcPr>
+                </a:tc>
+                <a:tc>
+                  <a:txBody>
+                    <a:bodyPr/>
+                    <a:lstStyle/>
+                    <a:p>
+                      <a:pPr algn="ctr" fontAlgn="b"/>
+                      <a:r>
+                        <a:rPr lang="es-AR" sz="1400" b="0" i="0" u="none" strike="noStrike">
+                          <a:solidFill>
+                            <a:srgbClr val="000000"/>
+                          </a:solidFill>
+                          <a:latin typeface="Calibri"/>
+                        </a:rPr>
+                        <a:t>3</a:t>
+                      </a:r>
+                    </a:p>
+                  </a:txBody>
+                  <a:tcPr marL="9525" marR="9525" marT="9525" marB="0" anchor="b">
+                    <a:lnL w="6350" cap="flat" cmpd="sng" algn="ctr">
+                      <a:solidFill>
+                        <a:srgbClr val="000000"/>
+                      </a:solidFill>
+                      <a:prstDash val="solid"/>
+                      <a:round/>
+                      <a:headEnd type="none" w="med" len="med"/>
+                      <a:tailEnd type="none" w="med" len="med"/>
+                    </a:lnL>
+                    <a:lnR w="6350" cap="flat" cmpd="sng" algn="ctr">
+                      <a:solidFill>
+                        <a:srgbClr val="000000"/>
+                      </a:solidFill>
+                      <a:prstDash val="solid"/>
+                      <a:round/>
+                      <a:headEnd type="none" w="med" len="med"/>
+                      <a:tailEnd type="none" w="med" len="med"/>
+                    </a:lnR>
+                    <a:lnT w="6350" cap="flat" cmpd="sng" algn="ctr">
+                      <a:solidFill>
+                        <a:srgbClr val="000000"/>
+                      </a:solidFill>
+                      <a:prstDash val="solid"/>
+                      <a:round/>
+                      <a:headEnd type="none" w="med" len="med"/>
+                      <a:tailEnd type="none" w="med" len="med"/>
+                    </a:lnT>
+                    <a:lnB w="6350" cap="flat" cmpd="sng" algn="ctr">
+                      <a:solidFill>
+                        <a:srgbClr val="000000"/>
+                      </a:solidFill>
+                      <a:prstDash val="solid"/>
+                      <a:round/>
+                      <a:headEnd type="none" w="med" len="med"/>
+                      <a:tailEnd type="none" w="med" len="med"/>
+                    </a:lnB>
+                  </a:tcPr>
+                </a:tc>
+                <a:tc>
+                  <a:txBody>
+                    <a:bodyPr/>
+                    <a:lstStyle/>
+                    <a:p>
+                      <a:pPr algn="ctr" fontAlgn="b"/>
+                      <a:r>
+                        <a:rPr lang="es-AR" sz="1400" b="0" i="0" u="none" strike="noStrike">
+                          <a:solidFill>
+                            <a:srgbClr val="000000"/>
+                          </a:solidFill>
+                          <a:latin typeface="Calibri"/>
+                        </a:rPr>
+                        <a:t>75%</a:t>
+                      </a:r>
+                    </a:p>
+                  </a:txBody>
+                  <a:tcPr marL="9525" marR="9525" marT="9525" marB="0" anchor="b">
+                    <a:lnL w="6350" cap="flat" cmpd="sng" algn="ctr">
+                      <a:solidFill>
+                        <a:srgbClr val="000000"/>
+                      </a:solidFill>
+                      <a:prstDash val="solid"/>
+                      <a:round/>
+                      <a:headEnd type="none" w="med" len="med"/>
+                      <a:tailEnd type="none" w="med" len="med"/>
+                    </a:lnL>
+                    <a:lnR w="6350" cap="flat" cmpd="sng" algn="ctr">
+                      <a:solidFill>
+                        <a:srgbClr val="000000"/>
+                      </a:solidFill>
+                      <a:prstDash val="solid"/>
+                      <a:round/>
+                      <a:headEnd type="none" w="med" len="med"/>
+                      <a:tailEnd type="none" w="med" len="med"/>
+                    </a:lnR>
+                    <a:lnT w="6350" cap="flat" cmpd="sng" algn="ctr">
+                      <a:solidFill>
+                        <a:srgbClr val="000000"/>
+                      </a:solidFill>
+                      <a:prstDash val="solid"/>
+                      <a:round/>
+                      <a:headEnd type="none" w="med" len="med"/>
+                      <a:tailEnd type="none" w="med" len="med"/>
+                    </a:lnT>
+                    <a:lnB w="6350" cap="flat" cmpd="sng" algn="ctr">
+                      <a:solidFill>
+                        <a:srgbClr val="000000"/>
+                      </a:solidFill>
+                      <a:prstDash val="solid"/>
+                      <a:round/>
+                      <a:headEnd type="none" w="med" len="med"/>
+                      <a:tailEnd type="none" w="med" len="med"/>
+                    </a:lnB>
+                  </a:tcPr>
+                </a:tc>
+              </a:tr>
+              <a:tr h="460641">
+                <a:tc>
+                  <a:txBody>
+                    <a:bodyPr/>
+                    <a:lstStyle/>
+                    <a:p>
+                      <a:pPr algn="ctr" rtl="0" fontAlgn="b"/>
+                      <a:r>
+                        <a:rPr lang="es-AR" sz="1400" b="0" i="0" u="none" strike="noStrike">
+                          <a:solidFill>
+                            <a:srgbClr val="000000"/>
+                          </a:solidFill>
+                          <a:latin typeface="Arial"/>
+                        </a:rPr>
+                        <a:t>Android</a:t>
+                      </a:r>
+                    </a:p>
+                  </a:txBody>
+                  <a:tcPr marL="9525" marR="9525" marT="9525" marB="0" anchor="b">
+                    <a:lnL w="6350" cap="flat" cmpd="sng" algn="ctr">
+                      <a:solidFill>
+                        <a:srgbClr val="000000"/>
+                      </a:solidFill>
+                      <a:prstDash val="solid"/>
+                      <a:round/>
+                      <a:headEnd type="none" w="med" len="med"/>
+                      <a:tailEnd type="none" w="med" len="med"/>
+                    </a:lnL>
+                    <a:lnR w="6350" cap="flat" cmpd="sng" algn="ctr">
+                      <a:solidFill>
+                        <a:srgbClr val="000000"/>
+                      </a:solidFill>
+                      <a:prstDash val="solid"/>
+                      <a:round/>
+                      <a:headEnd type="none" w="med" len="med"/>
+                      <a:tailEnd type="none" w="med" len="med"/>
+                    </a:lnR>
+                    <a:lnT w="6350" cap="flat" cmpd="sng" algn="ctr">
+                      <a:solidFill>
+                        <a:srgbClr val="000000"/>
+                      </a:solidFill>
+                      <a:prstDash val="solid"/>
+                      <a:round/>
+                      <a:headEnd type="none" w="med" len="med"/>
+                      <a:tailEnd type="none" w="med" len="med"/>
+                    </a:lnT>
+                    <a:lnB w="6350" cap="flat" cmpd="sng" algn="ctr">
+                      <a:solidFill>
+                        <a:srgbClr val="000000"/>
+                      </a:solidFill>
+                      <a:prstDash val="solid"/>
+                      <a:round/>
+                      <a:headEnd type="none" w="med" len="med"/>
+                      <a:tailEnd type="none" w="med" len="med"/>
+                    </a:lnB>
+                    <a:solidFill>
+                      <a:srgbClr val="FFF2CC"/>
+                    </a:solidFill>
+                  </a:tcPr>
+                </a:tc>
+                <a:tc>
+                  <a:txBody>
+                    <a:bodyPr/>
+                    <a:lstStyle/>
+                    <a:p>
+                      <a:pPr algn="l" rtl="0" fontAlgn="b"/>
+                      <a:r>
+                        <a:rPr lang="es-AR" sz="1400" b="0" i="0" u="none" strike="noStrike" dirty="0" smtClean="0">
+                          <a:solidFill>
+                            <a:srgbClr val="000000"/>
+                          </a:solidFill>
+                          <a:latin typeface="Arial"/>
+                        </a:rPr>
+                        <a:t>Reserva</a:t>
+                      </a:r>
+                      <a:endParaRPr lang="es-AR" sz="1400" b="0" i="0" u="none" strike="noStrike" dirty="0">
+                        <a:solidFill>
+                          <a:srgbClr val="000000"/>
+                        </a:solidFill>
+                        <a:latin typeface="Arial"/>
+                      </a:endParaRPr>
+                    </a:p>
+                  </a:txBody>
+                  <a:tcPr marL="9525" marR="9525" marT="9525" marB="0" anchor="b">
+                    <a:lnL w="6350" cap="flat" cmpd="sng" algn="ctr">
+                      <a:solidFill>
+                        <a:srgbClr val="000000"/>
+                      </a:solidFill>
+                      <a:prstDash val="solid"/>
+                      <a:round/>
+                      <a:headEnd type="none" w="med" len="med"/>
+                      <a:tailEnd type="none" w="med" len="med"/>
+                    </a:lnL>
+                    <a:lnR w="6350" cap="flat" cmpd="sng" algn="ctr">
+                      <a:solidFill>
+                        <a:srgbClr val="000000"/>
+                      </a:solidFill>
+                      <a:prstDash val="solid"/>
+                      <a:round/>
+                      <a:headEnd type="none" w="med" len="med"/>
+                      <a:tailEnd type="none" w="med" len="med"/>
+                    </a:lnR>
+                    <a:lnT w="6350" cap="flat" cmpd="sng" algn="ctr">
+                      <a:solidFill>
+                        <a:srgbClr val="000000"/>
+                      </a:solidFill>
+                      <a:prstDash val="solid"/>
+                      <a:round/>
+                      <a:headEnd type="none" w="med" len="med"/>
+                      <a:tailEnd type="none" w="med" len="med"/>
+                    </a:lnT>
+                    <a:lnB w="6350" cap="flat" cmpd="sng" algn="ctr">
+                      <a:solidFill>
+                        <a:srgbClr val="000000"/>
+                      </a:solidFill>
+                      <a:prstDash val="solid"/>
+                      <a:round/>
+                      <a:headEnd type="none" w="med" len="med"/>
+                      <a:tailEnd type="none" w="med" len="med"/>
+                    </a:lnB>
+                  </a:tcPr>
+                </a:tc>
+                <a:tc>
+                  <a:txBody>
+                    <a:bodyPr/>
+                    <a:lstStyle/>
+                    <a:p>
+                      <a:pPr algn="ctr" fontAlgn="b"/>
+                      <a:r>
+                        <a:rPr lang="es-AR" sz="1400" b="0" i="0" u="none" strike="noStrike" dirty="0">
+                          <a:solidFill>
+                            <a:srgbClr val="000000"/>
+                          </a:solidFill>
+                          <a:latin typeface="Calibri"/>
+                        </a:rPr>
+                        <a:t>4</a:t>
+                      </a:r>
+                    </a:p>
+                  </a:txBody>
+                  <a:tcPr marL="9525" marR="9525" marT="9525" marB="0" anchor="b">
+                    <a:lnL w="6350" cap="flat" cmpd="sng" algn="ctr">
+                      <a:solidFill>
+                        <a:srgbClr val="000000"/>
+                      </a:solidFill>
+                      <a:prstDash val="solid"/>
+                      <a:round/>
+                      <a:headEnd type="none" w="med" len="med"/>
+                      <a:tailEnd type="none" w="med" len="med"/>
+                    </a:lnL>
+                    <a:lnR w="6350" cap="flat" cmpd="sng" algn="ctr">
+                      <a:solidFill>
+                        <a:srgbClr val="000000"/>
+                      </a:solidFill>
+                      <a:prstDash val="solid"/>
+                      <a:round/>
+                      <a:headEnd type="none" w="med" len="med"/>
+                      <a:tailEnd type="none" w="med" len="med"/>
+                    </a:lnR>
+                    <a:lnT w="6350" cap="flat" cmpd="sng" algn="ctr">
+                      <a:solidFill>
+                        <a:srgbClr val="000000"/>
+                      </a:solidFill>
+                      <a:prstDash val="solid"/>
+                      <a:round/>
+                      <a:headEnd type="none" w="med" len="med"/>
+                      <a:tailEnd type="none" w="med" len="med"/>
+                    </a:lnT>
+                    <a:lnB w="6350" cap="flat" cmpd="sng" algn="ctr">
+                      <a:solidFill>
+                        <a:srgbClr val="000000"/>
+                      </a:solidFill>
+                      <a:prstDash val="solid"/>
+                      <a:round/>
+                      <a:headEnd type="none" w="med" len="med"/>
+                      <a:tailEnd type="none" w="med" len="med"/>
+                    </a:lnB>
+                  </a:tcPr>
+                </a:tc>
+                <a:tc>
+                  <a:txBody>
+                    <a:bodyPr/>
+                    <a:lstStyle/>
+                    <a:p>
+                      <a:pPr algn="ctr" fontAlgn="b"/>
+                      <a:r>
+                        <a:rPr lang="es-AR" sz="1400" b="0" i="0" u="none" strike="noStrike">
+                          <a:solidFill>
+                            <a:srgbClr val="000000"/>
+                          </a:solidFill>
+                          <a:latin typeface="Calibri"/>
+                        </a:rPr>
+                        <a:t>0,75</a:t>
+                      </a:r>
+                    </a:p>
+                  </a:txBody>
+                  <a:tcPr marL="9525" marR="9525" marT="9525" marB="0" anchor="b">
+                    <a:lnL w="6350" cap="flat" cmpd="sng" algn="ctr">
+                      <a:solidFill>
+                        <a:srgbClr val="000000"/>
+                      </a:solidFill>
+                      <a:prstDash val="solid"/>
+                      <a:round/>
+                      <a:headEnd type="none" w="med" len="med"/>
+                      <a:tailEnd type="none" w="med" len="med"/>
+                    </a:lnL>
+                    <a:lnR w="6350" cap="flat" cmpd="sng" algn="ctr">
+                      <a:solidFill>
+                        <a:srgbClr val="000000"/>
+                      </a:solidFill>
+                      <a:prstDash val="solid"/>
+                      <a:round/>
+                      <a:headEnd type="none" w="med" len="med"/>
+                      <a:tailEnd type="none" w="med" len="med"/>
+                    </a:lnR>
+                    <a:lnT w="6350" cap="flat" cmpd="sng" algn="ctr">
+                      <a:solidFill>
+                        <a:srgbClr val="000000"/>
+                      </a:solidFill>
+                      <a:prstDash val="solid"/>
+                      <a:round/>
+                      <a:headEnd type="none" w="med" len="med"/>
+                      <a:tailEnd type="none" w="med" len="med"/>
+                    </a:lnT>
+                    <a:lnB w="6350" cap="flat" cmpd="sng" algn="ctr">
+                      <a:solidFill>
+                        <a:srgbClr val="000000"/>
+                      </a:solidFill>
+                      <a:prstDash val="solid"/>
+                      <a:round/>
+                      <a:headEnd type="none" w="med" len="med"/>
+                      <a:tailEnd type="none" w="med" len="med"/>
+                    </a:lnB>
+                  </a:tcPr>
+                </a:tc>
+                <a:tc>
+                  <a:txBody>
+                    <a:bodyPr/>
+                    <a:lstStyle/>
+                    <a:p>
+                      <a:pPr algn="ctr" fontAlgn="b"/>
+                      <a:r>
+                        <a:rPr lang="es-AR" sz="1400" b="0" i="0" u="none" strike="noStrike">
+                          <a:solidFill>
+                            <a:srgbClr val="000000"/>
+                          </a:solidFill>
+                          <a:latin typeface="Calibri"/>
+                        </a:rPr>
+                        <a:t>19%</a:t>
+                      </a:r>
+                    </a:p>
+                  </a:txBody>
+                  <a:tcPr marL="9525" marR="9525" marT="9525" marB="0" anchor="b">
+                    <a:lnL w="6350" cap="flat" cmpd="sng" algn="ctr">
+                      <a:solidFill>
+                        <a:srgbClr val="000000"/>
+                      </a:solidFill>
+                      <a:prstDash val="solid"/>
+                      <a:round/>
+                      <a:headEnd type="none" w="med" len="med"/>
+                      <a:tailEnd type="none" w="med" len="med"/>
+                    </a:lnL>
+                    <a:lnR w="6350" cap="flat" cmpd="sng" algn="ctr">
+                      <a:solidFill>
+                        <a:srgbClr val="000000"/>
+                      </a:solidFill>
+                      <a:prstDash val="solid"/>
+                      <a:round/>
+                      <a:headEnd type="none" w="med" len="med"/>
+                      <a:tailEnd type="none" w="med" len="med"/>
+                    </a:lnR>
+                    <a:lnT w="6350" cap="flat" cmpd="sng" algn="ctr">
+                      <a:solidFill>
+                        <a:srgbClr val="000000"/>
+                      </a:solidFill>
+                      <a:prstDash val="solid"/>
+                      <a:round/>
+                      <a:headEnd type="none" w="med" len="med"/>
+                      <a:tailEnd type="none" w="med" len="med"/>
+                    </a:lnT>
+                    <a:lnB w="6350" cap="flat" cmpd="sng" algn="ctr">
+                      <a:solidFill>
+                        <a:srgbClr val="000000"/>
+                      </a:solidFill>
+                      <a:prstDash val="solid"/>
+                      <a:round/>
+                      <a:headEnd type="none" w="med" len="med"/>
+                      <a:tailEnd type="none" w="med" len="med"/>
+                    </a:lnB>
+                  </a:tcPr>
+                </a:tc>
+              </a:tr>
+              <a:tr h="460641">
+                <a:tc>
+                  <a:txBody>
+                    <a:bodyPr/>
+                    <a:lstStyle/>
+                    <a:p>
+                      <a:pPr algn="ctr" rtl="0" fontAlgn="b"/>
+                      <a:r>
+                        <a:rPr lang="es-AR" sz="1400" b="0" i="0" u="none" strike="noStrike">
+                          <a:solidFill>
+                            <a:srgbClr val="000000"/>
+                          </a:solidFill>
+                          <a:latin typeface="Arial"/>
+                        </a:rPr>
+                        <a:t>Backend</a:t>
+                      </a:r>
+                    </a:p>
+                  </a:txBody>
+                  <a:tcPr marL="9525" marR="9525" marT="9525" marB="0" anchor="b">
+                    <a:lnL w="6350" cap="flat" cmpd="sng" algn="ctr">
+                      <a:solidFill>
+                        <a:srgbClr val="000000"/>
+                      </a:solidFill>
+                      <a:prstDash val="solid"/>
+                      <a:round/>
+                      <a:headEnd type="none" w="med" len="med"/>
+                      <a:tailEnd type="none" w="med" len="med"/>
+                    </a:lnL>
+                    <a:lnR w="6350" cap="flat" cmpd="sng" algn="ctr">
+                      <a:solidFill>
+                        <a:srgbClr val="000000"/>
+                      </a:solidFill>
+                      <a:prstDash val="solid"/>
+                      <a:round/>
+                      <a:headEnd type="none" w="med" len="med"/>
+                      <a:tailEnd type="none" w="med" len="med"/>
+                    </a:lnR>
+                    <a:lnT w="6350" cap="flat" cmpd="sng" algn="ctr">
+                      <a:solidFill>
+                        <a:srgbClr val="000000"/>
+                      </a:solidFill>
+                      <a:prstDash val="solid"/>
+                      <a:round/>
+                      <a:headEnd type="none" w="med" len="med"/>
+                      <a:tailEnd type="none" w="med" len="med"/>
+                    </a:lnT>
+                    <a:lnB w="6350" cap="flat" cmpd="sng" algn="ctr">
+                      <a:solidFill>
+                        <a:srgbClr val="000000"/>
+                      </a:solidFill>
+                      <a:prstDash val="solid"/>
+                      <a:round/>
+                      <a:headEnd type="none" w="med" len="med"/>
+                      <a:tailEnd type="none" w="med" len="med"/>
+                    </a:lnB>
+                    <a:solidFill>
+                      <a:srgbClr val="CFE2F3"/>
+                    </a:solidFill>
+                  </a:tcPr>
+                </a:tc>
+                <a:tc>
+                  <a:txBody>
+                    <a:bodyPr/>
+                    <a:lstStyle/>
+                    <a:p>
+                      <a:pPr algn="l" rtl="0" fontAlgn="b"/>
+                      <a:r>
+                        <a:rPr lang="es-AR" sz="1400" b="0" i="0" u="none" strike="noStrike" dirty="0" smtClean="0">
+                          <a:solidFill>
+                            <a:srgbClr val="000000"/>
+                          </a:solidFill>
+                          <a:latin typeface="Arial"/>
+                        </a:rPr>
+                        <a:t>Reserva</a:t>
+                      </a:r>
+                      <a:endParaRPr lang="es-AR" sz="1400" b="0" i="0" u="none" strike="noStrike" dirty="0">
+                        <a:solidFill>
+                          <a:srgbClr val="000000"/>
+                        </a:solidFill>
+                        <a:latin typeface="Arial"/>
+                      </a:endParaRPr>
+                    </a:p>
+                  </a:txBody>
+                  <a:tcPr marL="9525" marR="9525" marT="9525" marB="0" anchor="b">
+                    <a:lnL w="6350" cap="flat" cmpd="sng" algn="ctr">
+                      <a:solidFill>
+                        <a:srgbClr val="000000"/>
+                      </a:solidFill>
+                      <a:prstDash val="solid"/>
+                      <a:round/>
+                      <a:headEnd type="none" w="med" len="med"/>
+                      <a:tailEnd type="none" w="med" len="med"/>
+                    </a:lnL>
+                    <a:lnR w="6350" cap="flat" cmpd="sng" algn="ctr">
+                      <a:solidFill>
+                        <a:srgbClr val="000000"/>
+                      </a:solidFill>
+                      <a:prstDash val="solid"/>
+                      <a:round/>
+                      <a:headEnd type="none" w="med" len="med"/>
+                      <a:tailEnd type="none" w="med" len="med"/>
+                    </a:lnR>
+                    <a:lnT w="6350" cap="flat" cmpd="sng" algn="ctr">
+                      <a:solidFill>
+                        <a:srgbClr val="000000"/>
+                      </a:solidFill>
+                      <a:prstDash val="solid"/>
+                      <a:round/>
+                      <a:headEnd type="none" w="med" len="med"/>
+                      <a:tailEnd type="none" w="med" len="med"/>
+                    </a:lnT>
+                    <a:lnB w="6350" cap="flat" cmpd="sng" algn="ctr">
+                      <a:solidFill>
+                        <a:srgbClr val="000000"/>
+                      </a:solidFill>
+                      <a:prstDash val="solid"/>
+                      <a:round/>
+                      <a:headEnd type="none" w="med" len="med"/>
+                      <a:tailEnd type="none" w="med" len="med"/>
+                    </a:lnB>
+                  </a:tcPr>
+                </a:tc>
+                <a:tc>
+                  <a:txBody>
+                    <a:bodyPr/>
+                    <a:lstStyle/>
+                    <a:p>
+                      <a:pPr algn="ctr" fontAlgn="b"/>
+                      <a:r>
+                        <a:rPr lang="es-AR" sz="1400" b="0" i="0" u="none" strike="noStrike" dirty="0">
+                          <a:solidFill>
+                            <a:srgbClr val="000000"/>
+                          </a:solidFill>
+                          <a:latin typeface="Calibri"/>
+                        </a:rPr>
+                        <a:t>2</a:t>
+                      </a:r>
+                    </a:p>
+                  </a:txBody>
+                  <a:tcPr marL="9525" marR="9525" marT="9525" marB="0" anchor="b">
+                    <a:lnL w="6350" cap="flat" cmpd="sng" algn="ctr">
+                      <a:solidFill>
+                        <a:srgbClr val="000000"/>
+                      </a:solidFill>
+                      <a:prstDash val="solid"/>
+                      <a:round/>
+                      <a:headEnd type="none" w="med" len="med"/>
+                      <a:tailEnd type="none" w="med" len="med"/>
+                    </a:lnL>
+                    <a:lnR w="6350" cap="flat" cmpd="sng" algn="ctr">
+                      <a:solidFill>
+                        <a:srgbClr val="000000"/>
+                      </a:solidFill>
+                      <a:prstDash val="solid"/>
+                      <a:round/>
+                      <a:headEnd type="none" w="med" len="med"/>
+                      <a:tailEnd type="none" w="med" len="med"/>
+                    </a:lnR>
+                    <a:lnT w="6350" cap="flat" cmpd="sng" algn="ctr">
+                      <a:solidFill>
+                        <a:srgbClr val="000000"/>
+                      </a:solidFill>
+                      <a:prstDash val="solid"/>
+                      <a:round/>
+                      <a:headEnd type="none" w="med" len="med"/>
+                      <a:tailEnd type="none" w="med" len="med"/>
+                    </a:lnT>
+                    <a:lnB w="6350" cap="flat" cmpd="sng" algn="ctr">
+                      <a:solidFill>
+                        <a:srgbClr val="000000"/>
+                      </a:solidFill>
+                      <a:prstDash val="solid"/>
+                      <a:round/>
+                      <a:headEnd type="none" w="med" len="med"/>
+                      <a:tailEnd type="none" w="med" len="med"/>
+                    </a:lnB>
+                  </a:tcPr>
+                </a:tc>
+                <a:tc>
+                  <a:txBody>
+                    <a:bodyPr/>
+                    <a:lstStyle/>
+                    <a:p>
+                      <a:pPr algn="ctr" fontAlgn="b"/>
+                      <a:r>
+                        <a:rPr lang="es-AR" sz="1400" b="0" i="0" u="none" strike="noStrike" dirty="0">
+                          <a:solidFill>
+                            <a:srgbClr val="000000"/>
+                          </a:solidFill>
+                          <a:latin typeface="Calibri"/>
+                        </a:rPr>
+                        <a:t>0,5</a:t>
+                      </a:r>
+                    </a:p>
+                  </a:txBody>
+                  <a:tcPr marL="9525" marR="9525" marT="9525" marB="0" anchor="b">
+                    <a:lnL w="6350" cap="flat" cmpd="sng" algn="ctr">
+                      <a:solidFill>
+                        <a:srgbClr val="000000"/>
+                      </a:solidFill>
+                      <a:prstDash val="solid"/>
+                      <a:round/>
+                      <a:headEnd type="none" w="med" len="med"/>
+                      <a:tailEnd type="none" w="med" len="med"/>
+                    </a:lnL>
+                    <a:lnR w="6350" cap="flat" cmpd="sng" algn="ctr">
+                      <a:solidFill>
+                        <a:srgbClr val="000000"/>
+                      </a:solidFill>
+                      <a:prstDash val="solid"/>
+                      <a:round/>
+                      <a:headEnd type="none" w="med" len="med"/>
+                      <a:tailEnd type="none" w="med" len="med"/>
+                    </a:lnR>
+                    <a:lnT w="6350" cap="flat" cmpd="sng" algn="ctr">
+                      <a:solidFill>
+                        <a:srgbClr val="000000"/>
+                      </a:solidFill>
+                      <a:prstDash val="solid"/>
+                      <a:round/>
+                      <a:headEnd type="none" w="med" len="med"/>
+                      <a:tailEnd type="none" w="med" len="med"/>
+                    </a:lnT>
+                    <a:lnB w="6350" cap="flat" cmpd="sng" algn="ctr">
+                      <a:solidFill>
+                        <a:srgbClr val="000000"/>
+                      </a:solidFill>
+                      <a:prstDash val="solid"/>
+                      <a:round/>
+                      <a:headEnd type="none" w="med" len="med"/>
+                      <a:tailEnd type="none" w="med" len="med"/>
+                    </a:lnB>
+                  </a:tcPr>
+                </a:tc>
+                <a:tc>
+                  <a:txBody>
+                    <a:bodyPr/>
+                    <a:lstStyle/>
+                    <a:p>
+                      <a:pPr algn="ctr" fontAlgn="b"/>
+                      <a:r>
+                        <a:rPr lang="es-AR" sz="1400" b="0" i="0" u="none" strike="noStrike">
+                          <a:solidFill>
+                            <a:srgbClr val="000000"/>
+                          </a:solidFill>
+                          <a:latin typeface="Calibri"/>
+                        </a:rPr>
+                        <a:t>25%</a:t>
+                      </a:r>
+                    </a:p>
+                  </a:txBody>
+                  <a:tcPr marL="9525" marR="9525" marT="9525" marB="0" anchor="b">
+                    <a:lnL w="6350" cap="flat" cmpd="sng" algn="ctr">
+                      <a:solidFill>
+                        <a:srgbClr val="000000"/>
+                      </a:solidFill>
+                      <a:prstDash val="solid"/>
+                      <a:round/>
+                      <a:headEnd type="none" w="med" len="med"/>
+                      <a:tailEnd type="none" w="med" len="med"/>
+                    </a:lnL>
+                    <a:lnR w="6350" cap="flat" cmpd="sng" algn="ctr">
+                      <a:solidFill>
+                        <a:srgbClr val="000000"/>
+                      </a:solidFill>
+                      <a:prstDash val="solid"/>
+                      <a:round/>
+                      <a:headEnd type="none" w="med" len="med"/>
+                      <a:tailEnd type="none" w="med" len="med"/>
+                    </a:lnR>
+                    <a:lnT w="6350" cap="flat" cmpd="sng" algn="ctr">
+                      <a:solidFill>
+                        <a:srgbClr val="000000"/>
+                      </a:solidFill>
+                      <a:prstDash val="solid"/>
+                      <a:round/>
+                      <a:headEnd type="none" w="med" len="med"/>
+                      <a:tailEnd type="none" w="med" len="med"/>
+                    </a:lnT>
+                    <a:lnB w="6350" cap="flat" cmpd="sng" algn="ctr">
+                      <a:solidFill>
+                        <a:srgbClr val="000000"/>
+                      </a:solidFill>
+                      <a:prstDash val="solid"/>
+                      <a:round/>
+                      <a:headEnd type="none" w="med" len="med"/>
+                      <a:tailEnd type="none" w="med" len="med"/>
+                    </a:lnB>
+                  </a:tcPr>
+                </a:tc>
+              </a:tr>
+              <a:tr h="460641">
+                <a:tc>
+                  <a:txBody>
+                    <a:bodyPr/>
+                    <a:lstStyle/>
+                    <a:p>
+                      <a:pPr algn="ctr" rtl="0" fontAlgn="b"/>
+                      <a:r>
+                        <a:rPr lang="es-AR" sz="1400" b="0" i="0" u="none" strike="noStrike">
+                          <a:solidFill>
+                            <a:srgbClr val="000000"/>
+                          </a:solidFill>
+                          <a:latin typeface="Arial"/>
+                        </a:rPr>
+                        <a:t>Android</a:t>
+                      </a:r>
+                    </a:p>
+                  </a:txBody>
+                  <a:tcPr marL="9525" marR="9525" marT="9525" marB="0" anchor="b">
+                    <a:lnL w="6350" cap="flat" cmpd="sng" algn="ctr">
+                      <a:solidFill>
+                        <a:srgbClr val="000000"/>
+                      </a:solidFill>
+                      <a:prstDash val="solid"/>
+                      <a:round/>
+                      <a:headEnd type="none" w="med" len="med"/>
+                      <a:tailEnd type="none" w="med" len="med"/>
+                    </a:lnL>
+                    <a:lnR w="6350" cap="flat" cmpd="sng" algn="ctr">
+                      <a:solidFill>
+                        <a:srgbClr val="000000"/>
+                      </a:solidFill>
+                      <a:prstDash val="solid"/>
+                      <a:round/>
+                      <a:headEnd type="none" w="med" len="med"/>
+                      <a:tailEnd type="none" w="med" len="med"/>
+                    </a:lnR>
+                    <a:lnT w="6350" cap="flat" cmpd="sng" algn="ctr">
+                      <a:solidFill>
+                        <a:srgbClr val="000000"/>
+                      </a:solidFill>
+                      <a:prstDash val="solid"/>
+                      <a:round/>
+                      <a:headEnd type="none" w="med" len="med"/>
+                      <a:tailEnd type="none" w="med" len="med"/>
+                    </a:lnT>
+                    <a:lnB w="6350" cap="flat" cmpd="sng" algn="ctr">
+                      <a:solidFill>
+                        <a:srgbClr val="000000"/>
+                      </a:solidFill>
+                      <a:prstDash val="solid"/>
+                      <a:round/>
+                      <a:headEnd type="none" w="med" len="med"/>
+                      <a:tailEnd type="none" w="med" len="med"/>
+                    </a:lnB>
+                    <a:solidFill>
+                      <a:srgbClr val="FFF2CC"/>
+                    </a:solidFill>
+                  </a:tcPr>
+                </a:tc>
+                <a:tc>
+                  <a:txBody>
+                    <a:bodyPr/>
+                    <a:lstStyle/>
+                    <a:p>
+                      <a:pPr algn="l" rtl="0" fontAlgn="b"/>
+                      <a:r>
+                        <a:rPr lang="es-AR" sz="1400" b="0" i="0" u="none" strike="noStrike" dirty="0" smtClean="0">
+                          <a:solidFill>
+                            <a:srgbClr val="000000"/>
+                          </a:solidFill>
+                          <a:latin typeface="Arial"/>
+                        </a:rPr>
+                        <a:t>Ver </a:t>
+                      </a:r>
+                      <a:r>
+                        <a:rPr lang="es-AR" sz="1400" b="0" i="0" u="none" strike="noStrike" dirty="0">
+                          <a:solidFill>
+                            <a:srgbClr val="000000"/>
+                          </a:solidFill>
+                          <a:latin typeface="Arial"/>
+                        </a:rPr>
+                        <a:t>Mi Cuenta</a:t>
+                      </a:r>
+                    </a:p>
+                  </a:txBody>
+                  <a:tcPr marL="9525" marR="9525" marT="9525" marB="0" anchor="b">
+                    <a:lnL w="6350" cap="flat" cmpd="sng" algn="ctr">
+                      <a:solidFill>
+                        <a:srgbClr val="000000"/>
+                      </a:solidFill>
+                      <a:prstDash val="solid"/>
+                      <a:round/>
+                      <a:headEnd type="none" w="med" len="med"/>
+                      <a:tailEnd type="none" w="med" len="med"/>
+                    </a:lnL>
+                    <a:lnR w="6350" cap="flat" cmpd="sng" algn="ctr">
+                      <a:solidFill>
+                        <a:srgbClr val="000000"/>
+                      </a:solidFill>
+                      <a:prstDash val="solid"/>
+                      <a:round/>
+                      <a:headEnd type="none" w="med" len="med"/>
+                      <a:tailEnd type="none" w="med" len="med"/>
+                    </a:lnR>
+                    <a:lnT w="6350" cap="flat" cmpd="sng" algn="ctr">
+                      <a:solidFill>
+                        <a:srgbClr val="000000"/>
+                      </a:solidFill>
+                      <a:prstDash val="solid"/>
+                      <a:round/>
+                      <a:headEnd type="none" w="med" len="med"/>
+                      <a:tailEnd type="none" w="med" len="med"/>
+                    </a:lnT>
+                    <a:lnB w="6350" cap="flat" cmpd="sng" algn="ctr">
+                      <a:solidFill>
+                        <a:srgbClr val="000000"/>
+                      </a:solidFill>
+                      <a:prstDash val="solid"/>
+                      <a:round/>
+                      <a:headEnd type="none" w="med" len="med"/>
+                      <a:tailEnd type="none" w="med" len="med"/>
+                    </a:lnB>
+                  </a:tcPr>
+                </a:tc>
+                <a:tc>
+                  <a:txBody>
+                    <a:bodyPr/>
+                    <a:lstStyle/>
+                    <a:p>
+                      <a:pPr algn="ctr" fontAlgn="b"/>
+                      <a:r>
+                        <a:rPr lang="es-AR" sz="1400" b="0" i="0" u="none" strike="noStrike" dirty="0">
+                          <a:solidFill>
+                            <a:srgbClr val="000000"/>
+                          </a:solidFill>
+                          <a:latin typeface="Calibri"/>
+                        </a:rPr>
+                        <a:t>18,5</a:t>
+                      </a:r>
+                    </a:p>
+                  </a:txBody>
+                  <a:tcPr marL="9525" marR="9525" marT="9525" marB="0" anchor="b">
+                    <a:lnL w="6350" cap="flat" cmpd="sng" algn="ctr">
+                      <a:solidFill>
+                        <a:srgbClr val="000000"/>
+                      </a:solidFill>
+                      <a:prstDash val="solid"/>
+                      <a:round/>
+                      <a:headEnd type="none" w="med" len="med"/>
+                      <a:tailEnd type="none" w="med" len="med"/>
+                    </a:lnL>
+                    <a:lnR w="6350" cap="flat" cmpd="sng" algn="ctr">
+                      <a:solidFill>
+                        <a:srgbClr val="000000"/>
+                      </a:solidFill>
+                      <a:prstDash val="solid"/>
+                      <a:round/>
+                      <a:headEnd type="none" w="med" len="med"/>
+                      <a:tailEnd type="none" w="med" len="med"/>
+                    </a:lnR>
+                    <a:lnT w="6350" cap="flat" cmpd="sng" algn="ctr">
+                      <a:solidFill>
+                        <a:srgbClr val="000000"/>
+                      </a:solidFill>
+                      <a:prstDash val="solid"/>
+                      <a:round/>
+                      <a:headEnd type="none" w="med" len="med"/>
+                      <a:tailEnd type="none" w="med" len="med"/>
+                    </a:lnT>
+                    <a:lnB w="6350" cap="flat" cmpd="sng" algn="ctr">
+                      <a:solidFill>
+                        <a:srgbClr val="000000"/>
+                      </a:solidFill>
+                      <a:prstDash val="solid"/>
+                      <a:round/>
+                      <a:headEnd type="none" w="med" len="med"/>
+                      <a:tailEnd type="none" w="med" len="med"/>
+                    </a:lnB>
+                  </a:tcPr>
+                </a:tc>
+                <a:tc>
+                  <a:txBody>
+                    <a:bodyPr/>
+                    <a:lstStyle/>
+                    <a:p>
+                      <a:pPr algn="ctr" fontAlgn="b"/>
+                      <a:r>
+                        <a:rPr lang="es-AR" sz="1400" b="0" i="0" u="none" strike="noStrike" dirty="0">
+                          <a:solidFill>
+                            <a:srgbClr val="000000"/>
+                          </a:solidFill>
+                          <a:latin typeface="Calibri"/>
+                        </a:rPr>
+                        <a:t>9,25</a:t>
+                      </a:r>
+                    </a:p>
+                  </a:txBody>
+                  <a:tcPr marL="9525" marR="9525" marT="9525" marB="0" anchor="b">
+                    <a:lnL w="6350" cap="flat" cmpd="sng" algn="ctr">
+                      <a:solidFill>
+                        <a:srgbClr val="000000"/>
+                      </a:solidFill>
+                      <a:prstDash val="solid"/>
+                      <a:round/>
+                      <a:headEnd type="none" w="med" len="med"/>
+                      <a:tailEnd type="none" w="med" len="med"/>
+                    </a:lnL>
+                    <a:lnR w="6350" cap="flat" cmpd="sng" algn="ctr">
+                      <a:solidFill>
+                        <a:srgbClr val="000000"/>
+                      </a:solidFill>
+                      <a:prstDash val="solid"/>
+                      <a:round/>
+                      <a:headEnd type="none" w="med" len="med"/>
+                      <a:tailEnd type="none" w="med" len="med"/>
+                    </a:lnR>
+                    <a:lnT w="6350" cap="flat" cmpd="sng" algn="ctr">
+                      <a:solidFill>
+                        <a:srgbClr val="000000"/>
+                      </a:solidFill>
+                      <a:prstDash val="solid"/>
+                      <a:round/>
+                      <a:headEnd type="none" w="med" len="med"/>
+                      <a:tailEnd type="none" w="med" len="med"/>
+                    </a:lnT>
+                    <a:lnB w="6350" cap="flat" cmpd="sng" algn="ctr">
+                      <a:solidFill>
+                        <a:srgbClr val="000000"/>
+                      </a:solidFill>
+                      <a:prstDash val="solid"/>
+                      <a:round/>
+                      <a:headEnd type="none" w="med" len="med"/>
+                      <a:tailEnd type="none" w="med" len="med"/>
+                    </a:lnB>
+                  </a:tcPr>
+                </a:tc>
+                <a:tc>
+                  <a:txBody>
+                    <a:bodyPr/>
+                    <a:lstStyle/>
+                    <a:p>
+                      <a:pPr algn="ctr" fontAlgn="b"/>
+                      <a:r>
+                        <a:rPr lang="es-AR" sz="1400" b="0" i="0" u="none" strike="noStrike">
+                          <a:solidFill>
+                            <a:srgbClr val="000000"/>
+                          </a:solidFill>
+                          <a:latin typeface="Calibri"/>
+                        </a:rPr>
+                        <a:t>50%</a:t>
+                      </a:r>
+                    </a:p>
+                  </a:txBody>
+                  <a:tcPr marL="9525" marR="9525" marT="9525" marB="0" anchor="b">
+                    <a:lnL w="6350" cap="flat" cmpd="sng" algn="ctr">
+                      <a:solidFill>
+                        <a:srgbClr val="000000"/>
+                      </a:solidFill>
+                      <a:prstDash val="solid"/>
+                      <a:round/>
+                      <a:headEnd type="none" w="med" len="med"/>
+                      <a:tailEnd type="none" w="med" len="med"/>
+                    </a:lnL>
+                    <a:lnR w="6350" cap="flat" cmpd="sng" algn="ctr">
+                      <a:solidFill>
+                        <a:srgbClr val="000000"/>
+                      </a:solidFill>
+                      <a:prstDash val="solid"/>
+                      <a:round/>
+                      <a:headEnd type="none" w="med" len="med"/>
+                      <a:tailEnd type="none" w="med" len="med"/>
+                    </a:lnR>
+                    <a:lnT w="6350" cap="flat" cmpd="sng" algn="ctr">
+                      <a:solidFill>
+                        <a:srgbClr val="000000"/>
+                      </a:solidFill>
+                      <a:prstDash val="solid"/>
+                      <a:round/>
+                      <a:headEnd type="none" w="med" len="med"/>
+                      <a:tailEnd type="none" w="med" len="med"/>
+                    </a:lnT>
+                    <a:lnB w="6350" cap="flat" cmpd="sng" algn="ctr">
+                      <a:solidFill>
+                        <a:srgbClr val="000000"/>
+                      </a:solidFill>
+                      <a:prstDash val="solid"/>
+                      <a:round/>
+                      <a:headEnd type="none" w="med" len="med"/>
+                      <a:tailEnd type="none" w="med" len="med"/>
+                    </a:lnB>
+                  </a:tcPr>
+                </a:tc>
+              </a:tr>
+              <a:tr h="460641">
+                <a:tc>
+                  <a:txBody>
+                    <a:bodyPr/>
+                    <a:lstStyle/>
+                    <a:p>
+                      <a:pPr algn="ctr" rtl="0" fontAlgn="b"/>
+                      <a:r>
+                        <a:rPr lang="es-AR" sz="1400" b="0" i="0" u="none" strike="noStrike">
+                          <a:solidFill>
+                            <a:srgbClr val="000000"/>
+                          </a:solidFill>
+                          <a:latin typeface="Arial"/>
+                        </a:rPr>
+                        <a:t>Backend</a:t>
+                      </a:r>
+                    </a:p>
+                  </a:txBody>
+                  <a:tcPr marL="9525" marR="9525" marT="9525" marB="0" anchor="b">
+                    <a:lnL w="6350" cap="flat" cmpd="sng" algn="ctr">
+                      <a:solidFill>
+                        <a:srgbClr val="000000"/>
+                      </a:solidFill>
+                      <a:prstDash val="solid"/>
+                      <a:round/>
+                      <a:headEnd type="none" w="med" len="med"/>
+                      <a:tailEnd type="none" w="med" len="med"/>
+                    </a:lnL>
+                    <a:lnR w="6350" cap="flat" cmpd="sng" algn="ctr">
+                      <a:solidFill>
+                        <a:srgbClr val="000000"/>
+                      </a:solidFill>
+                      <a:prstDash val="solid"/>
+                      <a:round/>
+                      <a:headEnd type="none" w="med" len="med"/>
+                      <a:tailEnd type="none" w="med" len="med"/>
+                    </a:lnR>
+                    <a:lnT w="6350" cap="flat" cmpd="sng" algn="ctr">
+                      <a:solidFill>
+                        <a:srgbClr val="000000"/>
+                      </a:solidFill>
+                      <a:prstDash val="solid"/>
+                      <a:round/>
+                      <a:headEnd type="none" w="med" len="med"/>
+                      <a:tailEnd type="none" w="med" len="med"/>
+                    </a:lnT>
+                    <a:lnB w="6350" cap="flat" cmpd="sng" algn="ctr">
+                      <a:solidFill>
+                        <a:srgbClr val="000000"/>
+                      </a:solidFill>
+                      <a:prstDash val="solid"/>
+                      <a:round/>
+                      <a:headEnd type="none" w="med" len="med"/>
+                      <a:tailEnd type="none" w="med" len="med"/>
+                    </a:lnB>
+                    <a:solidFill>
+                      <a:srgbClr val="CFE2F3"/>
+                    </a:solidFill>
+                  </a:tcPr>
+                </a:tc>
+                <a:tc>
+                  <a:txBody>
+                    <a:bodyPr/>
+                    <a:lstStyle/>
+                    <a:p>
+                      <a:pPr algn="l" rtl="0" fontAlgn="b"/>
+                      <a:r>
+                        <a:rPr lang="es-AR" sz="1400" b="0" i="0" u="none" strike="noStrike" dirty="0" smtClean="0">
+                          <a:solidFill>
+                            <a:srgbClr val="000000"/>
+                          </a:solidFill>
+                          <a:latin typeface="Arial"/>
+                        </a:rPr>
+                        <a:t>Ver </a:t>
+                      </a:r>
+                      <a:r>
+                        <a:rPr lang="es-AR" sz="1400" b="0" i="0" u="none" strike="noStrike" dirty="0">
+                          <a:solidFill>
+                            <a:srgbClr val="000000"/>
+                          </a:solidFill>
+                          <a:latin typeface="Arial"/>
+                        </a:rPr>
+                        <a:t>Mi Cuenta</a:t>
+                      </a:r>
+                    </a:p>
+                  </a:txBody>
+                  <a:tcPr marL="9525" marR="9525" marT="9525" marB="0" anchor="b">
+                    <a:lnL w="6350" cap="flat" cmpd="sng" algn="ctr">
+                      <a:solidFill>
+                        <a:srgbClr val="000000"/>
+                      </a:solidFill>
+                      <a:prstDash val="solid"/>
+                      <a:round/>
+                      <a:headEnd type="none" w="med" len="med"/>
+                      <a:tailEnd type="none" w="med" len="med"/>
+                    </a:lnL>
+                    <a:lnR w="6350" cap="flat" cmpd="sng" algn="ctr">
+                      <a:solidFill>
+                        <a:srgbClr val="000000"/>
+                      </a:solidFill>
+                      <a:prstDash val="solid"/>
+                      <a:round/>
+                      <a:headEnd type="none" w="med" len="med"/>
+                      <a:tailEnd type="none" w="med" len="med"/>
+                    </a:lnR>
+                    <a:lnT w="6350" cap="flat" cmpd="sng" algn="ctr">
+                      <a:solidFill>
+                        <a:srgbClr val="000000"/>
+                      </a:solidFill>
+                      <a:prstDash val="solid"/>
+                      <a:round/>
+                      <a:headEnd type="none" w="med" len="med"/>
+                      <a:tailEnd type="none" w="med" len="med"/>
+                    </a:lnT>
+                    <a:lnB w="6350" cap="flat" cmpd="sng" algn="ctr">
+                      <a:solidFill>
+                        <a:srgbClr val="000000"/>
+                      </a:solidFill>
+                      <a:prstDash val="solid"/>
+                      <a:round/>
+                      <a:headEnd type="none" w="med" len="med"/>
+                      <a:tailEnd type="none" w="med" len="med"/>
+                    </a:lnB>
+                  </a:tcPr>
+                </a:tc>
+                <a:tc>
+                  <a:txBody>
+                    <a:bodyPr/>
+                    <a:lstStyle/>
+                    <a:p>
+                      <a:pPr algn="ctr" fontAlgn="b"/>
+                      <a:r>
+                        <a:rPr lang="es-AR" sz="1400" b="0" i="0" u="none" strike="noStrike" dirty="0">
+                          <a:solidFill>
+                            <a:srgbClr val="000000"/>
+                          </a:solidFill>
+                          <a:latin typeface="Calibri"/>
+                        </a:rPr>
+                        <a:t>6,5</a:t>
+                      </a:r>
+                    </a:p>
+                  </a:txBody>
+                  <a:tcPr marL="9525" marR="9525" marT="9525" marB="0" anchor="b">
+                    <a:lnL w="6350" cap="flat" cmpd="sng" algn="ctr">
+                      <a:solidFill>
+                        <a:srgbClr val="000000"/>
+                      </a:solidFill>
+                      <a:prstDash val="solid"/>
+                      <a:round/>
+                      <a:headEnd type="none" w="med" len="med"/>
+                      <a:tailEnd type="none" w="med" len="med"/>
+                    </a:lnL>
+                    <a:lnR w="6350" cap="flat" cmpd="sng" algn="ctr">
+                      <a:solidFill>
+                        <a:srgbClr val="000000"/>
+                      </a:solidFill>
+                      <a:prstDash val="solid"/>
+                      <a:round/>
+                      <a:headEnd type="none" w="med" len="med"/>
+                      <a:tailEnd type="none" w="med" len="med"/>
+                    </a:lnR>
+                    <a:lnT w="6350" cap="flat" cmpd="sng" algn="ctr">
+                      <a:solidFill>
+                        <a:srgbClr val="000000"/>
+                      </a:solidFill>
+                      <a:prstDash val="solid"/>
+                      <a:round/>
+                      <a:headEnd type="none" w="med" len="med"/>
+                      <a:tailEnd type="none" w="med" len="med"/>
+                    </a:lnT>
+                    <a:lnB w="6350" cap="flat" cmpd="sng" algn="ctr">
+                      <a:solidFill>
+                        <a:srgbClr val="000000"/>
+                      </a:solidFill>
+                      <a:prstDash val="solid"/>
+                      <a:round/>
+                      <a:headEnd type="none" w="med" len="med"/>
+                      <a:tailEnd type="none" w="med" len="med"/>
+                    </a:lnB>
+                  </a:tcPr>
+                </a:tc>
+                <a:tc>
+                  <a:txBody>
+                    <a:bodyPr/>
+                    <a:lstStyle/>
+                    <a:p>
+                      <a:pPr algn="ctr" fontAlgn="b"/>
+                      <a:r>
+                        <a:rPr lang="es-AR" sz="1400" b="0" i="0" u="none" strike="noStrike" dirty="0">
+                          <a:solidFill>
+                            <a:srgbClr val="000000"/>
+                          </a:solidFill>
+                          <a:latin typeface="Calibri"/>
+                        </a:rPr>
+                        <a:t>3</a:t>
+                      </a:r>
+                    </a:p>
+                  </a:txBody>
+                  <a:tcPr marL="9525" marR="9525" marT="9525" marB="0" anchor="b">
+                    <a:lnL w="6350" cap="flat" cmpd="sng" algn="ctr">
+                      <a:solidFill>
+                        <a:srgbClr val="000000"/>
+                      </a:solidFill>
+                      <a:prstDash val="solid"/>
+                      <a:round/>
+                      <a:headEnd type="none" w="med" len="med"/>
+                      <a:tailEnd type="none" w="med" len="med"/>
+                    </a:lnL>
+                    <a:lnR w="6350" cap="flat" cmpd="sng" algn="ctr">
+                      <a:solidFill>
+                        <a:srgbClr val="000000"/>
+                      </a:solidFill>
+                      <a:prstDash val="solid"/>
+                      <a:round/>
+                      <a:headEnd type="none" w="med" len="med"/>
+                      <a:tailEnd type="none" w="med" len="med"/>
+                    </a:lnR>
+                    <a:lnT w="6350" cap="flat" cmpd="sng" algn="ctr">
+                      <a:solidFill>
+                        <a:srgbClr val="000000"/>
+                      </a:solidFill>
+                      <a:prstDash val="solid"/>
+                      <a:round/>
+                      <a:headEnd type="none" w="med" len="med"/>
+                      <a:tailEnd type="none" w="med" len="med"/>
+                    </a:lnT>
+                    <a:lnB w="6350" cap="flat" cmpd="sng" algn="ctr">
+                      <a:solidFill>
+                        <a:srgbClr val="000000"/>
+                      </a:solidFill>
+                      <a:prstDash val="solid"/>
+                      <a:round/>
+                      <a:headEnd type="none" w="med" len="med"/>
+                      <a:tailEnd type="none" w="med" len="med"/>
+                    </a:lnB>
+                  </a:tcPr>
+                </a:tc>
+                <a:tc>
+                  <a:txBody>
+                    <a:bodyPr/>
+                    <a:lstStyle/>
+                    <a:p>
+                      <a:pPr algn="ctr" fontAlgn="b"/>
+                      <a:r>
+                        <a:rPr lang="es-AR" sz="1400" b="0" i="0" u="none" strike="noStrike" dirty="0">
+                          <a:solidFill>
+                            <a:srgbClr val="000000"/>
+                          </a:solidFill>
+                          <a:latin typeface="Calibri"/>
+                        </a:rPr>
+                        <a:t>46%</a:t>
+                      </a:r>
+                    </a:p>
+                  </a:txBody>
+                  <a:tcPr marL="9525" marR="9525" marT="9525" marB="0" anchor="b">
+                    <a:lnL w="6350" cap="flat" cmpd="sng" algn="ctr">
+                      <a:solidFill>
+                        <a:srgbClr val="000000"/>
+                      </a:solidFill>
+                      <a:prstDash val="solid"/>
+                      <a:round/>
+                      <a:headEnd type="none" w="med" len="med"/>
+                      <a:tailEnd type="none" w="med" len="med"/>
+                    </a:lnL>
+                    <a:lnR w="6350" cap="flat" cmpd="sng" algn="ctr">
+                      <a:solidFill>
+                        <a:srgbClr val="000000"/>
+                      </a:solidFill>
+                      <a:prstDash val="solid"/>
+                      <a:round/>
+                      <a:headEnd type="none" w="med" len="med"/>
+                      <a:tailEnd type="none" w="med" len="med"/>
+                    </a:lnR>
+                    <a:lnT w="6350" cap="flat" cmpd="sng" algn="ctr">
+                      <a:solidFill>
+                        <a:srgbClr val="000000"/>
+                      </a:solidFill>
+                      <a:prstDash val="solid"/>
+                      <a:round/>
+                      <a:headEnd type="none" w="med" len="med"/>
+                      <a:tailEnd type="none" w="med" len="med"/>
+                    </a:lnT>
+                    <a:lnB w="6350" cap="flat" cmpd="sng" algn="ctr">
+                      <a:solidFill>
+                        <a:srgbClr val="000000"/>
+                      </a:solidFill>
+                      <a:prstDash val="solid"/>
+                      <a:round/>
+                      <a:headEnd type="none" w="med" len="med"/>
+                      <a:tailEnd type="none" w="med" len="med"/>
+                    </a:lnB>
+                  </a:tcPr>
+                </a:tc>
+              </a:tr>
+              <a:tr h="460641">
+                <a:tc>
+                  <a:txBody>
+                    <a:bodyPr/>
+                    <a:lstStyle/>
+                    <a:p>
+                      <a:pPr algn="ctr" rtl="0" fontAlgn="b"/>
+                      <a:r>
+                        <a:rPr lang="es-AR" sz="1400" b="0" i="0" u="none" strike="noStrike">
+                          <a:solidFill>
+                            <a:srgbClr val="000000"/>
+                          </a:solidFill>
+                          <a:latin typeface="Arial"/>
+                        </a:rPr>
+                        <a:t>Android</a:t>
+                      </a:r>
+                    </a:p>
+                  </a:txBody>
+                  <a:tcPr marL="9525" marR="9525" marT="9525" marB="0" anchor="b">
+                    <a:lnL w="6350" cap="flat" cmpd="sng" algn="ctr">
+                      <a:solidFill>
+                        <a:srgbClr val="000000"/>
+                      </a:solidFill>
+                      <a:prstDash val="solid"/>
+                      <a:round/>
+                      <a:headEnd type="none" w="med" len="med"/>
+                      <a:tailEnd type="none" w="med" len="med"/>
+                    </a:lnL>
+                    <a:lnR w="6350" cap="flat" cmpd="sng" algn="ctr">
+                      <a:solidFill>
+                        <a:srgbClr val="000000"/>
+                      </a:solidFill>
+                      <a:prstDash val="solid"/>
+                      <a:round/>
+                      <a:headEnd type="none" w="med" len="med"/>
+                      <a:tailEnd type="none" w="med" len="med"/>
+                    </a:lnR>
+                    <a:lnT w="6350" cap="flat" cmpd="sng" algn="ctr">
+                      <a:solidFill>
+                        <a:srgbClr val="000000"/>
+                      </a:solidFill>
+                      <a:prstDash val="solid"/>
+                      <a:round/>
+                      <a:headEnd type="none" w="med" len="med"/>
+                      <a:tailEnd type="none" w="med" len="med"/>
+                    </a:lnT>
+                    <a:lnB w="6350" cap="flat" cmpd="sng" algn="ctr">
+                      <a:solidFill>
+                        <a:srgbClr val="000000"/>
+                      </a:solidFill>
+                      <a:prstDash val="solid"/>
+                      <a:round/>
+                      <a:headEnd type="none" w="med" len="med"/>
+                      <a:tailEnd type="none" w="med" len="med"/>
+                    </a:lnB>
+                    <a:solidFill>
+                      <a:srgbClr val="FFF2CC"/>
+                    </a:solidFill>
+                  </a:tcPr>
+                </a:tc>
+                <a:tc>
+                  <a:txBody>
+                    <a:bodyPr/>
+                    <a:lstStyle/>
+                    <a:p>
+                      <a:pPr algn="l" rtl="0" fontAlgn="b"/>
+                      <a:r>
+                        <a:rPr lang="es-AR" sz="1400" b="0" i="0" u="none" strike="noStrike" dirty="0" smtClean="0">
+                          <a:solidFill>
+                            <a:srgbClr val="000000"/>
+                          </a:solidFill>
+                          <a:latin typeface="Arial"/>
+                        </a:rPr>
+                        <a:t>Ver </a:t>
+                      </a:r>
+                      <a:r>
+                        <a:rPr lang="es-AR" sz="1400" b="0" i="0" u="none" strike="noStrike" dirty="0" err="1">
+                          <a:solidFill>
+                            <a:srgbClr val="000000"/>
+                          </a:solidFill>
+                          <a:latin typeface="Arial"/>
+                        </a:rPr>
+                        <a:t>Pelicula</a:t>
+                      </a:r>
+                      <a:endParaRPr lang="es-AR" sz="1400" b="0" i="0" u="none" strike="noStrike" dirty="0">
+                        <a:solidFill>
+                          <a:srgbClr val="000000"/>
+                        </a:solidFill>
+                        <a:latin typeface="Arial"/>
+                      </a:endParaRPr>
+                    </a:p>
+                  </a:txBody>
+                  <a:tcPr marL="9525" marR="9525" marT="9525" marB="0" anchor="b">
+                    <a:lnL w="6350" cap="flat" cmpd="sng" algn="ctr">
+                      <a:solidFill>
+                        <a:srgbClr val="000000"/>
+                      </a:solidFill>
+                      <a:prstDash val="solid"/>
+                      <a:round/>
+                      <a:headEnd type="none" w="med" len="med"/>
+                      <a:tailEnd type="none" w="med" len="med"/>
+                    </a:lnL>
+                    <a:lnR w="6350" cap="flat" cmpd="sng" algn="ctr">
+                      <a:solidFill>
+                        <a:srgbClr val="000000"/>
+                      </a:solidFill>
+                      <a:prstDash val="solid"/>
+                      <a:round/>
+                      <a:headEnd type="none" w="med" len="med"/>
+                      <a:tailEnd type="none" w="med" len="med"/>
+                    </a:lnR>
+                    <a:lnT w="6350" cap="flat" cmpd="sng" algn="ctr">
+                      <a:solidFill>
+                        <a:srgbClr val="000000"/>
+                      </a:solidFill>
+                      <a:prstDash val="solid"/>
+                      <a:round/>
+                      <a:headEnd type="none" w="med" len="med"/>
+                      <a:tailEnd type="none" w="med" len="med"/>
+                    </a:lnT>
+                    <a:lnB w="6350" cap="flat" cmpd="sng" algn="ctr">
+                      <a:solidFill>
+                        <a:srgbClr val="000000"/>
+                      </a:solidFill>
+                      <a:prstDash val="solid"/>
+                      <a:round/>
+                      <a:headEnd type="none" w="med" len="med"/>
+                      <a:tailEnd type="none" w="med" len="med"/>
+                    </a:lnB>
+                  </a:tcPr>
+                </a:tc>
+                <a:tc>
+                  <a:txBody>
+                    <a:bodyPr/>
+                    <a:lstStyle/>
+                    <a:p>
+                      <a:pPr algn="ctr" fontAlgn="b"/>
+                      <a:r>
+                        <a:rPr lang="es-AR" sz="1400" b="0" i="0" u="none" strike="noStrike">
+                          <a:solidFill>
+                            <a:srgbClr val="000000"/>
+                          </a:solidFill>
+                          <a:latin typeface="Calibri"/>
+                        </a:rPr>
+                        <a:t>1</a:t>
+                      </a:r>
+                    </a:p>
+                  </a:txBody>
+                  <a:tcPr marL="9525" marR="9525" marT="9525" marB="0" anchor="b">
+                    <a:lnL w="6350" cap="flat" cmpd="sng" algn="ctr">
+                      <a:solidFill>
+                        <a:srgbClr val="000000"/>
+                      </a:solidFill>
+                      <a:prstDash val="solid"/>
+                      <a:round/>
+                      <a:headEnd type="none" w="med" len="med"/>
+                      <a:tailEnd type="none" w="med" len="med"/>
+                    </a:lnL>
+                    <a:lnR w="6350" cap="flat" cmpd="sng" algn="ctr">
+                      <a:solidFill>
+                        <a:srgbClr val="000000"/>
+                      </a:solidFill>
+                      <a:prstDash val="solid"/>
+                      <a:round/>
+                      <a:headEnd type="none" w="med" len="med"/>
+                      <a:tailEnd type="none" w="med" len="med"/>
+                    </a:lnR>
+                    <a:lnT w="6350" cap="flat" cmpd="sng" algn="ctr">
+                      <a:solidFill>
+                        <a:srgbClr val="000000"/>
+                      </a:solidFill>
+                      <a:prstDash val="solid"/>
+                      <a:round/>
+                      <a:headEnd type="none" w="med" len="med"/>
+                      <a:tailEnd type="none" w="med" len="med"/>
+                    </a:lnT>
+                    <a:lnB w="6350" cap="flat" cmpd="sng" algn="ctr">
+                      <a:solidFill>
+                        <a:srgbClr val="000000"/>
+                      </a:solidFill>
+                      <a:prstDash val="solid"/>
+                      <a:round/>
+                      <a:headEnd type="none" w="med" len="med"/>
+                      <a:tailEnd type="none" w="med" len="med"/>
+                    </a:lnB>
+                  </a:tcPr>
+                </a:tc>
+                <a:tc>
+                  <a:txBody>
+                    <a:bodyPr/>
+                    <a:lstStyle/>
+                    <a:p>
+                      <a:pPr algn="ctr" fontAlgn="b"/>
+                      <a:r>
+                        <a:rPr lang="es-AR" sz="1400" b="0" i="0" u="none" strike="noStrike" dirty="0">
+                          <a:solidFill>
+                            <a:srgbClr val="000000"/>
+                          </a:solidFill>
+                          <a:latin typeface="Calibri"/>
+                        </a:rPr>
+                        <a:t>1,25</a:t>
+                      </a:r>
+                    </a:p>
+                  </a:txBody>
+                  <a:tcPr marL="9525" marR="9525" marT="9525" marB="0" anchor="b">
+                    <a:lnL w="6350" cap="flat" cmpd="sng" algn="ctr">
+                      <a:solidFill>
+                        <a:srgbClr val="000000"/>
+                      </a:solidFill>
+                      <a:prstDash val="solid"/>
+                      <a:round/>
+                      <a:headEnd type="none" w="med" len="med"/>
+                      <a:tailEnd type="none" w="med" len="med"/>
+                    </a:lnL>
+                    <a:lnR w="6350" cap="flat" cmpd="sng" algn="ctr">
+                      <a:solidFill>
+                        <a:srgbClr val="000000"/>
+                      </a:solidFill>
+                      <a:prstDash val="solid"/>
+                      <a:round/>
+                      <a:headEnd type="none" w="med" len="med"/>
+                      <a:tailEnd type="none" w="med" len="med"/>
+                    </a:lnR>
+                    <a:lnT w="6350" cap="flat" cmpd="sng" algn="ctr">
+                      <a:solidFill>
+                        <a:srgbClr val="000000"/>
+                      </a:solidFill>
+                      <a:prstDash val="solid"/>
+                      <a:round/>
+                      <a:headEnd type="none" w="med" len="med"/>
+                      <a:tailEnd type="none" w="med" len="med"/>
+                    </a:lnT>
+                    <a:lnB w="6350" cap="flat" cmpd="sng" algn="ctr">
+                      <a:solidFill>
+                        <a:srgbClr val="000000"/>
+                      </a:solidFill>
+                      <a:prstDash val="solid"/>
+                      <a:round/>
+                      <a:headEnd type="none" w="med" len="med"/>
+                      <a:tailEnd type="none" w="med" len="med"/>
+                    </a:lnB>
+                  </a:tcPr>
+                </a:tc>
+                <a:tc>
+                  <a:txBody>
+                    <a:bodyPr/>
+                    <a:lstStyle/>
+                    <a:p>
+                      <a:pPr algn="ctr" fontAlgn="b"/>
+                      <a:r>
+                        <a:rPr lang="es-AR" sz="1400" b="0" i="0" u="none" strike="noStrike" dirty="0">
+                          <a:solidFill>
+                            <a:srgbClr val="000000"/>
+                          </a:solidFill>
+                          <a:latin typeface="Calibri"/>
+                        </a:rPr>
+                        <a:t>125%</a:t>
+                      </a:r>
+                    </a:p>
+                  </a:txBody>
+                  <a:tcPr marL="9525" marR="9525" marT="9525" marB="0" anchor="b">
+                    <a:lnL w="6350" cap="flat" cmpd="sng" algn="ctr">
+                      <a:solidFill>
+                        <a:srgbClr val="000000"/>
+                      </a:solidFill>
+                      <a:prstDash val="solid"/>
+                      <a:round/>
+                      <a:headEnd type="none" w="med" len="med"/>
+                      <a:tailEnd type="none" w="med" len="med"/>
+                    </a:lnL>
+                    <a:lnR w="6350" cap="flat" cmpd="sng" algn="ctr">
+                      <a:solidFill>
+                        <a:srgbClr val="000000"/>
+                      </a:solidFill>
+                      <a:prstDash val="solid"/>
+                      <a:round/>
+                      <a:headEnd type="none" w="med" len="med"/>
+                      <a:tailEnd type="none" w="med" len="med"/>
+                    </a:lnR>
+                    <a:lnT w="6350" cap="flat" cmpd="sng" algn="ctr">
+                      <a:solidFill>
+                        <a:srgbClr val="000000"/>
+                      </a:solidFill>
+                      <a:prstDash val="solid"/>
+                      <a:round/>
+                      <a:headEnd type="none" w="med" len="med"/>
+                      <a:tailEnd type="none" w="med" len="med"/>
+                    </a:lnT>
+                    <a:lnB w="6350" cap="flat" cmpd="sng" algn="ctr">
+                      <a:solidFill>
+                        <a:srgbClr val="000000"/>
+                      </a:solidFill>
+                      <a:prstDash val="solid"/>
+                      <a:round/>
+                      <a:headEnd type="none" w="med" len="med"/>
+                      <a:tailEnd type="none" w="med" len="med"/>
+                    </a:lnB>
+                  </a:tcPr>
+                </a:tc>
+              </a:tr>
+              <a:tr h="460641">
+                <a:tc>
+                  <a:txBody>
+                    <a:bodyPr/>
+                    <a:lstStyle/>
+                    <a:p>
+                      <a:pPr algn="ctr" rtl="0" fontAlgn="b"/>
+                      <a:r>
+                        <a:rPr lang="es-AR" sz="1400" b="0" i="0" u="none" strike="noStrike">
+                          <a:solidFill>
+                            <a:srgbClr val="000000"/>
+                          </a:solidFill>
+                          <a:latin typeface="Arial"/>
+                        </a:rPr>
+                        <a:t>Android</a:t>
+                      </a:r>
+                    </a:p>
+                  </a:txBody>
+                  <a:tcPr marL="9525" marR="9525" marT="9525" marB="0" anchor="b">
+                    <a:lnL w="6350" cap="flat" cmpd="sng" algn="ctr">
+                      <a:solidFill>
+                        <a:srgbClr val="000000"/>
+                      </a:solidFill>
+                      <a:prstDash val="solid"/>
+                      <a:round/>
+                      <a:headEnd type="none" w="med" len="med"/>
+                      <a:tailEnd type="none" w="med" len="med"/>
+                    </a:lnL>
+                    <a:lnR w="6350" cap="flat" cmpd="sng" algn="ctr">
+                      <a:solidFill>
+                        <a:srgbClr val="000000"/>
+                      </a:solidFill>
+                      <a:prstDash val="solid"/>
+                      <a:round/>
+                      <a:headEnd type="none" w="med" len="med"/>
+                      <a:tailEnd type="none" w="med" len="med"/>
+                    </a:lnR>
+                    <a:lnT w="6350" cap="flat" cmpd="sng" algn="ctr">
+                      <a:solidFill>
+                        <a:srgbClr val="000000"/>
+                      </a:solidFill>
+                      <a:prstDash val="solid"/>
+                      <a:round/>
+                      <a:headEnd type="none" w="med" len="med"/>
+                      <a:tailEnd type="none" w="med" len="med"/>
+                    </a:lnT>
+                    <a:lnB w="6350" cap="flat" cmpd="sng" algn="ctr">
+                      <a:solidFill>
+                        <a:srgbClr val="000000"/>
+                      </a:solidFill>
+                      <a:prstDash val="solid"/>
+                      <a:round/>
+                      <a:headEnd type="none" w="med" len="med"/>
+                      <a:tailEnd type="none" w="med" len="med"/>
+                    </a:lnB>
+                    <a:solidFill>
+                      <a:srgbClr val="FFF2CC"/>
+                    </a:solidFill>
+                  </a:tcPr>
+                </a:tc>
+                <a:tc>
+                  <a:txBody>
+                    <a:bodyPr/>
+                    <a:lstStyle/>
+                    <a:p>
+                      <a:pPr algn="l" rtl="0" fontAlgn="b"/>
+                      <a:r>
+                        <a:rPr lang="es-AR" sz="1400" b="0" i="0" u="none" strike="noStrike" dirty="0" smtClean="0">
+                          <a:solidFill>
+                            <a:srgbClr val="000000"/>
+                          </a:solidFill>
+                          <a:latin typeface="Arial"/>
+                        </a:rPr>
+                        <a:t>Ver </a:t>
+                      </a:r>
+                      <a:r>
+                        <a:rPr lang="es-AR" sz="1400" b="0" i="0" u="none" strike="noStrike" dirty="0">
+                          <a:solidFill>
+                            <a:srgbClr val="000000"/>
+                          </a:solidFill>
+                          <a:latin typeface="Arial"/>
+                        </a:rPr>
+                        <a:t>Sala</a:t>
+                      </a:r>
+                    </a:p>
+                  </a:txBody>
+                  <a:tcPr marL="9525" marR="9525" marT="9525" marB="0" anchor="b">
+                    <a:lnL w="6350" cap="flat" cmpd="sng" algn="ctr">
+                      <a:solidFill>
+                        <a:srgbClr val="000000"/>
+                      </a:solidFill>
+                      <a:prstDash val="solid"/>
+                      <a:round/>
+                      <a:headEnd type="none" w="med" len="med"/>
+                      <a:tailEnd type="none" w="med" len="med"/>
+                    </a:lnL>
+                    <a:lnR w="6350" cap="flat" cmpd="sng" algn="ctr">
+                      <a:solidFill>
+                        <a:srgbClr val="000000"/>
+                      </a:solidFill>
+                      <a:prstDash val="solid"/>
+                      <a:round/>
+                      <a:headEnd type="none" w="med" len="med"/>
+                      <a:tailEnd type="none" w="med" len="med"/>
+                    </a:lnR>
+                    <a:lnT w="6350" cap="flat" cmpd="sng" algn="ctr">
+                      <a:solidFill>
+                        <a:srgbClr val="000000"/>
+                      </a:solidFill>
+                      <a:prstDash val="solid"/>
+                      <a:round/>
+                      <a:headEnd type="none" w="med" len="med"/>
+                      <a:tailEnd type="none" w="med" len="med"/>
+                    </a:lnT>
+                    <a:lnB w="6350" cap="flat" cmpd="sng" algn="ctr">
+                      <a:solidFill>
+                        <a:srgbClr val="000000"/>
+                      </a:solidFill>
+                      <a:prstDash val="solid"/>
+                      <a:round/>
+                      <a:headEnd type="none" w="med" len="med"/>
+                      <a:tailEnd type="none" w="med" len="med"/>
+                    </a:lnB>
+                  </a:tcPr>
+                </a:tc>
+                <a:tc>
+                  <a:txBody>
+                    <a:bodyPr/>
+                    <a:lstStyle/>
+                    <a:p>
+                      <a:pPr algn="ctr" fontAlgn="b"/>
+                      <a:r>
+                        <a:rPr lang="es-AR" sz="1400" b="0" i="0" u="none" strike="noStrike">
+                          <a:solidFill>
+                            <a:srgbClr val="000000"/>
+                          </a:solidFill>
+                          <a:latin typeface="Calibri"/>
+                        </a:rPr>
+                        <a:t>9</a:t>
+                      </a:r>
+                    </a:p>
+                  </a:txBody>
+                  <a:tcPr marL="9525" marR="9525" marT="9525" marB="0" anchor="b">
+                    <a:lnL w="6350" cap="flat" cmpd="sng" algn="ctr">
+                      <a:solidFill>
+                        <a:srgbClr val="000000"/>
+                      </a:solidFill>
+                      <a:prstDash val="solid"/>
+                      <a:round/>
+                      <a:headEnd type="none" w="med" len="med"/>
+                      <a:tailEnd type="none" w="med" len="med"/>
+                    </a:lnL>
+                    <a:lnR w="6350" cap="flat" cmpd="sng" algn="ctr">
+                      <a:solidFill>
+                        <a:srgbClr val="000000"/>
+                      </a:solidFill>
+                      <a:prstDash val="solid"/>
+                      <a:round/>
+                      <a:headEnd type="none" w="med" len="med"/>
+                      <a:tailEnd type="none" w="med" len="med"/>
+                    </a:lnR>
+                    <a:lnT w="6350" cap="flat" cmpd="sng" algn="ctr">
+                      <a:solidFill>
+                        <a:srgbClr val="000000"/>
+                      </a:solidFill>
+                      <a:prstDash val="solid"/>
+                      <a:round/>
+                      <a:headEnd type="none" w="med" len="med"/>
+                      <a:tailEnd type="none" w="med" len="med"/>
+                    </a:lnT>
+                    <a:lnB w="6350" cap="flat" cmpd="sng" algn="ctr">
+                      <a:solidFill>
+                        <a:srgbClr val="000000"/>
+                      </a:solidFill>
+                      <a:prstDash val="solid"/>
+                      <a:round/>
+                      <a:headEnd type="none" w="med" len="med"/>
+                      <a:tailEnd type="none" w="med" len="med"/>
+                    </a:lnB>
+                  </a:tcPr>
+                </a:tc>
+                <a:tc>
+                  <a:txBody>
+                    <a:bodyPr/>
+                    <a:lstStyle/>
+                    <a:p>
+                      <a:pPr algn="ctr" fontAlgn="b"/>
+                      <a:r>
+                        <a:rPr lang="es-AR" sz="1400" b="0" i="0" u="none" strike="noStrike" dirty="0">
+                          <a:solidFill>
+                            <a:srgbClr val="000000"/>
+                          </a:solidFill>
+                          <a:latin typeface="Calibri"/>
+                        </a:rPr>
+                        <a:t>8,75</a:t>
+                      </a:r>
+                    </a:p>
+                  </a:txBody>
+                  <a:tcPr marL="9525" marR="9525" marT="9525" marB="0" anchor="b">
+                    <a:lnL w="6350" cap="flat" cmpd="sng" algn="ctr">
+                      <a:solidFill>
+                        <a:srgbClr val="000000"/>
+                      </a:solidFill>
+                      <a:prstDash val="solid"/>
+                      <a:round/>
+                      <a:headEnd type="none" w="med" len="med"/>
+                      <a:tailEnd type="none" w="med" len="med"/>
+                    </a:lnL>
+                    <a:lnR w="6350" cap="flat" cmpd="sng" algn="ctr">
+                      <a:solidFill>
+                        <a:srgbClr val="000000"/>
+                      </a:solidFill>
+                      <a:prstDash val="solid"/>
+                      <a:round/>
+                      <a:headEnd type="none" w="med" len="med"/>
+                      <a:tailEnd type="none" w="med" len="med"/>
+                    </a:lnR>
+                    <a:lnT w="6350" cap="flat" cmpd="sng" algn="ctr">
+                      <a:solidFill>
+                        <a:srgbClr val="000000"/>
+                      </a:solidFill>
+                      <a:prstDash val="solid"/>
+                      <a:round/>
+                      <a:headEnd type="none" w="med" len="med"/>
+                      <a:tailEnd type="none" w="med" len="med"/>
+                    </a:lnT>
+                    <a:lnB w="6350" cap="flat" cmpd="sng" algn="ctr">
+                      <a:solidFill>
+                        <a:srgbClr val="000000"/>
+                      </a:solidFill>
+                      <a:prstDash val="solid"/>
+                      <a:round/>
+                      <a:headEnd type="none" w="med" len="med"/>
+                      <a:tailEnd type="none" w="med" len="med"/>
+                    </a:lnB>
+                  </a:tcPr>
+                </a:tc>
+                <a:tc>
+                  <a:txBody>
+                    <a:bodyPr/>
+                    <a:lstStyle/>
+                    <a:p>
+                      <a:pPr algn="ctr" fontAlgn="b"/>
+                      <a:r>
+                        <a:rPr lang="es-AR" sz="1400" b="0" i="0" u="none" strike="noStrike" dirty="0">
+                          <a:solidFill>
+                            <a:srgbClr val="000000"/>
+                          </a:solidFill>
+                          <a:latin typeface="Calibri"/>
+                        </a:rPr>
+                        <a:t>97%</a:t>
+                      </a:r>
+                    </a:p>
+                  </a:txBody>
+                  <a:tcPr marL="9525" marR="9525" marT="9525" marB="0" anchor="b">
+                    <a:lnL w="6350" cap="flat" cmpd="sng" algn="ctr">
+                      <a:solidFill>
+                        <a:srgbClr val="000000"/>
+                      </a:solidFill>
+                      <a:prstDash val="solid"/>
+                      <a:round/>
+                      <a:headEnd type="none" w="med" len="med"/>
+                      <a:tailEnd type="none" w="med" len="med"/>
+                    </a:lnL>
+                    <a:lnR w="6350" cap="flat" cmpd="sng" algn="ctr">
+                      <a:solidFill>
+                        <a:srgbClr val="000000"/>
+                      </a:solidFill>
+                      <a:prstDash val="solid"/>
+                      <a:round/>
+                      <a:headEnd type="none" w="med" len="med"/>
+                      <a:tailEnd type="none" w="med" len="med"/>
+                    </a:lnR>
+                    <a:lnT w="6350" cap="flat" cmpd="sng" algn="ctr">
+                      <a:solidFill>
+                        <a:srgbClr val="000000"/>
+                      </a:solidFill>
+                      <a:prstDash val="solid"/>
+                      <a:round/>
+                      <a:headEnd type="none" w="med" len="med"/>
+                      <a:tailEnd type="none" w="med" len="med"/>
+                    </a:lnT>
+                    <a:lnB w="6350" cap="flat" cmpd="sng" algn="ctr">
+                      <a:solidFill>
+                        <a:srgbClr val="000000"/>
+                      </a:solidFill>
+                      <a:prstDash val="solid"/>
+                      <a:round/>
+                      <a:headEnd type="none" w="med" len="med"/>
+                      <a:tailEnd type="none" w="med" len="med"/>
+                    </a:lnB>
+                  </a:tcPr>
+                </a:tc>
+              </a:tr>
+              <a:tr h="460641">
+                <a:tc>
+                  <a:txBody>
+                    <a:bodyPr/>
+                    <a:lstStyle/>
+                    <a:p>
+                      <a:pPr algn="ctr" rtl="0" fontAlgn="b"/>
+                      <a:r>
+                        <a:rPr lang="es-AR" sz="1400" b="0" i="0" u="none" strike="noStrike">
+                          <a:solidFill>
+                            <a:srgbClr val="000000"/>
+                          </a:solidFill>
+                          <a:latin typeface="Arial"/>
+                        </a:rPr>
+                        <a:t>Backend</a:t>
+                      </a:r>
+                    </a:p>
+                  </a:txBody>
+                  <a:tcPr marL="9525" marR="9525" marT="9525" marB="0" anchor="b">
+                    <a:lnL w="6350" cap="flat" cmpd="sng" algn="ctr">
+                      <a:solidFill>
+                        <a:srgbClr val="000000"/>
+                      </a:solidFill>
+                      <a:prstDash val="solid"/>
+                      <a:round/>
+                      <a:headEnd type="none" w="med" len="med"/>
+                      <a:tailEnd type="none" w="med" len="med"/>
+                    </a:lnL>
+                    <a:lnR w="6350" cap="flat" cmpd="sng" algn="ctr">
+                      <a:solidFill>
+                        <a:srgbClr val="000000"/>
+                      </a:solidFill>
+                      <a:prstDash val="solid"/>
+                      <a:round/>
+                      <a:headEnd type="none" w="med" len="med"/>
+                      <a:tailEnd type="none" w="med" len="med"/>
+                    </a:lnR>
+                    <a:lnT w="6350" cap="flat" cmpd="sng" algn="ctr">
+                      <a:solidFill>
+                        <a:srgbClr val="000000"/>
+                      </a:solidFill>
+                      <a:prstDash val="solid"/>
+                      <a:round/>
+                      <a:headEnd type="none" w="med" len="med"/>
+                      <a:tailEnd type="none" w="med" len="med"/>
+                    </a:lnT>
+                    <a:lnB w="6350" cap="flat" cmpd="sng" algn="ctr">
+                      <a:solidFill>
+                        <a:srgbClr val="000000"/>
+                      </a:solidFill>
+                      <a:prstDash val="solid"/>
+                      <a:round/>
+                      <a:headEnd type="none" w="med" len="med"/>
+                      <a:tailEnd type="none" w="med" len="med"/>
+                    </a:lnB>
+                    <a:solidFill>
+                      <a:srgbClr val="CFE2F3"/>
+                    </a:solidFill>
+                  </a:tcPr>
+                </a:tc>
+                <a:tc>
+                  <a:txBody>
+                    <a:bodyPr/>
+                    <a:lstStyle/>
+                    <a:p>
+                      <a:pPr algn="l" rtl="0" fontAlgn="b"/>
+                      <a:r>
+                        <a:rPr lang="es-AR" sz="1400" b="0" i="0" u="none" strike="noStrike" dirty="0" smtClean="0">
+                          <a:solidFill>
+                            <a:srgbClr val="000000"/>
+                          </a:solidFill>
+                          <a:latin typeface="Arial"/>
+                        </a:rPr>
+                        <a:t>Ver </a:t>
+                      </a:r>
+                      <a:r>
+                        <a:rPr lang="es-AR" sz="1400" b="0" i="0" u="none" strike="noStrike" dirty="0">
+                          <a:solidFill>
+                            <a:srgbClr val="000000"/>
+                          </a:solidFill>
+                          <a:latin typeface="Arial"/>
+                        </a:rPr>
+                        <a:t>Sala</a:t>
+                      </a:r>
+                    </a:p>
+                  </a:txBody>
+                  <a:tcPr marL="9525" marR="9525" marT="9525" marB="0" anchor="b">
+                    <a:lnL w="6350" cap="flat" cmpd="sng" algn="ctr">
+                      <a:solidFill>
+                        <a:srgbClr val="000000"/>
+                      </a:solidFill>
+                      <a:prstDash val="solid"/>
+                      <a:round/>
+                      <a:headEnd type="none" w="med" len="med"/>
+                      <a:tailEnd type="none" w="med" len="med"/>
+                    </a:lnL>
+                    <a:lnR w="6350" cap="flat" cmpd="sng" algn="ctr">
+                      <a:solidFill>
+                        <a:srgbClr val="000000"/>
+                      </a:solidFill>
+                      <a:prstDash val="solid"/>
+                      <a:round/>
+                      <a:headEnd type="none" w="med" len="med"/>
+                      <a:tailEnd type="none" w="med" len="med"/>
+                    </a:lnR>
+                    <a:lnT w="6350" cap="flat" cmpd="sng" algn="ctr">
+                      <a:solidFill>
+                        <a:srgbClr val="000000"/>
+                      </a:solidFill>
+                      <a:prstDash val="solid"/>
+                      <a:round/>
+                      <a:headEnd type="none" w="med" len="med"/>
+                      <a:tailEnd type="none" w="med" len="med"/>
+                    </a:lnT>
+                    <a:lnB w="6350" cap="flat" cmpd="sng" algn="ctr">
+                      <a:solidFill>
+                        <a:srgbClr val="000000"/>
+                      </a:solidFill>
+                      <a:prstDash val="solid"/>
+                      <a:round/>
+                      <a:headEnd type="none" w="med" len="med"/>
+                      <a:tailEnd type="none" w="med" len="med"/>
+                    </a:lnB>
+                  </a:tcPr>
+                </a:tc>
+                <a:tc>
+                  <a:txBody>
+                    <a:bodyPr/>
+                    <a:lstStyle/>
+                    <a:p>
+                      <a:pPr algn="ctr" fontAlgn="b"/>
+                      <a:r>
+                        <a:rPr lang="es-AR" sz="1400" b="0" i="0" u="none" strike="noStrike">
+                          <a:solidFill>
+                            <a:srgbClr val="000000"/>
+                          </a:solidFill>
+                          <a:latin typeface="Calibri"/>
+                        </a:rPr>
+                        <a:t>2,5</a:t>
+                      </a:r>
+                    </a:p>
+                  </a:txBody>
+                  <a:tcPr marL="9525" marR="9525" marT="9525" marB="0" anchor="b">
+                    <a:lnL w="6350" cap="flat" cmpd="sng" algn="ctr">
+                      <a:solidFill>
+                        <a:srgbClr val="000000"/>
+                      </a:solidFill>
+                      <a:prstDash val="solid"/>
+                      <a:round/>
+                      <a:headEnd type="none" w="med" len="med"/>
+                      <a:tailEnd type="none" w="med" len="med"/>
+                    </a:lnL>
+                    <a:lnR w="6350" cap="flat" cmpd="sng" algn="ctr">
+                      <a:solidFill>
+                        <a:srgbClr val="000000"/>
+                      </a:solidFill>
+                      <a:prstDash val="solid"/>
+                      <a:round/>
+                      <a:headEnd type="none" w="med" len="med"/>
+                      <a:tailEnd type="none" w="med" len="med"/>
+                    </a:lnR>
+                    <a:lnT w="6350" cap="flat" cmpd="sng" algn="ctr">
+                      <a:solidFill>
+                        <a:srgbClr val="000000"/>
+                      </a:solidFill>
+                      <a:prstDash val="solid"/>
+                      <a:round/>
+                      <a:headEnd type="none" w="med" len="med"/>
+                      <a:tailEnd type="none" w="med" len="med"/>
+                    </a:lnT>
+                    <a:lnB w="6350" cap="flat" cmpd="sng" algn="ctr">
+                      <a:solidFill>
+                        <a:srgbClr val="000000"/>
+                      </a:solidFill>
+                      <a:prstDash val="solid"/>
+                      <a:round/>
+                      <a:headEnd type="none" w="med" len="med"/>
+                      <a:tailEnd type="none" w="med" len="med"/>
+                    </a:lnB>
+                  </a:tcPr>
+                </a:tc>
+                <a:tc>
+                  <a:txBody>
+                    <a:bodyPr/>
+                    <a:lstStyle/>
+                    <a:p>
+                      <a:pPr algn="ctr" fontAlgn="b"/>
+                      <a:r>
+                        <a:rPr lang="es-AR" sz="1400" b="0" i="0" u="none" strike="noStrike">
+                          <a:solidFill>
+                            <a:srgbClr val="000000"/>
+                          </a:solidFill>
+                          <a:latin typeface="Calibri"/>
+                        </a:rPr>
+                        <a:t>0</a:t>
+                      </a:r>
+                    </a:p>
+                  </a:txBody>
+                  <a:tcPr marL="9525" marR="9525" marT="9525" marB="0" anchor="b">
+                    <a:lnL w="6350" cap="flat" cmpd="sng" algn="ctr">
+                      <a:solidFill>
+                        <a:srgbClr val="000000"/>
+                      </a:solidFill>
+                      <a:prstDash val="solid"/>
+                      <a:round/>
+                      <a:headEnd type="none" w="med" len="med"/>
+                      <a:tailEnd type="none" w="med" len="med"/>
+                    </a:lnL>
+                    <a:lnR w="6350" cap="flat" cmpd="sng" algn="ctr">
+                      <a:solidFill>
+                        <a:srgbClr val="000000"/>
+                      </a:solidFill>
+                      <a:prstDash val="solid"/>
+                      <a:round/>
+                      <a:headEnd type="none" w="med" len="med"/>
+                      <a:tailEnd type="none" w="med" len="med"/>
+                    </a:lnR>
+                    <a:lnT w="6350" cap="flat" cmpd="sng" algn="ctr">
+                      <a:solidFill>
+                        <a:srgbClr val="000000"/>
+                      </a:solidFill>
+                      <a:prstDash val="solid"/>
+                      <a:round/>
+                      <a:headEnd type="none" w="med" len="med"/>
+                      <a:tailEnd type="none" w="med" len="med"/>
+                    </a:lnT>
+                    <a:lnB w="6350" cap="flat" cmpd="sng" algn="ctr">
+                      <a:solidFill>
+                        <a:srgbClr val="000000"/>
+                      </a:solidFill>
+                      <a:prstDash val="solid"/>
+                      <a:round/>
+                      <a:headEnd type="none" w="med" len="med"/>
+                      <a:tailEnd type="none" w="med" len="med"/>
+                    </a:lnB>
+                  </a:tcPr>
+                </a:tc>
+                <a:tc>
+                  <a:txBody>
+                    <a:bodyPr/>
+                    <a:lstStyle/>
+                    <a:p>
+                      <a:pPr algn="ctr" fontAlgn="b"/>
+                      <a:r>
+                        <a:rPr lang="es-AR" sz="1400" b="0" i="0" u="none" strike="noStrike" dirty="0">
+                          <a:solidFill>
+                            <a:srgbClr val="000000"/>
+                          </a:solidFill>
+                          <a:latin typeface="Calibri"/>
+                        </a:rPr>
+                        <a:t>0%</a:t>
+                      </a:r>
+                    </a:p>
+                  </a:txBody>
+                  <a:tcPr marL="9525" marR="9525" marT="9525" marB="0" anchor="b">
+                    <a:lnL w="6350" cap="flat" cmpd="sng" algn="ctr">
+                      <a:solidFill>
+                        <a:srgbClr val="000000"/>
+                      </a:solidFill>
+                      <a:prstDash val="solid"/>
+                      <a:round/>
+                      <a:headEnd type="none" w="med" len="med"/>
+                      <a:tailEnd type="none" w="med" len="med"/>
+                    </a:lnL>
+                    <a:lnR w="6350" cap="flat" cmpd="sng" algn="ctr">
+                      <a:solidFill>
+                        <a:srgbClr val="000000"/>
+                      </a:solidFill>
+                      <a:prstDash val="solid"/>
+                      <a:round/>
+                      <a:headEnd type="none" w="med" len="med"/>
+                      <a:tailEnd type="none" w="med" len="med"/>
+                    </a:lnR>
+                    <a:lnT w="6350" cap="flat" cmpd="sng" algn="ctr">
+                      <a:solidFill>
+                        <a:srgbClr val="000000"/>
+                      </a:solidFill>
+                      <a:prstDash val="solid"/>
+                      <a:round/>
+                      <a:headEnd type="none" w="med" len="med"/>
+                      <a:tailEnd type="none" w="med" len="med"/>
+                    </a:lnT>
+                    <a:lnB w="6350" cap="flat" cmpd="sng" algn="ctr">
+                      <a:solidFill>
+                        <a:srgbClr val="000000"/>
+                      </a:solidFill>
+                      <a:prstDash val="solid"/>
+                      <a:round/>
+                      <a:headEnd type="none" w="med" len="med"/>
+                      <a:tailEnd type="none" w="med" len="med"/>
+                    </a:lnB>
+                  </a:tcPr>
+                </a:tc>
+              </a:tr>
+              <a:tr h="234733">
+                <a:tc gridSpan="2">
+                  <a:txBody>
+                    <a:bodyPr/>
+                    <a:lstStyle/>
+                    <a:p>
+                      <a:pPr algn="r" fontAlgn="b"/>
+                      <a:r>
+                        <a:rPr lang="es-AR" sz="1400" b="1" i="0" u="none" strike="noStrike">
+                          <a:solidFill>
+                            <a:srgbClr val="000000"/>
+                          </a:solidFill>
+                          <a:latin typeface="Calibri"/>
+                        </a:rPr>
+                        <a:t>Total</a:t>
+                      </a:r>
+                    </a:p>
+                  </a:txBody>
+                  <a:tcPr marL="9525" marR="9525" marT="9525" marB="0" anchor="b">
+                    <a:lnL w="6350" cap="flat" cmpd="sng" algn="ctr">
+                      <a:solidFill>
+                        <a:srgbClr val="000000"/>
+                      </a:solidFill>
+                      <a:prstDash val="solid"/>
+                      <a:round/>
+                      <a:headEnd type="none" w="med" len="med"/>
+                      <a:tailEnd type="none" w="med" len="med"/>
+                    </a:lnL>
+                    <a:lnR w="6350" cap="flat" cmpd="sng" algn="ctr">
+                      <a:solidFill>
+                        <a:srgbClr val="000000"/>
+                      </a:solidFill>
+                      <a:prstDash val="solid"/>
+                      <a:round/>
+                      <a:headEnd type="none" w="med" len="med"/>
+                      <a:tailEnd type="none" w="med" len="med"/>
+                    </a:lnR>
+                    <a:lnT w="6350" cap="flat" cmpd="sng" algn="ctr">
+                      <a:solidFill>
+                        <a:srgbClr val="000000"/>
+                      </a:solidFill>
+                      <a:prstDash val="solid"/>
+                      <a:round/>
+                      <a:headEnd type="none" w="med" len="med"/>
+                      <a:tailEnd type="none" w="med" len="med"/>
+                    </a:lnT>
+                    <a:lnB w="6350" cap="flat" cmpd="sng" algn="ctr">
+                      <a:solidFill>
+                        <a:srgbClr val="000000"/>
+                      </a:solidFill>
+                      <a:prstDash val="solid"/>
+                      <a:round/>
+                      <a:headEnd type="none" w="med" len="med"/>
+                      <a:tailEnd type="none" w="med" len="med"/>
+                    </a:lnB>
+                    <a:solidFill>
+                      <a:srgbClr val="9BBB59"/>
+                    </a:solidFill>
+                  </a:tcPr>
+                </a:tc>
+                <a:tc hMerge="1">
+                  <a:txBody>
+                    <a:bodyPr/>
+                    <a:lstStyle/>
+                    <a:p>
+                      <a:endParaRPr lang="es-AR"/>
+                    </a:p>
+                  </a:txBody>
+                  <a:tcPr/>
+                </a:tc>
+                <a:tc>
+                  <a:txBody>
+                    <a:bodyPr/>
+                    <a:lstStyle/>
+                    <a:p>
+                      <a:pPr algn="ctr" fontAlgn="b"/>
+                      <a:r>
+                        <a:rPr lang="es-AR" sz="1400" b="1" i="0" u="none" strike="noStrike">
+                          <a:solidFill>
+                            <a:srgbClr val="000000"/>
+                          </a:solidFill>
+                          <a:latin typeface="Calibri"/>
+                        </a:rPr>
+                        <a:t>93</a:t>
+                      </a:r>
+                    </a:p>
+                  </a:txBody>
+                  <a:tcPr marL="9525" marR="9525" marT="9525" marB="0" anchor="b">
+                    <a:lnL w="6350" cap="flat" cmpd="sng" algn="ctr">
+                      <a:solidFill>
+                        <a:srgbClr val="000000"/>
+                      </a:solidFill>
+                      <a:prstDash val="solid"/>
+                      <a:round/>
+                      <a:headEnd type="none" w="med" len="med"/>
+                      <a:tailEnd type="none" w="med" len="med"/>
+                    </a:lnL>
+                    <a:lnR w="6350" cap="flat" cmpd="sng" algn="ctr">
+                      <a:solidFill>
+                        <a:srgbClr val="000000"/>
+                      </a:solidFill>
+                      <a:prstDash val="solid"/>
+                      <a:round/>
+                      <a:headEnd type="none" w="med" len="med"/>
+                      <a:tailEnd type="none" w="med" len="med"/>
+                    </a:lnR>
+                    <a:lnT w="6350" cap="flat" cmpd="sng" algn="ctr">
+                      <a:solidFill>
+                        <a:srgbClr val="000000"/>
+                      </a:solidFill>
+                      <a:prstDash val="solid"/>
+                      <a:round/>
+                      <a:headEnd type="none" w="med" len="med"/>
+                      <a:tailEnd type="none" w="med" len="med"/>
+                    </a:lnT>
+                    <a:lnB w="6350" cap="flat" cmpd="sng" algn="ctr">
+                      <a:solidFill>
+                        <a:srgbClr val="000000"/>
+                      </a:solidFill>
+                      <a:prstDash val="solid"/>
+                      <a:round/>
+                      <a:headEnd type="none" w="med" len="med"/>
+                      <a:tailEnd type="none" w="med" len="med"/>
+                    </a:lnB>
+                    <a:solidFill>
+                      <a:srgbClr val="9BBB59"/>
+                    </a:solidFill>
+                  </a:tcPr>
+                </a:tc>
+                <a:tc>
+                  <a:txBody>
+                    <a:bodyPr/>
+                    <a:lstStyle/>
+                    <a:p>
+                      <a:pPr algn="ctr" fontAlgn="b"/>
+                      <a:r>
+                        <a:rPr lang="es-AR" sz="1400" b="1" i="0" u="none" strike="noStrike">
+                          <a:solidFill>
+                            <a:srgbClr val="000000"/>
+                          </a:solidFill>
+                          <a:latin typeface="Calibri"/>
+                        </a:rPr>
+                        <a:t>45</a:t>
+                      </a:r>
+                    </a:p>
+                  </a:txBody>
+                  <a:tcPr marL="9525" marR="9525" marT="9525" marB="0" anchor="b">
+                    <a:lnL w="6350" cap="flat" cmpd="sng" algn="ctr">
+                      <a:solidFill>
+                        <a:srgbClr val="000000"/>
+                      </a:solidFill>
+                      <a:prstDash val="solid"/>
+                      <a:round/>
+                      <a:headEnd type="none" w="med" len="med"/>
+                      <a:tailEnd type="none" w="med" len="med"/>
+                    </a:lnL>
+                    <a:lnR w="6350" cap="flat" cmpd="sng" algn="ctr">
+                      <a:solidFill>
+                        <a:srgbClr val="000000"/>
+                      </a:solidFill>
+                      <a:prstDash val="solid"/>
+                      <a:round/>
+                      <a:headEnd type="none" w="med" len="med"/>
+                      <a:tailEnd type="none" w="med" len="med"/>
+                    </a:lnR>
+                    <a:lnT w="6350" cap="flat" cmpd="sng" algn="ctr">
+                      <a:solidFill>
+                        <a:srgbClr val="000000"/>
+                      </a:solidFill>
+                      <a:prstDash val="solid"/>
+                      <a:round/>
+                      <a:headEnd type="none" w="med" len="med"/>
+                      <a:tailEnd type="none" w="med" len="med"/>
+                    </a:lnT>
+                    <a:lnB w="6350" cap="flat" cmpd="sng" algn="ctr">
+                      <a:solidFill>
+                        <a:srgbClr val="000000"/>
+                      </a:solidFill>
+                      <a:prstDash val="solid"/>
+                      <a:round/>
+                      <a:headEnd type="none" w="med" len="med"/>
+                      <a:tailEnd type="none" w="med" len="med"/>
+                    </a:lnB>
+                    <a:solidFill>
+                      <a:srgbClr val="9BBB59"/>
+                    </a:solidFill>
+                  </a:tcPr>
+                </a:tc>
+                <a:tc>
+                  <a:txBody>
+                    <a:bodyPr/>
+                    <a:lstStyle/>
+                    <a:p>
+                      <a:pPr algn="ctr" fontAlgn="b"/>
+                      <a:r>
+                        <a:rPr lang="es-AR" sz="1400" b="1" i="0" u="none" strike="noStrike" dirty="0">
+                          <a:solidFill>
+                            <a:srgbClr val="000000"/>
+                          </a:solidFill>
+                          <a:latin typeface="Calibri"/>
+                        </a:rPr>
+                        <a:t>48%</a:t>
+                      </a:r>
+                    </a:p>
+                  </a:txBody>
+                  <a:tcPr marL="9525" marR="9525" marT="9525" marB="0" anchor="b">
+                    <a:lnL w="6350" cap="flat" cmpd="sng" algn="ctr">
+                      <a:solidFill>
+                        <a:srgbClr val="000000"/>
+                      </a:solidFill>
+                      <a:prstDash val="solid"/>
+                      <a:round/>
+                      <a:headEnd type="none" w="med" len="med"/>
+                      <a:tailEnd type="none" w="med" len="med"/>
+                    </a:lnL>
+                    <a:lnR w="6350" cap="flat" cmpd="sng" algn="ctr">
+                      <a:solidFill>
+                        <a:srgbClr val="000000"/>
+                      </a:solidFill>
+                      <a:prstDash val="solid"/>
+                      <a:round/>
+                      <a:headEnd type="none" w="med" len="med"/>
+                      <a:tailEnd type="none" w="med" len="med"/>
+                    </a:lnR>
+                    <a:lnT w="6350" cap="flat" cmpd="sng" algn="ctr">
+                      <a:solidFill>
+                        <a:srgbClr val="000000"/>
+                      </a:solidFill>
+                      <a:prstDash val="solid"/>
+                      <a:round/>
+                      <a:headEnd type="none" w="med" len="med"/>
+                      <a:tailEnd type="none" w="med" len="med"/>
+                    </a:lnT>
+                    <a:lnB w="6350" cap="flat" cmpd="sng" algn="ctr">
+                      <a:solidFill>
+                        <a:srgbClr val="000000"/>
+                      </a:solidFill>
+                      <a:prstDash val="solid"/>
+                      <a:round/>
+                      <a:headEnd type="none" w="med" len="med"/>
+                      <a:tailEnd type="none" w="med" len="med"/>
+                    </a:lnB>
+                    <a:solidFill>
+                      <a:srgbClr val="9BBB59"/>
+                    </a:solidFill>
+                  </a:tcPr>
+                </a:tc>
+              </a:tr>
+            </a:tbl>
+          </a:graphicData>
+        </a:graphic>
+      </p:graphicFrame>
     </p:spTree>
     <p:extLst>
       <p:ext uri="{BB962C8B-B14F-4D97-AF65-F5344CB8AC3E}">
-        <p14:creationId xmlns:p14="http://schemas.microsoft.com/office/powerpoint/2010/main" xmlns="" val="3795601384"/>
+        <p14:creationId xmlns="" xmlns:p14="http://schemas.microsoft.com/office/powerpoint/2010/main" val="3795601384"/>
       </p:ext>
     </p:extLst>
   </p:cSld>
@@ -4531,11 +11933,7 @@
             </a:r>
             <a:r>
               <a:rPr lang="es-AR" dirty="0" smtClean="0"/>
-              <a:t>] Complejos</a:t>
-            </a:r>
-            <a:r>
-              <a:rPr lang="es-AR" dirty="0" smtClean="0"/>
-              <a:t>	</a:t>
+              <a:t>] Complejos	</a:t>
             </a:r>
             <a:endParaRPr lang="es-AR" dirty="0"/>
           </a:p>
@@ -4652,7 +12050,7 @@
     </p:spTree>
     <p:extLst>
       <p:ext uri="{BB962C8B-B14F-4D97-AF65-F5344CB8AC3E}">
-        <p14:creationId xmlns:p14="http://schemas.microsoft.com/office/powerpoint/2010/main" xmlns="" val="3795601384"/>
+        <p14:creationId xmlns="" xmlns:p14="http://schemas.microsoft.com/office/powerpoint/2010/main" val="3795601384"/>
       </p:ext>
     </p:extLst>
   </p:cSld>
@@ -4719,11 +12117,7 @@
             </a:r>
             <a:r>
               <a:rPr lang="es-AR" dirty="0" smtClean="0"/>
-              <a:t>] Compra/Reserva paso 1</a:t>
-            </a:r>
-            <a:r>
-              <a:rPr lang="es-AR" dirty="0" smtClean="0"/>
-              <a:t>	</a:t>
+              <a:t>] Compra/Reserva paso 1	</a:t>
             </a:r>
             <a:endParaRPr lang="es-AR" dirty="0"/>
           </a:p>
@@ -4897,14 +12291,13 @@
               <a:rPr lang="es-AR" sz="2400" dirty="0" smtClean="0"/>
               <a:t>Los rojos representan asientos ya tomados por otros usuarios.</a:t>
             </a:r>
-            <a:endParaRPr lang="es-AR" sz="2400" dirty="0" smtClean="0"/>
           </a:p>
         </p:txBody>
       </p:sp>
     </p:spTree>
     <p:extLst>
       <p:ext uri="{BB962C8B-B14F-4D97-AF65-F5344CB8AC3E}">
-        <p14:creationId xmlns:p14="http://schemas.microsoft.com/office/powerpoint/2010/main" xmlns="" val="3795601384"/>
+        <p14:creationId xmlns="" xmlns:p14="http://schemas.microsoft.com/office/powerpoint/2010/main" val="3795601384"/>
       </p:ext>
     </p:extLst>
   </p:cSld>
@@ -4971,11 +12364,7 @@
             </a:r>
             <a:r>
               <a:rPr lang="es-AR" dirty="0" smtClean="0"/>
-              <a:t>] Mi cuenta</a:t>
-            </a:r>
-            <a:r>
-              <a:rPr lang="es-AR" dirty="0" smtClean="0"/>
-              <a:t>	</a:t>
+              <a:t>] Mi cuenta	</a:t>
             </a:r>
             <a:endParaRPr lang="es-AR" dirty="0"/>
           </a:p>
@@ -5092,7 +12481,6 @@
               <a:rPr lang="es-AR" sz="2400" dirty="0" smtClean="0"/>
               <a:t> mediante la acción de la ventana izquierda.</a:t>
             </a:r>
-            <a:endParaRPr lang="es-AR" sz="2400" dirty="0" smtClean="0"/>
           </a:p>
         </p:txBody>
       </p:sp>
@@ -5163,7 +12551,7 @@
     </p:spTree>
     <p:extLst>
       <p:ext uri="{BB962C8B-B14F-4D97-AF65-F5344CB8AC3E}">
-        <p14:creationId xmlns:p14="http://schemas.microsoft.com/office/powerpoint/2010/main" xmlns="" val="3795601384"/>
+        <p14:creationId xmlns="" xmlns:p14="http://schemas.microsoft.com/office/powerpoint/2010/main" val="3795601384"/>
       </p:ext>
     </p:extLst>
   </p:cSld>
@@ -5230,11 +12618,7 @@
             </a:r>
             <a:r>
               <a:rPr lang="es-AR" dirty="0" smtClean="0"/>
-              <a:t>] Mis Reservas y Compras</a:t>
-            </a:r>
-            <a:r>
-              <a:rPr lang="es-AR" dirty="0" smtClean="0"/>
-              <a:t>	</a:t>
+              <a:t>] Mis Reservas y Compras	</a:t>
             </a:r>
             <a:endParaRPr lang="es-AR" dirty="0"/>
           </a:p>
@@ -5304,7 +12688,6 @@
               <a:rPr lang="es-AR" sz="2400" dirty="0" smtClean="0"/>
               <a:t>Imagen derecha: detalle de una compra. Se puede ver que además de compartir en redes sociales aparece el botón para agregar al calendario la función.</a:t>
             </a:r>
-            <a:endParaRPr lang="es-AR" sz="2400" dirty="0" smtClean="0"/>
           </a:p>
         </p:txBody>
       </p:sp>
@@ -5375,7 +12758,7 @@
     </p:spTree>
     <p:extLst>
       <p:ext uri="{BB962C8B-B14F-4D97-AF65-F5344CB8AC3E}">
-        <p14:creationId xmlns:p14="http://schemas.microsoft.com/office/powerpoint/2010/main" xmlns="" val="3795601384"/>
+        <p14:creationId xmlns="" xmlns:p14="http://schemas.microsoft.com/office/powerpoint/2010/main" val="3795601384"/>
       </p:ext>
     </p:extLst>
   </p:cSld>
@@ -5623,7 +13006,7 @@
   <a:extraClrSchemeLst/>
   <a:extLst>
     <a:ext uri="{05A4C25C-085E-4340-85A3-A5531E510DB2}">
-      <thm15:themeFamily xmlns:thm15="http://schemas.microsoft.com/office/thememl/2012/main" xmlns="" name="Metropolitan" id="{4C5440D6-04D2-4954-96CF-F251137069B2}" vid="{79CFCA13-9412-4290-BB4B-85112F88857B}"/>
+      <thm15:themeFamily xmlns="" xmlns:thm15="http://schemas.microsoft.com/office/thememl/2012/main" name="Metropolitan" id="{4C5440D6-04D2-4954-96CF-F251137069B2}" vid="{79CFCA13-9412-4290-BB4B-85112F88857B}"/>
     </a:ext>
   </a:extLst>
 </a:theme>

--- a/trunk/docs/Reuniones/Sprint 4/Informe de Avance/2013-10-28-InformedeAvance.pptx
+++ b/trunk/docs/Reuniones/Sprint 4/Informe de Avance/2013-10-28-InformedeAvance.pptx
@@ -16,6 +16,7 @@
     <p:sldId id="264" r:id="rId10"/>
     <p:sldId id="265" r:id="rId11"/>
     <p:sldId id="266" r:id="rId12"/>
+    <p:sldId id="269" r:id="rId13"/>
   </p:sldIdLst>
   <p:sldSz cx="12192000" cy="6858000"/>
   <p:notesSz cx="6858000" cy="9144000"/>
@@ -116,7 +117,18 @@
   </p:defaultTextStyle>
   <p:extLst>
     <p:ext uri="{EFAFB233-063F-42B5-8137-9DF3F51BA10A}">
-      <p15:sldGuideLst xmlns="" xmlns:p15="http://schemas.microsoft.com/office/powerpoint/2012/main"/>
+      <p15:sldGuideLst xmlns:p15="http://schemas.microsoft.com/office/powerpoint/2012/main">
+        <p15:guide id="1" orient="horz" pos="2160">
+          <p15:clr>
+            <a:srgbClr val="A4A3A4"/>
+          </p15:clr>
+        </p15:guide>
+        <p15:guide id="2" pos="3840">
+          <p15:clr>
+            <a:srgbClr val="A4A3A4"/>
+          </p15:clr>
+        </p15:guide>
+      </p15:sldGuideLst>
     </p:ext>
   </p:extLst>
 </p:presentation>
@@ -323,7 +335,7 @@
             <a:fld id="{2E617C37-6303-42D8-BFE6-5EB24290275E}" type="datetimeFigureOut">
               <a:rPr lang="es-AR" smtClean="0"/>
               <a:pPr/>
-              <a:t>27/10/2013</a:t>
+              <a:t>28/10/2013</a:t>
             </a:fld>
             <a:endParaRPr lang="es-AR"/>
           </a:p>
@@ -386,7 +398,7 @@
             <a:fld id="{B3B4F1AB-1F0D-449D-B0D3-BE201CAD4743}" type="slidenum">
               <a:rPr lang="es-AR" smtClean="0"/>
               <a:pPr/>
-              <a:t>‹Nº›</a:t>
+              <a:t>‹#›</a:t>
             </a:fld>
             <a:endParaRPr lang="es-AR"/>
           </a:p>
@@ -395,7 +407,7 @@
     </p:spTree>
     <p:extLst>
       <p:ext uri="{BB962C8B-B14F-4D97-AF65-F5344CB8AC3E}">
-        <p14:creationId xmlns="" xmlns:p14="http://schemas.microsoft.com/office/powerpoint/2010/main" val="2978784971"/>
+        <p14:creationId xmlns:p14="http://schemas.microsoft.com/office/powerpoint/2010/main" val="2978784971"/>
       </p:ext>
     </p:extLst>
   </p:cSld>
@@ -515,7 +527,7 @@
             <a:fld id="{2E617C37-6303-42D8-BFE6-5EB24290275E}" type="datetimeFigureOut">
               <a:rPr lang="es-AR" smtClean="0"/>
               <a:pPr/>
-              <a:t>27/10/2013</a:t>
+              <a:t>28/10/2013</a:t>
             </a:fld>
             <a:endParaRPr lang="es-AR"/>
           </a:p>
@@ -558,7 +570,7 @@
             <a:fld id="{B3B4F1AB-1F0D-449D-B0D3-BE201CAD4743}" type="slidenum">
               <a:rPr lang="es-AR" smtClean="0"/>
               <a:pPr/>
-              <a:t>‹Nº›</a:t>
+              <a:t>‹#›</a:t>
             </a:fld>
             <a:endParaRPr lang="es-AR"/>
           </a:p>
@@ -567,7 +579,7 @@
     </p:spTree>
     <p:extLst>
       <p:ext uri="{BB962C8B-B14F-4D97-AF65-F5344CB8AC3E}">
-        <p14:creationId xmlns="" xmlns:p14="http://schemas.microsoft.com/office/powerpoint/2010/main" val="3414630072"/>
+        <p14:creationId xmlns:p14="http://schemas.microsoft.com/office/powerpoint/2010/main" val="3414630072"/>
       </p:ext>
     </p:extLst>
   </p:cSld>
@@ -697,7 +709,7 @@
             <a:fld id="{2E617C37-6303-42D8-BFE6-5EB24290275E}" type="datetimeFigureOut">
               <a:rPr lang="es-AR" smtClean="0"/>
               <a:pPr/>
-              <a:t>27/10/2013</a:t>
+              <a:t>28/10/2013</a:t>
             </a:fld>
             <a:endParaRPr lang="es-AR"/>
           </a:p>
@@ -740,7 +752,7 @@
             <a:fld id="{B3B4F1AB-1F0D-449D-B0D3-BE201CAD4743}" type="slidenum">
               <a:rPr lang="es-AR" smtClean="0"/>
               <a:pPr/>
-              <a:t>‹Nº›</a:t>
+              <a:t>‹#›</a:t>
             </a:fld>
             <a:endParaRPr lang="es-AR"/>
           </a:p>
@@ -749,7 +761,7 @@
     </p:spTree>
     <p:extLst>
       <p:ext uri="{BB962C8B-B14F-4D97-AF65-F5344CB8AC3E}">
-        <p14:creationId xmlns="" xmlns:p14="http://schemas.microsoft.com/office/powerpoint/2010/main" val="1732606121"/>
+        <p14:creationId xmlns:p14="http://schemas.microsoft.com/office/powerpoint/2010/main" val="1732606121"/>
       </p:ext>
     </p:extLst>
   </p:cSld>
@@ -869,7 +881,7 @@
             <a:fld id="{2E617C37-6303-42D8-BFE6-5EB24290275E}" type="datetimeFigureOut">
               <a:rPr lang="es-AR" smtClean="0"/>
               <a:pPr/>
-              <a:t>27/10/2013</a:t>
+              <a:t>28/10/2013</a:t>
             </a:fld>
             <a:endParaRPr lang="es-AR"/>
           </a:p>
@@ -912,7 +924,7 @@
             <a:fld id="{B3B4F1AB-1F0D-449D-B0D3-BE201CAD4743}" type="slidenum">
               <a:rPr lang="es-AR" smtClean="0"/>
               <a:pPr/>
-              <a:t>‹Nº›</a:t>
+              <a:t>‹#›</a:t>
             </a:fld>
             <a:endParaRPr lang="es-AR"/>
           </a:p>
@@ -921,7 +933,7 @@
     </p:spTree>
     <p:extLst>
       <p:ext uri="{BB962C8B-B14F-4D97-AF65-F5344CB8AC3E}">
-        <p14:creationId xmlns="" xmlns:p14="http://schemas.microsoft.com/office/powerpoint/2010/main" val="2877234401"/>
+        <p14:creationId xmlns:p14="http://schemas.microsoft.com/office/powerpoint/2010/main" val="2877234401"/>
       </p:ext>
     </p:extLst>
   </p:cSld>
@@ -1127,7 +1139,7 @@
             <a:fld id="{2E617C37-6303-42D8-BFE6-5EB24290275E}" type="datetimeFigureOut">
               <a:rPr lang="es-AR" smtClean="0"/>
               <a:pPr/>
-              <a:t>27/10/2013</a:t>
+              <a:t>28/10/2013</a:t>
             </a:fld>
             <a:endParaRPr lang="es-AR"/>
           </a:p>
@@ -1170,7 +1182,7 @@
             <a:fld id="{B3B4F1AB-1F0D-449D-B0D3-BE201CAD4743}" type="slidenum">
               <a:rPr lang="es-AR" smtClean="0"/>
               <a:pPr/>
-              <a:t>‹Nº›</a:t>
+              <a:t>‹#›</a:t>
             </a:fld>
             <a:endParaRPr lang="es-AR"/>
           </a:p>
@@ -1179,7 +1191,7 @@
     </p:spTree>
     <p:extLst>
       <p:ext uri="{BB962C8B-B14F-4D97-AF65-F5344CB8AC3E}">
-        <p14:creationId xmlns="" xmlns:p14="http://schemas.microsoft.com/office/powerpoint/2010/main" val="2866971960"/>
+        <p14:creationId xmlns:p14="http://schemas.microsoft.com/office/powerpoint/2010/main" val="2866971960"/>
       </p:ext>
     </p:extLst>
   </p:cSld>
@@ -1417,7 +1429,7 @@
             <a:fld id="{2E617C37-6303-42D8-BFE6-5EB24290275E}" type="datetimeFigureOut">
               <a:rPr lang="es-AR" smtClean="0"/>
               <a:pPr/>
-              <a:t>27/10/2013</a:t>
+              <a:t>28/10/2013</a:t>
             </a:fld>
             <a:endParaRPr lang="es-AR"/>
           </a:p>
@@ -1460,7 +1472,7 @@
             <a:fld id="{B3B4F1AB-1F0D-449D-B0D3-BE201CAD4743}" type="slidenum">
               <a:rPr lang="es-AR" smtClean="0"/>
               <a:pPr/>
-              <a:t>‹Nº›</a:t>
+              <a:t>‹#›</a:t>
             </a:fld>
             <a:endParaRPr lang="es-AR"/>
           </a:p>
@@ -1469,7 +1481,7 @@
     </p:spTree>
     <p:extLst>
       <p:ext uri="{BB962C8B-B14F-4D97-AF65-F5344CB8AC3E}">
-        <p14:creationId xmlns="" xmlns:p14="http://schemas.microsoft.com/office/powerpoint/2010/main" val="2046317476"/>
+        <p14:creationId xmlns:p14="http://schemas.microsoft.com/office/powerpoint/2010/main" val="2046317476"/>
       </p:ext>
     </p:extLst>
   </p:cSld>
@@ -1857,7 +1869,7 @@
             <a:fld id="{2E617C37-6303-42D8-BFE6-5EB24290275E}" type="datetimeFigureOut">
               <a:rPr lang="es-AR" smtClean="0"/>
               <a:pPr/>
-              <a:t>27/10/2013</a:t>
+              <a:t>28/10/2013</a:t>
             </a:fld>
             <a:endParaRPr lang="es-AR"/>
           </a:p>
@@ -1900,7 +1912,7 @@
             <a:fld id="{B3B4F1AB-1F0D-449D-B0D3-BE201CAD4743}" type="slidenum">
               <a:rPr lang="es-AR" smtClean="0"/>
               <a:pPr/>
-              <a:t>‹Nº›</a:t>
+              <a:t>‹#›</a:t>
             </a:fld>
             <a:endParaRPr lang="es-AR"/>
           </a:p>
@@ -1909,7 +1921,7 @@
     </p:spTree>
     <p:extLst>
       <p:ext uri="{BB962C8B-B14F-4D97-AF65-F5344CB8AC3E}">
-        <p14:creationId xmlns="" xmlns:p14="http://schemas.microsoft.com/office/powerpoint/2010/main" val="4131858352"/>
+        <p14:creationId xmlns:p14="http://schemas.microsoft.com/office/powerpoint/2010/main" val="4131858352"/>
       </p:ext>
     </p:extLst>
   </p:cSld>
@@ -1977,7 +1989,7 @@
             <a:fld id="{2E617C37-6303-42D8-BFE6-5EB24290275E}" type="datetimeFigureOut">
               <a:rPr lang="es-AR" smtClean="0"/>
               <a:pPr/>
-              <a:t>27/10/2013</a:t>
+              <a:t>28/10/2013</a:t>
             </a:fld>
             <a:endParaRPr lang="es-AR"/>
           </a:p>
@@ -2020,7 +2032,7 @@
             <a:fld id="{B3B4F1AB-1F0D-449D-B0D3-BE201CAD4743}" type="slidenum">
               <a:rPr lang="es-AR" smtClean="0"/>
               <a:pPr/>
-              <a:t>‹Nº›</a:t>
+              <a:t>‹#›</a:t>
             </a:fld>
             <a:endParaRPr lang="es-AR"/>
           </a:p>
@@ -2029,7 +2041,7 @@
     </p:spTree>
     <p:extLst>
       <p:ext uri="{BB962C8B-B14F-4D97-AF65-F5344CB8AC3E}">
-        <p14:creationId xmlns="" xmlns:p14="http://schemas.microsoft.com/office/powerpoint/2010/main" val="677745671"/>
+        <p14:creationId xmlns:p14="http://schemas.microsoft.com/office/powerpoint/2010/main" val="677745671"/>
       </p:ext>
     </p:extLst>
   </p:cSld>
@@ -2074,7 +2086,7 @@
             <a:fld id="{2E617C37-6303-42D8-BFE6-5EB24290275E}" type="datetimeFigureOut">
               <a:rPr lang="es-AR" smtClean="0"/>
               <a:pPr/>
-              <a:t>27/10/2013</a:t>
+              <a:t>28/10/2013</a:t>
             </a:fld>
             <a:endParaRPr lang="es-AR"/>
           </a:p>
@@ -2117,7 +2129,7 @@
             <a:fld id="{B3B4F1AB-1F0D-449D-B0D3-BE201CAD4743}" type="slidenum">
               <a:rPr lang="es-AR" smtClean="0"/>
               <a:pPr/>
-              <a:t>‹Nº›</a:t>
+              <a:t>‹#›</a:t>
             </a:fld>
             <a:endParaRPr lang="es-AR"/>
           </a:p>
@@ -2126,7 +2138,7 @@
     </p:spTree>
     <p:extLst>
       <p:ext uri="{BB962C8B-B14F-4D97-AF65-F5344CB8AC3E}">
-        <p14:creationId xmlns="" xmlns:p14="http://schemas.microsoft.com/office/powerpoint/2010/main" val="422860722"/>
+        <p14:creationId xmlns:p14="http://schemas.microsoft.com/office/powerpoint/2010/main" val="422860722"/>
       </p:ext>
     </p:extLst>
   </p:cSld>
@@ -2432,7 +2444,7 @@
             <a:fld id="{2E617C37-6303-42D8-BFE6-5EB24290275E}" type="datetimeFigureOut">
               <a:rPr lang="es-AR" smtClean="0"/>
               <a:pPr/>
-              <a:t>27/10/2013</a:t>
+              <a:t>28/10/2013</a:t>
             </a:fld>
             <a:endParaRPr lang="es-AR"/>
           </a:p>
@@ -2485,7 +2497,7 @@
             <a:fld id="{B3B4F1AB-1F0D-449D-B0D3-BE201CAD4743}" type="slidenum">
               <a:rPr lang="es-AR" smtClean="0"/>
               <a:pPr/>
-              <a:t>‹Nº›</a:t>
+              <a:t>‹#›</a:t>
             </a:fld>
             <a:endParaRPr lang="es-AR"/>
           </a:p>
@@ -2494,7 +2506,7 @@
     </p:spTree>
     <p:extLst>
       <p:ext uri="{BB962C8B-B14F-4D97-AF65-F5344CB8AC3E}">
-        <p14:creationId xmlns="" xmlns:p14="http://schemas.microsoft.com/office/powerpoint/2010/main" val="4176082231"/>
+        <p14:creationId xmlns:p14="http://schemas.microsoft.com/office/powerpoint/2010/main" val="4176082231"/>
       </p:ext>
     </p:extLst>
   </p:cSld>
@@ -2750,7 +2762,7 @@
             <a:fld id="{2E617C37-6303-42D8-BFE6-5EB24290275E}" type="datetimeFigureOut">
               <a:rPr lang="es-AR" smtClean="0"/>
               <a:pPr/>
-              <a:t>27/10/2013</a:t>
+              <a:t>28/10/2013</a:t>
             </a:fld>
             <a:endParaRPr lang="es-AR"/>
           </a:p>
@@ -2813,7 +2825,7 @@
             <a:fld id="{B3B4F1AB-1F0D-449D-B0D3-BE201CAD4743}" type="slidenum">
               <a:rPr lang="es-AR" smtClean="0"/>
               <a:pPr/>
-              <a:t>‹Nº›</a:t>
+              <a:t>‹#›</a:t>
             </a:fld>
             <a:endParaRPr lang="es-AR"/>
           </a:p>
@@ -2822,7 +2834,7 @@
     </p:spTree>
     <p:extLst>
       <p:ext uri="{BB962C8B-B14F-4D97-AF65-F5344CB8AC3E}">
-        <p14:creationId xmlns="" xmlns:p14="http://schemas.microsoft.com/office/powerpoint/2010/main" val="3433054844"/>
+        <p14:creationId xmlns:p14="http://schemas.microsoft.com/office/powerpoint/2010/main" val="3433054844"/>
       </p:ext>
     </p:extLst>
   </p:cSld>
@@ -2985,7 +2997,7 @@
             <a:fld id="{2E617C37-6303-42D8-BFE6-5EB24290275E}" type="datetimeFigureOut">
               <a:rPr lang="es-AR" smtClean="0"/>
               <a:pPr/>
-              <a:t>27/10/2013</a:t>
+              <a:t>28/10/2013</a:t>
             </a:fld>
             <a:endParaRPr lang="es-AR"/>
           </a:p>
@@ -3068,7 +3080,7 @@
             <a:fld id="{B3B4F1AB-1F0D-449D-B0D3-BE201CAD4743}" type="slidenum">
               <a:rPr lang="es-AR" smtClean="0"/>
               <a:pPr/>
-              <a:t>‹Nº›</a:t>
+              <a:t>‹#›</a:t>
             </a:fld>
             <a:endParaRPr lang="es-AR"/>
           </a:p>
@@ -3077,7 +3089,7 @@
     </p:spTree>
     <p:extLst>
       <p:ext uri="{BB962C8B-B14F-4D97-AF65-F5344CB8AC3E}">
-        <p14:creationId xmlns="" xmlns:p14="http://schemas.microsoft.com/office/powerpoint/2010/main" val="4103197459"/>
+        <p14:creationId xmlns:p14="http://schemas.microsoft.com/office/powerpoint/2010/main" val="4103197459"/>
       </p:ext>
     </p:extLst>
   </p:cSld>
@@ -3592,7 +3604,7 @@
     </p:spTree>
     <p:extLst>
       <p:ext uri="{BB962C8B-B14F-4D97-AF65-F5344CB8AC3E}">
-        <p14:creationId xmlns="" xmlns:p14="http://schemas.microsoft.com/office/powerpoint/2010/main" val="3686140897"/>
+        <p14:creationId xmlns:p14="http://schemas.microsoft.com/office/powerpoint/2010/main" val="3686140897"/>
       </p:ext>
     </p:extLst>
   </p:cSld>
@@ -3805,7 +3817,7 @@
     </p:spTree>
     <p:extLst>
       <p:ext uri="{BB962C8B-B14F-4D97-AF65-F5344CB8AC3E}">
-        <p14:creationId xmlns="" xmlns:p14="http://schemas.microsoft.com/office/powerpoint/2010/main" val="3795601384"/>
+        <p14:creationId xmlns:p14="http://schemas.microsoft.com/office/powerpoint/2010/main" val="3795601384"/>
       </p:ext>
     </p:extLst>
   </p:cSld>
@@ -4021,7 +4033,146 @@
     </p:spTree>
     <p:extLst>
       <p:ext uri="{BB962C8B-B14F-4D97-AF65-F5344CB8AC3E}">
-        <p14:creationId xmlns="" xmlns:p14="http://schemas.microsoft.com/office/powerpoint/2010/main" val="3795601384"/>
+        <p14:creationId xmlns:p14="http://schemas.microsoft.com/office/powerpoint/2010/main" val="3795601384"/>
+      </p:ext>
+    </p:extLst>
+  </p:cSld>
+  <p:clrMapOvr>
+    <a:masterClrMapping/>
+  </p:clrMapOvr>
+  <p:timing>
+    <p:tnLst>
+      <p:par>
+        <p:cTn id="1" dur="indefinite" restart="never" nodeType="tmRoot"/>
+      </p:par>
+    </p:tnLst>
+  </p:timing>
+</p:sld>
+</file>
+
+<file path=ppt/slides/slide12.xml><?xml version="1.0" encoding="utf-8"?>
+<p:sld xmlns:a="http://schemas.openxmlformats.org/drawingml/2006/main" xmlns:r="http://schemas.openxmlformats.org/officeDocument/2006/relationships" xmlns:p="http://schemas.openxmlformats.org/presentationml/2006/main">
+  <p:cSld>
+    <p:spTree>
+      <p:nvGrpSpPr>
+        <p:cNvPr id="1" name=""/>
+        <p:cNvGrpSpPr/>
+        <p:nvPr/>
+      </p:nvGrpSpPr>
+      <p:grpSpPr>
+        <a:xfrm>
+          <a:off x="0" y="0"/>
+          <a:ext cx="0" cy="0"/>
+          <a:chOff x="0" y="0"/>
+          <a:chExt cx="0" cy="0"/>
+        </a:xfrm>
+      </p:grpSpPr>
+      <p:sp>
+        <p:nvSpPr>
+          <p:cNvPr id="2" name="1 Título"/>
+          <p:cNvSpPr>
+            <a:spLocks noGrp="1"/>
+          </p:cNvSpPr>
+          <p:nvPr>
+            <p:ph type="title"/>
+          </p:nvPr>
+        </p:nvSpPr>
+        <p:spPr>
+          <a:xfrm>
+            <a:off x="2024034" y="142852"/>
+            <a:ext cx="8229600" cy="1344203"/>
+          </a:xfrm>
+        </p:spPr>
+        <p:txBody>
+          <a:bodyPr/>
+          <a:lstStyle/>
+          <a:p>
+            <a:pPr algn="ctr"/>
+            <a:r>
+              <a:rPr lang="en-US" dirty="0" smtClean="0"/>
+              <a:t>Para </a:t>
+            </a:r>
+            <a:r>
+              <a:rPr lang="en-US" dirty="0" err="1" smtClean="0"/>
+              <a:t>hablar</a:t>
+            </a:r>
+            <a:endParaRPr lang="es-AR" sz="3600" i="1" dirty="0"/>
+          </a:p>
+        </p:txBody>
+      </p:sp>
+      <p:sp>
+        <p:nvSpPr>
+          <p:cNvPr id="3" name="2 Marcador de contenido"/>
+          <p:cNvSpPr>
+            <a:spLocks noGrp="1"/>
+          </p:cNvSpPr>
+          <p:nvPr>
+            <p:ph idx="1"/>
+          </p:nvPr>
+        </p:nvSpPr>
+        <p:spPr>
+          <a:xfrm>
+            <a:off x="2106187" y="1745674"/>
+            <a:ext cx="8065294" cy="4174836"/>
+          </a:xfrm>
+        </p:spPr>
+        <p:txBody>
+          <a:bodyPr>
+            <a:noAutofit/>
+          </a:bodyPr>
+          <a:lstStyle/>
+          <a:p>
+            <a:pPr>
+              <a:buFont typeface="Arial" panose="020B0604020202020204" pitchFamily="34" charset="0"/>
+              <a:buChar char="•"/>
+            </a:pPr>
+            <a:r>
+              <a:rPr lang="en-US" sz="3200" dirty="0" smtClean="0"/>
+              <a:t> </a:t>
+            </a:r>
+            <a:r>
+              <a:rPr lang="en-US" sz="3200" dirty="0" err="1" smtClean="0"/>
+              <a:t>Capacidad</a:t>
+            </a:r>
+            <a:r>
+              <a:rPr lang="en-US" sz="3200" dirty="0" smtClean="0"/>
+              <a:t> de </a:t>
+            </a:r>
+            <a:r>
+              <a:rPr lang="en-US" sz="3200" dirty="0" err="1" smtClean="0"/>
+              <a:t>e</a:t>
+            </a:r>
+            <a:r>
+              <a:rPr lang="en-US" sz="3200" dirty="0" err="1" smtClean="0"/>
+              <a:t>ditar</a:t>
+            </a:r>
+            <a:r>
+              <a:rPr lang="en-US" sz="3200" dirty="0" smtClean="0"/>
+              <a:t> </a:t>
+            </a:r>
+            <a:r>
+              <a:rPr lang="en-US" sz="3200" dirty="0" err="1"/>
+              <a:t>s</a:t>
+            </a:r>
+            <a:r>
+              <a:rPr lang="en-US" sz="3200" dirty="0" err="1" smtClean="0"/>
+              <a:t>ala</a:t>
+            </a:r>
+            <a:endParaRPr lang="en-US" sz="3200" dirty="0" smtClean="0"/>
+          </a:p>
+          <a:p>
+            <a:pPr>
+              <a:buFont typeface="Arial" panose="020B0604020202020204" pitchFamily="34" charset="0"/>
+              <a:buChar char="•"/>
+            </a:pPr>
+            <a:endParaRPr lang="es-AR" sz="3200" dirty="0" smtClean="0"/>
+          </a:p>
+        </p:txBody>
+      </p:sp>
+    </p:spTree>
+    <p:extLst>
+      <p:ext uri="{BB962C8B-B14F-4D97-AF65-F5344CB8AC3E}">
+        <p14:creationId xmlns:p14="http://schemas.microsoft.com/office/powerpoint/2010/main" val="127048368"/>
       </p:ext>
     </p:extLst>
   </p:cSld>
@@ -4142,7 +4293,7 @@
     </p:spTree>
     <p:extLst>
       <p:ext uri="{BB962C8B-B14F-4D97-AF65-F5344CB8AC3E}">
-        <p14:creationId xmlns="" xmlns:p14="http://schemas.microsoft.com/office/powerpoint/2010/main" val="253913631"/>
+        <p14:creationId xmlns:p14="http://schemas.microsoft.com/office/powerpoint/2010/main" val="253913631"/>
       </p:ext>
     </p:extLst>
   </p:cSld>
@@ -4251,7 +4402,7 @@
     </p:spTree>
     <p:extLst>
       <p:ext uri="{BB962C8B-B14F-4D97-AF65-F5344CB8AC3E}">
-        <p14:creationId xmlns="" xmlns:p14="http://schemas.microsoft.com/office/powerpoint/2010/main" val="1027980817"/>
+        <p14:creationId xmlns:p14="http://schemas.microsoft.com/office/powerpoint/2010/main" val="1027980817"/>
       </p:ext>
     </p:extLst>
   </p:cSld>
@@ -4351,7 +4502,7 @@
     </p:spTree>
     <p:extLst>
       <p:ext uri="{BB962C8B-B14F-4D97-AF65-F5344CB8AC3E}">
-        <p14:creationId xmlns="" xmlns:p14="http://schemas.microsoft.com/office/powerpoint/2010/main" val="3795601384"/>
+        <p14:creationId xmlns:p14="http://schemas.microsoft.com/office/powerpoint/2010/main" val="3795601384"/>
       </p:ext>
     </p:extLst>
   </p:cSld>
@@ -11868,7 +12019,7 @@
     </p:spTree>
     <p:extLst>
       <p:ext uri="{BB962C8B-B14F-4D97-AF65-F5344CB8AC3E}">
-        <p14:creationId xmlns="" xmlns:p14="http://schemas.microsoft.com/office/powerpoint/2010/main" val="3795601384"/>
+        <p14:creationId xmlns:p14="http://schemas.microsoft.com/office/powerpoint/2010/main" val="3795601384"/>
       </p:ext>
     </p:extLst>
   </p:cSld>
@@ -12050,7 +12201,7 @@
     </p:spTree>
     <p:extLst>
       <p:ext uri="{BB962C8B-B14F-4D97-AF65-F5344CB8AC3E}">
-        <p14:creationId xmlns="" xmlns:p14="http://schemas.microsoft.com/office/powerpoint/2010/main" val="3795601384"/>
+        <p14:creationId xmlns:p14="http://schemas.microsoft.com/office/powerpoint/2010/main" val="3795601384"/>
       </p:ext>
     </p:extLst>
   </p:cSld>
@@ -12297,7 +12448,7 @@
     </p:spTree>
     <p:extLst>
       <p:ext uri="{BB962C8B-B14F-4D97-AF65-F5344CB8AC3E}">
-        <p14:creationId xmlns="" xmlns:p14="http://schemas.microsoft.com/office/powerpoint/2010/main" val="3795601384"/>
+        <p14:creationId xmlns:p14="http://schemas.microsoft.com/office/powerpoint/2010/main" val="3795601384"/>
       </p:ext>
     </p:extLst>
   </p:cSld>
@@ -12551,7 +12702,7 @@
     </p:spTree>
     <p:extLst>
       <p:ext uri="{BB962C8B-B14F-4D97-AF65-F5344CB8AC3E}">
-        <p14:creationId xmlns="" xmlns:p14="http://schemas.microsoft.com/office/powerpoint/2010/main" val="3795601384"/>
+        <p14:creationId xmlns:p14="http://schemas.microsoft.com/office/powerpoint/2010/main" val="3795601384"/>
       </p:ext>
     </p:extLst>
   </p:cSld>
@@ -12758,7 +12909,7 @@
     </p:spTree>
     <p:extLst>
       <p:ext uri="{BB962C8B-B14F-4D97-AF65-F5344CB8AC3E}">
-        <p14:creationId xmlns="" xmlns:p14="http://schemas.microsoft.com/office/powerpoint/2010/main" val="3795601384"/>
+        <p14:creationId xmlns:p14="http://schemas.microsoft.com/office/powerpoint/2010/main" val="3795601384"/>
       </p:ext>
     </p:extLst>
   </p:cSld>
@@ -13006,7 +13157,7 @@
   <a:extraClrSchemeLst/>
   <a:extLst>
     <a:ext uri="{05A4C25C-085E-4340-85A3-A5531E510DB2}">
-      <thm15:themeFamily xmlns="" xmlns:thm15="http://schemas.microsoft.com/office/thememl/2012/main" name="Metropolitan" id="{4C5440D6-04D2-4954-96CF-F251137069B2}" vid="{79CFCA13-9412-4290-BB4B-85112F88857B}"/>
+      <thm15:themeFamily xmlns:thm15="http://schemas.microsoft.com/office/thememl/2012/main" name="Metropolitan" id="{4C5440D6-04D2-4954-96CF-F251137069B2}" vid="{79CFCA13-9412-4290-BB4B-85112F88857B}"/>
     </a:ext>
   </a:extLst>
 </a:theme>

--- a/trunk/docs/Reuniones/Sprint 4/Informe de Avance/2013-10-28-InformedeAvance.pptx
+++ b/trunk/docs/Reuniones/Sprint 4/Informe de Avance/2013-10-28-InformedeAvance.pptx
@@ -4140,23 +4140,38 @@
             </a:r>
             <a:r>
               <a:rPr lang="en-US" sz="3200" dirty="0" err="1" smtClean="0"/>
-              <a:t>e</a:t>
-            </a:r>
-            <a:r>
-              <a:rPr lang="en-US" sz="3200" dirty="0" err="1" smtClean="0"/>
-              <a:t>ditar</a:t>
+              <a:t>editar</a:t>
             </a:r>
             <a:r>
               <a:rPr lang="en-US" sz="3200" dirty="0" smtClean="0"/>
               <a:t> </a:t>
             </a:r>
             <a:r>
-              <a:rPr lang="en-US" sz="3200" dirty="0" err="1"/>
-              <a:t>s</a:t>
-            </a:r>
-            <a:r>
               <a:rPr lang="en-US" sz="3200" dirty="0" err="1" smtClean="0"/>
-              <a:t>ala</a:t>
+              <a:t>sala</a:t>
+            </a:r>
+            <a:endParaRPr lang="en-US" sz="3200" dirty="0" smtClean="0"/>
+          </a:p>
+          <a:p>
+            <a:pPr>
+              <a:buFont typeface="Arial" panose="020B0604020202020204" pitchFamily="34" charset="0"/>
+              <a:buChar char="•"/>
+            </a:pPr>
+            <a:r>
+              <a:rPr lang="en-US" sz="3200" dirty="0" smtClean="0"/>
+              <a:t> </a:t>
+            </a:r>
+            <a:r>
+              <a:rPr lang="en-US" sz="3200" dirty="0" err="1" smtClean="0"/>
+              <a:t>Exámen</a:t>
+            </a:r>
+            <a:r>
+              <a:rPr lang="en-US" sz="3200" dirty="0" smtClean="0"/>
+              <a:t> y </a:t>
+            </a:r>
+            <a:r>
+              <a:rPr lang="en-US" sz="3200" dirty="0" err="1" smtClean="0"/>
+              <a:t>reportes</a:t>
             </a:r>
             <a:endParaRPr lang="en-US" sz="3200" dirty="0" smtClean="0"/>
           </a:p>

--- a/trunk/docs/Reuniones/Sprint 4/Informe de Avance/2013-10-28-InformedeAvance.pptx
+++ b/trunk/docs/Reuniones/Sprint 4/Informe de Avance/2013-10-28-InformedeAvance.pptx
@@ -4738,6 +4738,25 @@
               <a:buFont typeface="Arial" panose="020B0604020202020204" pitchFamily="34" charset="0"/>
               <a:buChar char="•"/>
             </a:pPr>
+            <a:r>
+              <a:rPr lang="en-US" sz="3200" dirty="0" err="1" smtClean="0"/>
+              <a:t>Pruebas</a:t>
+            </a:r>
+            <a:r>
+              <a:rPr lang="en-US" sz="3200" dirty="0" smtClean="0"/>
+              <a:t> </a:t>
+            </a:r>
+            <a:r>
+              <a:rPr lang="en-US" sz="3200" dirty="0" err="1" smtClean="0"/>
+              <a:t>funcionales</a:t>
+            </a:r>
+            <a:endParaRPr lang="en-US" sz="3200" dirty="0" smtClean="0"/>
+          </a:p>
+          <a:p>
+            <a:pPr>
+              <a:buFont typeface="Arial" panose="020B0604020202020204" pitchFamily="34" charset="0"/>
+              <a:buChar char="•"/>
+            </a:pPr>
             <a:endParaRPr lang="es-AR" sz="3200" dirty="0" smtClean="0"/>
           </a:p>
         </p:txBody>
@@ -4982,11 +5001,7 @@
             </a:pPr>
             <a:r>
               <a:rPr lang="en-US" sz="3200" dirty="0" err="1" smtClean="0"/>
-              <a:t>Pantall</a:t>
-            </a:r>
-            <a:r>
-              <a:rPr lang="en-US" sz="3200" dirty="0" err="1" smtClean="0"/>
-              <a:t>a</a:t>
+              <a:t>Pantalla</a:t>
             </a:r>
             <a:r>
               <a:rPr lang="en-US" sz="3200" dirty="0" smtClean="0"/>
